--- a/docs/vldb16/figures/figs.pptx
+++ b/docs/vldb16/figures/figs.pptx
@@ -13,6 +13,7 @@
     <p:sldId id="262" r:id="rId7"/>
     <p:sldId id="263" r:id="rId8"/>
     <p:sldId id="261" r:id="rId9"/>
+    <p:sldId id="264" r:id="rId10"/>
   </p:sldIdLst>
   <p:sldSz cx="9144000" cy="6858000" type="screen4x3"/>
   <p:notesSz cx="6858000" cy="9144000"/>
@@ -113,7 +114,7 @@
   </p:defaultTextStyle>
   <p:extLst>
     <p:ext uri="{EFAFB233-063F-42B5-8137-9DF3F51BA10A}">
-      <p15:sldGuideLst xmlns="" xmlns:p15="http://schemas.microsoft.com/office/powerpoint/2012/main">
+      <p15:sldGuideLst xmlns:p15="http://schemas.microsoft.com/office/powerpoint/2012/main">
         <p15:guide id="1" orient="horz" pos="2160">
           <p15:clr>
             <a:srgbClr val="A4A3A4"/>
@@ -311,7 +312,7 @@
           <a:p>
             <a:fld id="{E53DFF73-D480-144E-A535-5E58F29F2980}" type="datetimeFigureOut">
               <a:rPr lang="en-US" smtClean="0"/>
-              <a:t>11/19/15</a:t>
+              <a:t>1/19/16</a:t>
             </a:fld>
             <a:endParaRPr lang="en-US"/>
           </a:p>
@@ -481,7 +482,7 @@
           <a:p>
             <a:fld id="{E53DFF73-D480-144E-A535-5E58F29F2980}" type="datetimeFigureOut">
               <a:rPr lang="en-US" smtClean="0"/>
-              <a:t>11/19/15</a:t>
+              <a:t>1/19/16</a:t>
             </a:fld>
             <a:endParaRPr lang="en-US"/>
           </a:p>
@@ -661,7 +662,7 @@
           <a:p>
             <a:fld id="{E53DFF73-D480-144E-A535-5E58F29F2980}" type="datetimeFigureOut">
               <a:rPr lang="en-US" smtClean="0"/>
-              <a:t>11/19/15</a:t>
+              <a:t>1/19/16</a:t>
             </a:fld>
             <a:endParaRPr lang="en-US"/>
           </a:p>
@@ -831,7 +832,7 @@
           <a:p>
             <a:fld id="{E53DFF73-D480-144E-A535-5E58F29F2980}" type="datetimeFigureOut">
               <a:rPr lang="en-US" smtClean="0"/>
-              <a:t>11/19/15</a:t>
+              <a:t>1/19/16</a:t>
             </a:fld>
             <a:endParaRPr lang="en-US"/>
           </a:p>
@@ -1077,7 +1078,7 @@
           <a:p>
             <a:fld id="{E53DFF73-D480-144E-A535-5E58F29F2980}" type="datetimeFigureOut">
               <a:rPr lang="en-US" smtClean="0"/>
-              <a:t>11/19/15</a:t>
+              <a:t>1/19/16</a:t>
             </a:fld>
             <a:endParaRPr lang="en-US"/>
           </a:p>
@@ -1365,7 +1366,7 @@
           <a:p>
             <a:fld id="{E53DFF73-D480-144E-A535-5E58F29F2980}" type="datetimeFigureOut">
               <a:rPr lang="en-US" smtClean="0"/>
-              <a:t>11/19/15</a:t>
+              <a:t>1/19/16</a:t>
             </a:fld>
             <a:endParaRPr lang="en-US"/>
           </a:p>
@@ -1787,7 +1788,7 @@
           <a:p>
             <a:fld id="{E53DFF73-D480-144E-A535-5E58F29F2980}" type="datetimeFigureOut">
               <a:rPr lang="en-US" smtClean="0"/>
-              <a:t>11/19/15</a:t>
+              <a:t>1/19/16</a:t>
             </a:fld>
             <a:endParaRPr lang="en-US"/>
           </a:p>
@@ -1905,7 +1906,7 @@
           <a:p>
             <a:fld id="{E53DFF73-D480-144E-A535-5E58F29F2980}" type="datetimeFigureOut">
               <a:rPr lang="en-US" smtClean="0"/>
-              <a:t>11/19/15</a:t>
+              <a:t>1/19/16</a:t>
             </a:fld>
             <a:endParaRPr lang="en-US"/>
           </a:p>
@@ -2000,7 +2001,7 @@
           <a:p>
             <a:fld id="{E53DFF73-D480-144E-A535-5E58F29F2980}" type="datetimeFigureOut">
               <a:rPr lang="en-US" smtClean="0"/>
-              <a:t>11/19/15</a:t>
+              <a:t>1/19/16</a:t>
             </a:fld>
             <a:endParaRPr lang="en-US"/>
           </a:p>
@@ -2277,7 +2278,7 @@
           <a:p>
             <a:fld id="{E53DFF73-D480-144E-A535-5E58F29F2980}" type="datetimeFigureOut">
               <a:rPr lang="en-US" smtClean="0"/>
-              <a:t>11/19/15</a:t>
+              <a:t>1/19/16</a:t>
             </a:fld>
             <a:endParaRPr lang="en-US"/>
           </a:p>
@@ -2530,7 +2531,7 @@
           <a:p>
             <a:fld id="{E53DFF73-D480-144E-A535-5E58F29F2980}" type="datetimeFigureOut">
               <a:rPr lang="en-US" smtClean="0"/>
-              <a:t>11/19/15</a:t>
+              <a:t>1/19/16</a:t>
             </a:fld>
             <a:endParaRPr lang="en-US"/>
           </a:p>
@@ -2743,7 +2744,7 @@
           <a:p>
             <a:fld id="{E53DFF73-D480-144E-A535-5E58F29F2980}" type="datetimeFigureOut">
               <a:rPr lang="en-US" smtClean="0"/>
-              <a:t>11/19/15</a:t>
+              <a:t>1/19/16</a:t>
             </a:fld>
             <a:endParaRPr lang="en-US"/>
           </a:p>
@@ -3480,7 +3481,7 @@
   <p:timing>
     <p:tnLst>
       <p:par>
-        <p:cTn xmlns:p14="http://schemas.microsoft.com/office/powerpoint/2010/main" id="1" dur="indefinite" restart="never" nodeType="tmRoot"/>
+        <p:cTn id="1" dur="indefinite" restart="never" nodeType="tmRoot"/>
       </p:par>
     </p:tnLst>
   </p:timing>
@@ -4299,7 +4300,7 @@
   <p:timing>
     <p:tnLst>
       <p:par>
-        <p:cTn xmlns:p14="http://schemas.microsoft.com/office/powerpoint/2010/main" id="1" dur="indefinite" restart="never" nodeType="tmRoot"/>
+        <p:cTn id="1" dur="indefinite" restart="never" nodeType="tmRoot"/>
       </p:par>
     </p:tnLst>
   </p:timing>
@@ -5036,7 +5037,7 @@
   <p:timing>
     <p:tnLst>
       <p:par>
-        <p:cTn xmlns:p14="http://schemas.microsoft.com/office/powerpoint/2010/main" id="1" dur="indefinite" restart="never" nodeType="tmRoot"/>
+        <p:cTn id="1" dur="indefinite" restart="never" nodeType="tmRoot"/>
       </p:par>
     </p:tnLst>
   </p:timing>
@@ -12475,7 +12476,7 @@
   <p:timing>
     <p:tnLst>
       <p:par>
-        <p:cTn xmlns:p14="http://schemas.microsoft.com/office/powerpoint/2010/main" id="1" dur="indefinite" restart="never" nodeType="tmRoot"/>
+        <p:cTn id="1" dur="indefinite" restart="never" nodeType="tmRoot"/>
       </p:par>
     </p:tnLst>
   </p:timing>
@@ -15148,7 +15149,7 @@
   <p:timing>
     <p:tnLst>
       <p:par>
-        <p:cTn xmlns:p14="http://schemas.microsoft.com/office/powerpoint/2010/main" id="1" dur="indefinite" restart="never" nodeType="tmRoot"/>
+        <p:cTn id="1" dur="indefinite" restart="never" nodeType="tmRoot"/>
       </p:par>
     </p:tnLst>
   </p:timing>
@@ -17069,6 +17070,1562 @@
     <p:extLst>
       <p:ext uri="{BB962C8B-B14F-4D97-AF65-F5344CB8AC3E}">
         <p14:creationId xmlns:p14="http://schemas.microsoft.com/office/powerpoint/2010/main" val="612918260"/>
+      </p:ext>
+    </p:extLst>
+  </p:cSld>
+  <p:clrMapOvr>
+    <a:masterClrMapping/>
+  </p:clrMapOvr>
+</p:sld>
+</file>
+
+<file path=ppt/slides/slide9.xml><?xml version="1.0" encoding="utf-8"?>
+<p:sld xmlns:a="http://schemas.openxmlformats.org/drawingml/2006/main" xmlns:r="http://schemas.openxmlformats.org/officeDocument/2006/relationships" xmlns:p="http://schemas.openxmlformats.org/presentationml/2006/main">
+  <p:cSld>
+    <p:spTree>
+      <p:nvGrpSpPr>
+        <p:cNvPr id="1" name=""/>
+        <p:cNvGrpSpPr/>
+        <p:nvPr/>
+      </p:nvGrpSpPr>
+      <p:grpSpPr>
+        <a:xfrm>
+          <a:off x="0" y="0"/>
+          <a:ext cx="0" cy="0"/>
+          <a:chOff x="0" y="0"/>
+          <a:chExt cx="0" cy="0"/>
+        </a:xfrm>
+      </p:grpSpPr>
+      <p:sp>
+        <p:nvSpPr>
+          <p:cNvPr id="34" name="TextBox 33"/>
+          <p:cNvSpPr txBox="1"/>
+          <p:nvPr/>
+        </p:nvSpPr>
+        <p:spPr>
+          <a:xfrm>
+            <a:off x="1903096" y="2194994"/>
+            <a:ext cx="742511" cy="369332"/>
+          </a:xfrm>
+          <a:prstGeom prst="rect">
+            <a:avLst/>
+          </a:prstGeom>
+          <a:noFill/>
+        </p:spPr>
+        <p:txBody>
+          <a:bodyPr wrap="none" rtlCol="0">
+            <a:spAutoFit/>
+          </a:bodyPr>
+          <a:lstStyle/>
+          <a:p>
+            <a:pPr algn="r"/>
+            <a:r>
+              <a:rPr lang="en-US" dirty="0" smtClean="0">
+                <a:solidFill>
+                  <a:schemeClr val="bg1">
+                    <a:lumMod val="50000"/>
+                  </a:schemeClr>
+                </a:solidFill>
+                <a:latin typeface="Gill Sans"/>
+                <a:cs typeface="Gill Sans"/>
+              </a:rPr>
+              <a:t>tuples</a:t>
+            </a:r>
+          </a:p>
+        </p:txBody>
+      </p:sp>
+      <p:sp>
+        <p:nvSpPr>
+          <p:cNvPr id="35" name="TextBox 34"/>
+          <p:cNvSpPr txBox="1"/>
+          <p:nvPr/>
+        </p:nvSpPr>
+        <p:spPr>
+          <a:xfrm>
+            <a:off x="2018704" y="2414343"/>
+            <a:ext cx="626903" cy="369332"/>
+          </a:xfrm>
+          <a:prstGeom prst="rect">
+            <a:avLst/>
+          </a:prstGeom>
+          <a:noFill/>
+        </p:spPr>
+        <p:txBody>
+          <a:bodyPr wrap="none" rtlCol="0">
+            <a:spAutoFit/>
+          </a:bodyPr>
+          <a:lstStyle/>
+          <a:p>
+            <a:r>
+              <a:rPr lang="en-US" dirty="0" smtClean="0">
+                <a:solidFill>
+                  <a:srgbClr val="FF0000"/>
+                </a:solidFill>
+                <a:latin typeface="Gill Sans"/>
+                <a:cs typeface="Gill Sans"/>
+              </a:rPr>
+              <a:t>dirty</a:t>
+            </a:r>
+          </a:p>
+        </p:txBody>
+      </p:sp>
+      <p:sp>
+        <p:nvSpPr>
+          <p:cNvPr id="36" name="TextBox 35"/>
+          <p:cNvSpPr txBox="1"/>
+          <p:nvPr/>
+        </p:nvSpPr>
+        <p:spPr>
+          <a:xfrm>
+            <a:off x="1984849" y="2634288"/>
+            <a:ext cx="660758" cy="369332"/>
+          </a:xfrm>
+          <a:prstGeom prst="rect">
+            <a:avLst/>
+          </a:prstGeom>
+          <a:noFill/>
+        </p:spPr>
+        <p:txBody>
+          <a:bodyPr wrap="none" rtlCol="0">
+            <a:spAutoFit/>
+          </a:bodyPr>
+          <a:lstStyle/>
+          <a:p>
+            <a:r>
+              <a:rPr lang="en-US" dirty="0" smtClean="0">
+                <a:solidFill>
+                  <a:schemeClr val="accent5"/>
+                </a:solidFill>
+                <a:latin typeface="Gill Sans"/>
+                <a:cs typeface="Gill Sans"/>
+              </a:rPr>
+              <a:t>truth</a:t>
+            </a:r>
+          </a:p>
+        </p:txBody>
+      </p:sp>
+      <p:sp>
+        <p:nvSpPr>
+          <p:cNvPr id="37" name="TextBox 36"/>
+          <p:cNvSpPr txBox="1"/>
+          <p:nvPr/>
+        </p:nvSpPr>
+        <p:spPr>
+          <a:xfrm>
+            <a:off x="1907713" y="2857769"/>
+            <a:ext cx="737894" cy="369332"/>
+          </a:xfrm>
+          <a:prstGeom prst="rect">
+            <a:avLst/>
+          </a:prstGeom>
+          <a:noFill/>
+        </p:spPr>
+        <p:txBody>
+          <a:bodyPr wrap="none" rtlCol="0">
+            <a:spAutoFit/>
+          </a:bodyPr>
+          <a:lstStyle/>
+          <a:p>
+            <a:pPr algn="r"/>
+            <a:r>
+              <a:rPr lang="en-US" dirty="0" smtClean="0">
+                <a:solidFill>
+                  <a:schemeClr val="accent6"/>
+                </a:solidFill>
+                <a:latin typeface="Gill Sans"/>
+                <a:cs typeface="Gill Sans"/>
+              </a:rPr>
+              <a:t>repair</a:t>
+            </a:r>
+          </a:p>
+        </p:txBody>
+      </p:sp>
+      <p:sp>
+        <p:nvSpPr>
+          <p:cNvPr id="4" name="TextBox 3"/>
+          <p:cNvSpPr txBox="1"/>
+          <p:nvPr/>
+        </p:nvSpPr>
+        <p:spPr>
+          <a:xfrm>
+            <a:off x="3197766" y="1820649"/>
+            <a:ext cx="1186543" cy="369332"/>
+          </a:xfrm>
+          <a:prstGeom prst="rect">
+            <a:avLst/>
+          </a:prstGeom>
+          <a:noFill/>
+        </p:spPr>
+        <p:txBody>
+          <a:bodyPr wrap="none" rtlCol="0">
+            <a:spAutoFit/>
+          </a:bodyPr>
+          <a:lstStyle/>
+          <a:p>
+            <a:r>
+              <a:rPr lang="en-US" dirty="0" smtClean="0">
+                <a:latin typeface="Gill Sans"/>
+                <a:cs typeface="Gill Sans"/>
+              </a:rPr>
+              <a:t>complaints</a:t>
+            </a:r>
+          </a:p>
+        </p:txBody>
+      </p:sp>
+      <p:sp>
+        <p:nvSpPr>
+          <p:cNvPr id="5" name="TextBox 4"/>
+          <p:cNvSpPr txBox="1"/>
+          <p:nvPr/>
+        </p:nvSpPr>
+        <p:spPr>
+          <a:xfrm>
+            <a:off x="4911465" y="1820649"/>
+            <a:ext cx="1619354" cy="369332"/>
+          </a:xfrm>
+          <a:prstGeom prst="rect">
+            <a:avLst/>
+          </a:prstGeom>
+          <a:noFill/>
+        </p:spPr>
+        <p:txBody>
+          <a:bodyPr wrap="none" rtlCol="0">
+            <a:spAutoFit/>
+          </a:bodyPr>
+          <a:lstStyle/>
+          <a:p>
+            <a:r>
+              <a:rPr lang="en-US" dirty="0" smtClean="0">
+                <a:latin typeface="Gill Sans"/>
+                <a:cs typeface="Gill Sans"/>
+              </a:rPr>
+              <a:t>non-complaints</a:t>
+            </a:r>
+          </a:p>
+        </p:txBody>
+      </p:sp>
+      <p:sp>
+        <p:nvSpPr>
+          <p:cNvPr id="71" name="Oval 70"/>
+          <p:cNvSpPr/>
+          <p:nvPr/>
+        </p:nvSpPr>
+        <p:spPr>
+          <a:xfrm>
+            <a:off x="2971523" y="1893773"/>
+            <a:ext cx="223084" cy="223084"/>
+          </a:xfrm>
+          <a:prstGeom prst="ellipse">
+            <a:avLst/>
+          </a:prstGeom>
+          <a:solidFill>
+            <a:schemeClr val="bg1">
+              <a:lumMod val="50000"/>
+            </a:schemeClr>
+          </a:solidFill>
+          <a:ln>
+            <a:noFill/>
+          </a:ln>
+          <a:effectLst/>
+        </p:spPr>
+        <p:style>
+          <a:lnRef idx="1">
+            <a:schemeClr val="accent1"/>
+          </a:lnRef>
+          <a:fillRef idx="3">
+            <a:schemeClr val="accent1"/>
+          </a:fillRef>
+          <a:effectRef idx="2">
+            <a:schemeClr val="accent1"/>
+          </a:effectRef>
+          <a:fontRef idx="minor">
+            <a:schemeClr val="lt1"/>
+          </a:fontRef>
+        </p:style>
+        <p:txBody>
+          <a:bodyPr rtlCol="0" anchor="ctr"/>
+          <a:lstStyle/>
+          <a:p>
+            <a:pPr algn="ctr"/>
+            <a:endParaRPr lang="en-US"/>
+          </a:p>
+        </p:txBody>
+      </p:sp>
+      <p:sp>
+        <p:nvSpPr>
+          <p:cNvPr id="72" name="Oval 71"/>
+          <p:cNvSpPr/>
+          <p:nvPr/>
+        </p:nvSpPr>
+        <p:spPr>
+          <a:xfrm>
+            <a:off x="4684618" y="1893773"/>
+            <a:ext cx="223084" cy="223084"/>
+          </a:xfrm>
+          <a:prstGeom prst="ellipse">
+            <a:avLst/>
+          </a:prstGeom>
+          <a:solidFill>
+            <a:schemeClr val="bg1"/>
+          </a:solidFill>
+          <a:ln w="28575">
+            <a:solidFill>
+              <a:schemeClr val="bg1">
+                <a:lumMod val="50000"/>
+              </a:schemeClr>
+            </a:solidFill>
+          </a:ln>
+          <a:effectLst/>
+        </p:spPr>
+        <p:style>
+          <a:lnRef idx="1">
+            <a:schemeClr val="accent1"/>
+          </a:lnRef>
+          <a:fillRef idx="3">
+            <a:schemeClr val="accent1"/>
+          </a:fillRef>
+          <a:effectRef idx="2">
+            <a:schemeClr val="accent1"/>
+          </a:effectRef>
+          <a:fontRef idx="minor">
+            <a:schemeClr val="lt1"/>
+          </a:fontRef>
+        </p:style>
+        <p:txBody>
+          <a:bodyPr rtlCol="0" anchor="ctr"/>
+          <a:lstStyle/>
+          <a:p>
+            <a:pPr algn="ctr"/>
+            <a:endParaRPr lang="en-US" dirty="0"/>
+          </a:p>
+        </p:txBody>
+      </p:sp>
+      <p:sp>
+        <p:nvSpPr>
+          <p:cNvPr id="48" name="TextBox 47"/>
+          <p:cNvSpPr txBox="1"/>
+          <p:nvPr/>
+        </p:nvSpPr>
+        <p:spPr>
+          <a:xfrm>
+            <a:off x="5557277" y="3085705"/>
+            <a:ext cx="530915" cy="461665"/>
+          </a:xfrm>
+          <a:prstGeom prst="rect">
+            <a:avLst/>
+          </a:prstGeom>
+          <a:noFill/>
+        </p:spPr>
+        <p:txBody>
+          <a:bodyPr wrap="none" rtlCol="0">
+            <a:spAutoFit/>
+          </a:bodyPr>
+          <a:lstStyle/>
+          <a:p>
+            <a:r>
+              <a:rPr lang="en-US" sz="2400" dirty="0" smtClean="0">
+                <a:latin typeface="Alegreya" charset="0"/>
+                <a:ea typeface="Alegreya" charset="0"/>
+                <a:cs typeface="Alegreya" charset="0"/>
+              </a:rPr>
+              <a:t>(b)</a:t>
+            </a:r>
+          </a:p>
+        </p:txBody>
+      </p:sp>
+      <p:sp>
+        <p:nvSpPr>
+          <p:cNvPr id="49" name="TextBox 48"/>
+          <p:cNvSpPr txBox="1"/>
+          <p:nvPr/>
+        </p:nvSpPr>
+        <p:spPr>
+          <a:xfrm>
+            <a:off x="3421365" y="3085705"/>
+            <a:ext cx="516488" cy="461665"/>
+          </a:xfrm>
+          <a:prstGeom prst="rect">
+            <a:avLst/>
+          </a:prstGeom>
+          <a:noFill/>
+        </p:spPr>
+        <p:txBody>
+          <a:bodyPr wrap="none" rtlCol="0">
+            <a:spAutoFit/>
+          </a:bodyPr>
+          <a:lstStyle/>
+          <a:p>
+            <a:r>
+              <a:rPr lang="en-US" sz="2400" dirty="0" smtClean="0">
+                <a:latin typeface="Alegreya" charset="0"/>
+                <a:ea typeface="Alegreya" charset="0"/>
+                <a:cs typeface="Alegreya" charset="0"/>
+              </a:rPr>
+              <a:t>(a)</a:t>
+            </a:r>
+          </a:p>
+        </p:txBody>
+      </p:sp>
+      <p:grpSp>
+        <p:nvGrpSpPr>
+          <p:cNvPr id="95" name="Group 94"/>
+          <p:cNvGrpSpPr/>
+          <p:nvPr/>
+        </p:nvGrpSpPr>
+        <p:grpSpPr>
+          <a:xfrm>
+            <a:off x="4848729" y="2349125"/>
+            <a:ext cx="1948010" cy="717005"/>
+            <a:chOff x="4848729" y="2349125"/>
+            <a:chExt cx="1948010" cy="717005"/>
+          </a:xfrm>
+        </p:grpSpPr>
+        <p:cxnSp>
+          <p:nvCxnSpPr>
+            <p:cNvPr id="87" name="Straight Connector 86"/>
+            <p:cNvCxnSpPr/>
+            <p:nvPr/>
+          </p:nvCxnSpPr>
+          <p:spPr>
+            <a:xfrm>
+              <a:off x="4848729" y="2406295"/>
+              <a:ext cx="1933839" cy="623"/>
+            </a:xfrm>
+            <a:prstGeom prst="line">
+              <a:avLst/>
+            </a:prstGeom>
+            <a:ln>
+              <a:solidFill>
+                <a:schemeClr val="bg1">
+                  <a:lumMod val="75000"/>
+                </a:schemeClr>
+              </a:solidFill>
+              <a:prstDash val="sysDot"/>
+              <a:headEnd type="none" w="med" len="med"/>
+              <a:tailEnd type="none" w="med" len="med"/>
+            </a:ln>
+            <a:effectLst/>
+          </p:spPr>
+          <p:style>
+            <a:lnRef idx="2">
+              <a:schemeClr val="accent1"/>
+            </a:lnRef>
+            <a:fillRef idx="0">
+              <a:schemeClr val="accent1"/>
+            </a:fillRef>
+            <a:effectRef idx="1">
+              <a:schemeClr val="accent1"/>
+            </a:effectRef>
+            <a:fontRef idx="minor">
+              <a:schemeClr val="tx1"/>
+            </a:fontRef>
+          </p:style>
+        </p:cxnSp>
+        <p:cxnSp>
+          <p:nvCxnSpPr>
+            <p:cNvPr id="88" name="Straight Connector 87"/>
+            <p:cNvCxnSpPr/>
+            <p:nvPr/>
+          </p:nvCxnSpPr>
+          <p:spPr>
+            <a:xfrm>
+              <a:off x="4862900" y="2629776"/>
+              <a:ext cx="1933839" cy="1762"/>
+            </a:xfrm>
+            <a:prstGeom prst="line">
+              <a:avLst/>
+            </a:prstGeom>
+            <a:ln>
+              <a:solidFill>
+                <a:schemeClr val="bg1">
+                  <a:lumMod val="75000"/>
+                </a:schemeClr>
+              </a:solidFill>
+              <a:prstDash val="sysDot"/>
+              <a:headEnd type="none" w="med" len="med"/>
+              <a:tailEnd type="none" w="med" len="med"/>
+            </a:ln>
+            <a:effectLst/>
+          </p:spPr>
+          <p:style>
+            <a:lnRef idx="2">
+              <a:schemeClr val="accent1"/>
+            </a:lnRef>
+            <a:fillRef idx="0">
+              <a:schemeClr val="accent1"/>
+            </a:fillRef>
+            <a:effectRef idx="1">
+              <a:schemeClr val="accent1"/>
+            </a:effectRef>
+            <a:fontRef idx="minor">
+              <a:schemeClr val="tx1"/>
+            </a:fontRef>
+          </p:style>
+        </p:cxnSp>
+        <p:cxnSp>
+          <p:nvCxnSpPr>
+            <p:cNvPr id="89" name="Straight Connector 88"/>
+            <p:cNvCxnSpPr/>
+            <p:nvPr/>
+          </p:nvCxnSpPr>
+          <p:spPr>
+            <a:xfrm flipV="1">
+              <a:off x="4862900" y="2843435"/>
+              <a:ext cx="1933839" cy="4916"/>
+            </a:xfrm>
+            <a:prstGeom prst="line">
+              <a:avLst/>
+            </a:prstGeom>
+            <a:ln>
+              <a:solidFill>
+                <a:schemeClr val="bg1">
+                  <a:lumMod val="75000"/>
+                </a:schemeClr>
+              </a:solidFill>
+              <a:prstDash val="sysDot"/>
+              <a:headEnd type="none" w="med" len="med"/>
+              <a:tailEnd type="none" w="med" len="med"/>
+            </a:ln>
+            <a:effectLst/>
+          </p:spPr>
+          <p:style>
+            <a:lnRef idx="2">
+              <a:schemeClr val="accent1"/>
+            </a:lnRef>
+            <a:fillRef idx="0">
+              <a:schemeClr val="accent1"/>
+            </a:fillRef>
+            <a:effectRef idx="1">
+              <a:schemeClr val="accent1"/>
+            </a:effectRef>
+            <a:fontRef idx="minor">
+              <a:schemeClr val="tx1"/>
+            </a:fontRef>
+          </p:style>
+        </p:cxnSp>
+        <p:cxnSp>
+          <p:nvCxnSpPr>
+            <p:cNvPr id="90" name="Straight Connector 89"/>
+            <p:cNvCxnSpPr/>
+            <p:nvPr/>
+          </p:nvCxnSpPr>
+          <p:spPr>
+            <a:xfrm flipV="1">
+              <a:off x="4862900" y="3063380"/>
+              <a:ext cx="1933839" cy="2750"/>
+            </a:xfrm>
+            <a:prstGeom prst="line">
+              <a:avLst/>
+            </a:prstGeom>
+            <a:ln>
+              <a:solidFill>
+                <a:schemeClr val="bg1">
+                  <a:lumMod val="75000"/>
+                </a:schemeClr>
+              </a:solidFill>
+              <a:prstDash val="sysDot"/>
+              <a:headEnd type="none" w="med" len="med"/>
+              <a:tailEnd type="none" w="med" len="med"/>
+            </a:ln>
+            <a:effectLst/>
+          </p:spPr>
+          <p:style>
+            <a:lnRef idx="2">
+              <a:schemeClr val="accent1"/>
+            </a:lnRef>
+            <a:fillRef idx="0">
+              <a:schemeClr val="accent1"/>
+            </a:fillRef>
+            <a:effectRef idx="1">
+              <a:schemeClr val="accent1"/>
+            </a:effectRef>
+            <a:fontRef idx="minor">
+              <a:schemeClr val="tx1"/>
+            </a:fontRef>
+          </p:style>
+        </p:cxnSp>
+        <p:cxnSp>
+          <p:nvCxnSpPr>
+            <p:cNvPr id="10" name="Straight Connector 9"/>
+            <p:cNvCxnSpPr/>
+            <p:nvPr/>
+          </p:nvCxnSpPr>
+          <p:spPr>
+            <a:xfrm>
+              <a:off x="4964888" y="2626240"/>
+              <a:ext cx="514424" cy="0"/>
+            </a:xfrm>
+            <a:prstGeom prst="line">
+              <a:avLst/>
+            </a:prstGeom>
+            <a:ln w="57150">
+              <a:solidFill>
+                <a:srgbClr val="FF0000"/>
+              </a:solidFill>
+              <a:headEnd type="none" w="med" len="med"/>
+              <a:tailEnd type="none" w="med" len="med"/>
+            </a:ln>
+            <a:effectLst/>
+          </p:spPr>
+          <p:style>
+            <a:lnRef idx="2">
+              <a:schemeClr val="accent1"/>
+            </a:lnRef>
+            <a:fillRef idx="0">
+              <a:schemeClr val="accent1"/>
+            </a:fillRef>
+            <a:effectRef idx="1">
+              <a:schemeClr val="accent1"/>
+            </a:effectRef>
+            <a:fontRef idx="minor">
+              <a:schemeClr val="tx1"/>
+            </a:fontRef>
+          </p:style>
+        </p:cxnSp>
+        <p:cxnSp>
+          <p:nvCxnSpPr>
+            <p:cNvPr id="12" name="Straight Connector 11"/>
+            <p:cNvCxnSpPr/>
+            <p:nvPr/>
+          </p:nvCxnSpPr>
+          <p:spPr>
+            <a:xfrm>
+              <a:off x="5815798" y="2846185"/>
+              <a:ext cx="894031" cy="0"/>
+            </a:xfrm>
+            <a:prstGeom prst="line">
+              <a:avLst/>
+            </a:prstGeom>
+            <a:ln w="57150">
+              <a:solidFill>
+                <a:schemeClr val="accent5"/>
+              </a:solidFill>
+              <a:headEnd type="none" w="med" len="med"/>
+              <a:tailEnd type="none" w="med" len="med"/>
+            </a:ln>
+            <a:effectLst/>
+          </p:spPr>
+          <p:style>
+            <a:lnRef idx="2">
+              <a:schemeClr val="accent1"/>
+            </a:lnRef>
+            <a:fillRef idx="0">
+              <a:schemeClr val="accent1"/>
+            </a:fillRef>
+            <a:effectRef idx="1">
+              <a:schemeClr val="accent1"/>
+            </a:effectRef>
+            <a:fontRef idx="minor">
+              <a:schemeClr val="tx1"/>
+            </a:fontRef>
+          </p:style>
+        </p:cxnSp>
+        <p:cxnSp>
+          <p:nvCxnSpPr>
+            <p:cNvPr id="13" name="Straight Connector 12"/>
+            <p:cNvCxnSpPr/>
+            <p:nvPr/>
+          </p:nvCxnSpPr>
+          <p:spPr>
+            <a:xfrm flipV="1">
+              <a:off x="5520205" y="3063380"/>
+              <a:ext cx="1189624" cy="2750"/>
+            </a:xfrm>
+            <a:prstGeom prst="line">
+              <a:avLst/>
+            </a:prstGeom>
+            <a:ln w="57150">
+              <a:solidFill>
+                <a:schemeClr val="accent6"/>
+              </a:solidFill>
+              <a:headEnd type="none" w="med" len="med"/>
+              <a:tailEnd type="none" w="med" len="med"/>
+            </a:ln>
+            <a:effectLst/>
+          </p:spPr>
+          <p:style>
+            <a:lnRef idx="2">
+              <a:schemeClr val="accent1"/>
+            </a:lnRef>
+            <a:fillRef idx="0">
+              <a:schemeClr val="accent1"/>
+            </a:fillRef>
+            <a:effectRef idx="1">
+              <a:schemeClr val="accent1"/>
+            </a:effectRef>
+            <a:fontRef idx="minor">
+              <a:schemeClr val="tx1"/>
+            </a:fontRef>
+          </p:style>
+        </p:cxnSp>
+        <p:sp>
+          <p:nvSpPr>
+            <p:cNvPr id="57" name="Oval 56"/>
+            <p:cNvSpPr/>
+            <p:nvPr/>
+          </p:nvSpPr>
+          <p:spPr>
+            <a:xfrm>
+              <a:off x="5035253" y="2349125"/>
+              <a:ext cx="120660" cy="120660"/>
+            </a:xfrm>
+            <a:prstGeom prst="ellipse">
+              <a:avLst/>
+            </a:prstGeom>
+            <a:solidFill>
+              <a:schemeClr val="bg1">
+                <a:lumMod val="50000"/>
+              </a:schemeClr>
+            </a:solidFill>
+            <a:ln>
+              <a:noFill/>
+            </a:ln>
+            <a:effectLst/>
+          </p:spPr>
+          <p:style>
+            <a:lnRef idx="1">
+              <a:schemeClr val="accent1"/>
+            </a:lnRef>
+            <a:fillRef idx="3">
+              <a:schemeClr val="accent1"/>
+            </a:fillRef>
+            <a:effectRef idx="2">
+              <a:schemeClr val="accent1"/>
+            </a:effectRef>
+            <a:fontRef idx="minor">
+              <a:schemeClr val="lt1"/>
+            </a:fontRef>
+          </p:style>
+          <p:txBody>
+            <a:bodyPr rtlCol="0" anchor="ctr"/>
+            <a:lstStyle/>
+            <a:p>
+              <a:pPr algn="ctr"/>
+              <a:endParaRPr lang="en-US"/>
+            </a:p>
+          </p:txBody>
+        </p:sp>
+        <p:sp>
+          <p:nvSpPr>
+            <p:cNvPr id="59" name="Oval 58"/>
+            <p:cNvSpPr/>
+            <p:nvPr/>
+          </p:nvSpPr>
+          <p:spPr>
+            <a:xfrm>
+              <a:off x="5302099" y="2349125"/>
+              <a:ext cx="120660" cy="120660"/>
+            </a:xfrm>
+            <a:prstGeom prst="ellipse">
+              <a:avLst/>
+            </a:prstGeom>
+            <a:solidFill>
+              <a:schemeClr val="bg1">
+                <a:lumMod val="50000"/>
+              </a:schemeClr>
+            </a:solidFill>
+            <a:ln>
+              <a:noFill/>
+            </a:ln>
+            <a:effectLst/>
+          </p:spPr>
+          <p:style>
+            <a:lnRef idx="1">
+              <a:schemeClr val="accent1"/>
+            </a:lnRef>
+            <a:fillRef idx="3">
+              <a:schemeClr val="accent1"/>
+            </a:fillRef>
+            <a:effectRef idx="2">
+              <a:schemeClr val="accent1"/>
+            </a:effectRef>
+            <a:fontRef idx="minor">
+              <a:schemeClr val="lt1"/>
+            </a:fontRef>
+          </p:style>
+          <p:txBody>
+            <a:bodyPr rtlCol="0" anchor="ctr"/>
+            <a:lstStyle/>
+            <a:p>
+              <a:pPr algn="ctr"/>
+              <a:endParaRPr lang="en-US"/>
+            </a:p>
+          </p:txBody>
+        </p:sp>
+        <p:sp>
+          <p:nvSpPr>
+            <p:cNvPr id="61" name="Oval 60"/>
+            <p:cNvSpPr/>
+            <p:nvPr/>
+          </p:nvSpPr>
+          <p:spPr>
+            <a:xfrm>
+              <a:off x="5884792" y="2349125"/>
+              <a:ext cx="120660" cy="120660"/>
+            </a:xfrm>
+            <a:prstGeom prst="ellipse">
+              <a:avLst/>
+            </a:prstGeom>
+            <a:solidFill>
+              <a:schemeClr val="bg1">
+                <a:lumMod val="50000"/>
+              </a:schemeClr>
+            </a:solidFill>
+            <a:ln>
+              <a:noFill/>
+            </a:ln>
+            <a:effectLst/>
+          </p:spPr>
+          <p:style>
+            <a:lnRef idx="1">
+              <a:schemeClr val="accent1"/>
+            </a:lnRef>
+            <a:fillRef idx="3">
+              <a:schemeClr val="accent1"/>
+            </a:fillRef>
+            <a:effectRef idx="2">
+              <a:schemeClr val="accent1"/>
+            </a:effectRef>
+            <a:fontRef idx="minor">
+              <a:schemeClr val="lt1"/>
+            </a:fontRef>
+          </p:style>
+          <p:txBody>
+            <a:bodyPr rtlCol="0" anchor="ctr"/>
+            <a:lstStyle/>
+            <a:p>
+              <a:pPr algn="ctr"/>
+              <a:endParaRPr lang="en-US"/>
+            </a:p>
+          </p:txBody>
+        </p:sp>
+        <p:sp>
+          <p:nvSpPr>
+            <p:cNvPr id="63" name="Oval 62"/>
+            <p:cNvSpPr/>
+            <p:nvPr/>
+          </p:nvSpPr>
+          <p:spPr>
+            <a:xfrm>
+              <a:off x="6213649" y="2349125"/>
+              <a:ext cx="120660" cy="120660"/>
+            </a:xfrm>
+            <a:prstGeom prst="ellipse">
+              <a:avLst/>
+            </a:prstGeom>
+            <a:solidFill>
+              <a:schemeClr val="bg1">
+                <a:lumMod val="50000"/>
+              </a:schemeClr>
+            </a:solidFill>
+            <a:ln>
+              <a:noFill/>
+            </a:ln>
+            <a:effectLst/>
+          </p:spPr>
+          <p:style>
+            <a:lnRef idx="1">
+              <a:schemeClr val="accent1"/>
+            </a:lnRef>
+            <a:fillRef idx="3">
+              <a:schemeClr val="accent1"/>
+            </a:fillRef>
+            <a:effectRef idx="2">
+              <a:schemeClr val="accent1"/>
+            </a:effectRef>
+            <a:fontRef idx="minor">
+              <a:schemeClr val="lt1"/>
+            </a:fontRef>
+          </p:style>
+          <p:txBody>
+            <a:bodyPr rtlCol="0" anchor="ctr"/>
+            <a:lstStyle/>
+            <a:p>
+              <a:pPr algn="ctr"/>
+              <a:endParaRPr lang="en-US"/>
+            </a:p>
+          </p:txBody>
+        </p:sp>
+        <p:sp>
+          <p:nvSpPr>
+            <p:cNvPr id="64" name="Oval 63"/>
+            <p:cNvSpPr/>
+            <p:nvPr/>
+          </p:nvSpPr>
+          <p:spPr>
+            <a:xfrm>
+              <a:off x="6561756" y="2349125"/>
+              <a:ext cx="120660" cy="120660"/>
+            </a:xfrm>
+            <a:prstGeom prst="ellipse">
+              <a:avLst/>
+            </a:prstGeom>
+            <a:solidFill>
+              <a:schemeClr val="bg1">
+                <a:lumMod val="50000"/>
+              </a:schemeClr>
+            </a:solidFill>
+            <a:ln>
+              <a:noFill/>
+            </a:ln>
+            <a:effectLst/>
+          </p:spPr>
+          <p:style>
+            <a:lnRef idx="1">
+              <a:schemeClr val="accent1"/>
+            </a:lnRef>
+            <a:fillRef idx="3">
+              <a:schemeClr val="accent1"/>
+            </a:fillRef>
+            <a:effectRef idx="2">
+              <a:schemeClr val="accent1"/>
+            </a:effectRef>
+            <a:fontRef idx="minor">
+              <a:schemeClr val="lt1"/>
+            </a:fontRef>
+          </p:style>
+          <p:txBody>
+            <a:bodyPr rtlCol="0" anchor="ctr"/>
+            <a:lstStyle/>
+            <a:p>
+              <a:pPr algn="ctr"/>
+              <a:endParaRPr lang="en-US"/>
+            </a:p>
+          </p:txBody>
+        </p:sp>
+        <p:sp>
+          <p:nvSpPr>
+            <p:cNvPr id="70" name="Oval 69"/>
+            <p:cNvSpPr/>
+            <p:nvPr/>
+          </p:nvSpPr>
+          <p:spPr>
+            <a:xfrm>
+              <a:off x="5568207" y="2349125"/>
+              <a:ext cx="120660" cy="120660"/>
+            </a:xfrm>
+            <a:prstGeom prst="ellipse">
+              <a:avLst/>
+            </a:prstGeom>
+            <a:solidFill>
+              <a:schemeClr val="bg1"/>
+            </a:solidFill>
+            <a:ln w="28575">
+              <a:solidFill>
+                <a:schemeClr val="bg1">
+                  <a:lumMod val="50000"/>
+                </a:schemeClr>
+              </a:solidFill>
+            </a:ln>
+            <a:effectLst/>
+          </p:spPr>
+          <p:style>
+            <a:lnRef idx="1">
+              <a:schemeClr val="accent1"/>
+            </a:lnRef>
+            <a:fillRef idx="3">
+              <a:schemeClr val="accent1"/>
+            </a:fillRef>
+            <a:effectRef idx="2">
+              <a:schemeClr val="accent1"/>
+            </a:effectRef>
+            <a:fontRef idx="minor">
+              <a:schemeClr val="lt1"/>
+            </a:fontRef>
+          </p:style>
+          <p:txBody>
+            <a:bodyPr rtlCol="0" anchor="ctr"/>
+            <a:lstStyle/>
+            <a:p>
+              <a:pPr algn="ctr"/>
+              <a:endParaRPr lang="en-US"/>
+            </a:p>
+          </p:txBody>
+        </p:sp>
+      </p:grpSp>
+      <p:grpSp>
+        <p:nvGrpSpPr>
+          <p:cNvPr id="96" name="Group 95"/>
+          <p:cNvGrpSpPr/>
+          <p:nvPr/>
+        </p:nvGrpSpPr>
+        <p:grpSpPr>
+          <a:xfrm>
+            <a:off x="2705604" y="2349338"/>
+            <a:ext cx="1948010" cy="719542"/>
+            <a:chOff x="2705604" y="2349338"/>
+            <a:chExt cx="1948010" cy="719542"/>
+          </a:xfrm>
+        </p:grpSpPr>
+        <p:cxnSp>
+          <p:nvCxnSpPr>
+            <p:cNvPr id="43" name="Straight Connector 42"/>
+            <p:cNvCxnSpPr/>
+            <p:nvPr/>
+          </p:nvCxnSpPr>
+          <p:spPr>
+            <a:xfrm>
+              <a:off x="2705604" y="2409045"/>
+              <a:ext cx="1933839" cy="623"/>
+            </a:xfrm>
+            <a:prstGeom prst="line">
+              <a:avLst/>
+            </a:prstGeom>
+            <a:ln>
+              <a:solidFill>
+                <a:schemeClr val="bg1">
+                  <a:lumMod val="75000"/>
+                </a:schemeClr>
+              </a:solidFill>
+              <a:prstDash val="sysDot"/>
+              <a:headEnd type="none" w="med" len="med"/>
+              <a:tailEnd type="none" w="med" len="med"/>
+            </a:ln>
+            <a:effectLst/>
+          </p:spPr>
+          <p:style>
+            <a:lnRef idx="2">
+              <a:schemeClr val="accent1"/>
+            </a:lnRef>
+            <a:fillRef idx="0">
+              <a:schemeClr val="accent1"/>
+            </a:fillRef>
+            <a:effectRef idx="1">
+              <a:schemeClr val="accent1"/>
+            </a:effectRef>
+            <a:fontRef idx="minor">
+              <a:schemeClr val="tx1"/>
+            </a:fontRef>
+          </p:style>
+        </p:cxnSp>
+        <p:cxnSp>
+          <p:nvCxnSpPr>
+            <p:cNvPr id="44" name="Straight Connector 43"/>
+            <p:cNvCxnSpPr/>
+            <p:nvPr/>
+          </p:nvCxnSpPr>
+          <p:spPr>
+            <a:xfrm>
+              <a:off x="2719775" y="2632526"/>
+              <a:ext cx="1933839" cy="1762"/>
+            </a:xfrm>
+            <a:prstGeom prst="line">
+              <a:avLst/>
+            </a:prstGeom>
+            <a:ln>
+              <a:solidFill>
+                <a:schemeClr val="bg1">
+                  <a:lumMod val="75000"/>
+                </a:schemeClr>
+              </a:solidFill>
+              <a:prstDash val="sysDot"/>
+              <a:headEnd type="none" w="med" len="med"/>
+              <a:tailEnd type="none" w="med" len="med"/>
+            </a:ln>
+            <a:effectLst/>
+          </p:spPr>
+          <p:style>
+            <a:lnRef idx="2">
+              <a:schemeClr val="accent1"/>
+            </a:lnRef>
+            <a:fillRef idx="0">
+              <a:schemeClr val="accent1"/>
+            </a:fillRef>
+            <a:effectRef idx="1">
+              <a:schemeClr val="accent1"/>
+            </a:effectRef>
+            <a:fontRef idx="minor">
+              <a:schemeClr val="tx1"/>
+            </a:fontRef>
+          </p:style>
+        </p:cxnSp>
+        <p:cxnSp>
+          <p:nvCxnSpPr>
+            <p:cNvPr id="45" name="Straight Connector 44"/>
+            <p:cNvCxnSpPr/>
+            <p:nvPr/>
+          </p:nvCxnSpPr>
+          <p:spPr>
+            <a:xfrm flipV="1">
+              <a:off x="2719775" y="2846185"/>
+              <a:ext cx="1933839" cy="4916"/>
+            </a:xfrm>
+            <a:prstGeom prst="line">
+              <a:avLst/>
+            </a:prstGeom>
+            <a:ln>
+              <a:solidFill>
+                <a:schemeClr val="bg1">
+                  <a:lumMod val="75000"/>
+                </a:schemeClr>
+              </a:solidFill>
+              <a:prstDash val="sysDot"/>
+              <a:headEnd type="none" w="med" len="med"/>
+              <a:tailEnd type="none" w="med" len="med"/>
+            </a:ln>
+            <a:effectLst/>
+          </p:spPr>
+          <p:style>
+            <a:lnRef idx="2">
+              <a:schemeClr val="accent1"/>
+            </a:lnRef>
+            <a:fillRef idx="0">
+              <a:schemeClr val="accent1"/>
+            </a:fillRef>
+            <a:effectRef idx="1">
+              <a:schemeClr val="accent1"/>
+            </a:effectRef>
+            <a:fontRef idx="minor">
+              <a:schemeClr val="tx1"/>
+            </a:fontRef>
+          </p:style>
+        </p:cxnSp>
+        <p:cxnSp>
+          <p:nvCxnSpPr>
+            <p:cNvPr id="46" name="Straight Connector 45"/>
+            <p:cNvCxnSpPr/>
+            <p:nvPr/>
+          </p:nvCxnSpPr>
+          <p:spPr>
+            <a:xfrm flipV="1">
+              <a:off x="2719775" y="3066130"/>
+              <a:ext cx="1933839" cy="2750"/>
+            </a:xfrm>
+            <a:prstGeom prst="line">
+              <a:avLst/>
+            </a:prstGeom>
+            <a:ln>
+              <a:solidFill>
+                <a:schemeClr val="bg1">
+                  <a:lumMod val="75000"/>
+                </a:schemeClr>
+              </a:solidFill>
+              <a:prstDash val="sysDot"/>
+              <a:headEnd type="none" w="med" len="med"/>
+              <a:tailEnd type="none" w="med" len="med"/>
+            </a:ln>
+            <a:effectLst/>
+          </p:spPr>
+          <p:style>
+            <a:lnRef idx="2">
+              <a:schemeClr val="accent1"/>
+            </a:lnRef>
+            <a:fillRef idx="0">
+              <a:schemeClr val="accent1"/>
+            </a:fillRef>
+            <a:effectRef idx="1">
+              <a:schemeClr val="accent1"/>
+            </a:effectRef>
+            <a:fontRef idx="minor">
+              <a:schemeClr val="tx1"/>
+            </a:fontRef>
+          </p:style>
+        </p:cxnSp>
+        <p:cxnSp>
+          <p:nvCxnSpPr>
+            <p:cNvPr id="15" name="Straight Connector 14"/>
+            <p:cNvCxnSpPr/>
+            <p:nvPr/>
+          </p:nvCxnSpPr>
+          <p:spPr>
+            <a:xfrm flipV="1">
+              <a:off x="2784624" y="2626240"/>
+              <a:ext cx="1195393" cy="2752"/>
+            </a:xfrm>
+            <a:prstGeom prst="line">
+              <a:avLst/>
+            </a:prstGeom>
+            <a:ln w="57150">
+              <a:solidFill>
+                <a:srgbClr val="FF0000"/>
+              </a:solidFill>
+              <a:headEnd type="none" w="med" len="med"/>
+              <a:tailEnd type="none" w="med" len="med"/>
+            </a:ln>
+            <a:effectLst/>
+          </p:spPr>
+          <p:style>
+            <a:lnRef idx="2">
+              <a:schemeClr val="accent1"/>
+            </a:lnRef>
+            <a:fillRef idx="0">
+              <a:schemeClr val="accent1"/>
+            </a:fillRef>
+            <a:effectRef idx="1">
+              <a:schemeClr val="accent1"/>
+            </a:effectRef>
+            <a:fontRef idx="minor">
+              <a:schemeClr val="tx1"/>
+            </a:fontRef>
+          </p:style>
+        </p:cxnSp>
+        <p:cxnSp>
+          <p:nvCxnSpPr>
+            <p:cNvPr id="16" name="Straight Connector 15"/>
+            <p:cNvCxnSpPr/>
+            <p:nvPr/>
+          </p:nvCxnSpPr>
+          <p:spPr>
+            <a:xfrm flipV="1">
+              <a:off x="3493284" y="2846185"/>
+              <a:ext cx="1075279" cy="2752"/>
+            </a:xfrm>
+            <a:prstGeom prst="line">
+              <a:avLst/>
+            </a:prstGeom>
+            <a:ln w="57150">
+              <a:solidFill>
+                <a:schemeClr val="accent5"/>
+              </a:solidFill>
+              <a:headEnd type="none" w="med" len="med"/>
+              <a:tailEnd type="none" w="med" len="med"/>
+            </a:ln>
+            <a:effectLst/>
+          </p:spPr>
+          <p:style>
+            <a:lnRef idx="2">
+              <a:schemeClr val="accent1"/>
+            </a:lnRef>
+            <a:fillRef idx="0">
+              <a:schemeClr val="accent1"/>
+            </a:fillRef>
+            <a:effectRef idx="1">
+              <a:schemeClr val="accent1"/>
+            </a:effectRef>
+            <a:fontRef idx="minor">
+              <a:schemeClr val="tx1"/>
+            </a:fontRef>
+          </p:style>
+        </p:cxnSp>
+        <p:cxnSp>
+          <p:nvCxnSpPr>
+            <p:cNvPr id="17" name="Straight Connector 16"/>
+            <p:cNvCxnSpPr/>
+            <p:nvPr/>
+          </p:nvCxnSpPr>
+          <p:spPr>
+            <a:xfrm flipV="1">
+              <a:off x="3502809" y="3066130"/>
+              <a:ext cx="1065754" cy="2749"/>
+            </a:xfrm>
+            <a:prstGeom prst="line">
+              <a:avLst/>
+            </a:prstGeom>
+            <a:ln w="57150">
+              <a:solidFill>
+                <a:schemeClr val="accent6"/>
+              </a:solidFill>
+              <a:headEnd type="none" w="med" len="med"/>
+              <a:tailEnd type="none" w="med" len="med"/>
+            </a:ln>
+            <a:effectLst/>
+          </p:spPr>
+          <p:style>
+            <a:lnRef idx="2">
+              <a:schemeClr val="accent1"/>
+            </a:lnRef>
+            <a:fillRef idx="0">
+              <a:schemeClr val="accent1"/>
+            </a:fillRef>
+            <a:effectRef idx="1">
+              <a:schemeClr val="accent1"/>
+            </a:effectRef>
+            <a:fontRef idx="minor">
+              <a:schemeClr val="tx1"/>
+            </a:fontRef>
+          </p:style>
+        </p:cxnSp>
+        <p:sp>
+          <p:nvSpPr>
+            <p:cNvPr id="81" name="Oval 80"/>
+            <p:cNvSpPr/>
+            <p:nvPr/>
+          </p:nvSpPr>
+          <p:spPr>
+            <a:xfrm>
+              <a:off x="2822665" y="2349338"/>
+              <a:ext cx="120660" cy="120660"/>
+            </a:xfrm>
+            <a:prstGeom prst="ellipse">
+              <a:avLst/>
+            </a:prstGeom>
+            <a:solidFill>
+              <a:schemeClr val="bg1">
+                <a:lumMod val="50000"/>
+              </a:schemeClr>
+            </a:solidFill>
+            <a:ln>
+              <a:noFill/>
+            </a:ln>
+            <a:effectLst/>
+          </p:spPr>
+          <p:style>
+            <a:lnRef idx="1">
+              <a:schemeClr val="accent1"/>
+            </a:lnRef>
+            <a:fillRef idx="3">
+              <a:schemeClr val="accent1"/>
+            </a:fillRef>
+            <a:effectRef idx="2">
+              <a:schemeClr val="accent1"/>
+            </a:effectRef>
+            <a:fontRef idx="minor">
+              <a:schemeClr val="lt1"/>
+            </a:fontRef>
+          </p:style>
+          <p:txBody>
+            <a:bodyPr rtlCol="0" anchor="ctr"/>
+            <a:lstStyle/>
+            <a:p>
+              <a:pPr algn="ctr"/>
+              <a:endParaRPr lang="en-US"/>
+            </a:p>
+          </p:txBody>
+        </p:sp>
+        <p:sp>
+          <p:nvSpPr>
+            <p:cNvPr id="82" name="Oval 81"/>
+            <p:cNvSpPr/>
+            <p:nvPr/>
+          </p:nvSpPr>
+          <p:spPr>
+            <a:xfrm>
+              <a:off x="3126302" y="2349338"/>
+              <a:ext cx="120660" cy="120660"/>
+            </a:xfrm>
+            <a:prstGeom prst="ellipse">
+              <a:avLst/>
+            </a:prstGeom>
+            <a:solidFill>
+              <a:schemeClr val="bg1">
+                <a:lumMod val="50000"/>
+              </a:schemeClr>
+            </a:solidFill>
+            <a:ln>
+              <a:noFill/>
+            </a:ln>
+            <a:effectLst/>
+          </p:spPr>
+          <p:style>
+            <a:lnRef idx="1">
+              <a:schemeClr val="accent1"/>
+            </a:lnRef>
+            <a:fillRef idx="3">
+              <a:schemeClr val="accent1"/>
+            </a:fillRef>
+            <a:effectRef idx="2">
+              <a:schemeClr val="accent1"/>
+            </a:effectRef>
+            <a:fontRef idx="minor">
+              <a:schemeClr val="lt1"/>
+            </a:fontRef>
+          </p:style>
+          <p:txBody>
+            <a:bodyPr rtlCol="0" anchor="ctr"/>
+            <a:lstStyle/>
+            <a:p>
+              <a:pPr algn="ctr"/>
+              <a:endParaRPr lang="en-US"/>
+            </a:p>
+          </p:txBody>
+        </p:sp>
+        <p:sp>
+          <p:nvSpPr>
+            <p:cNvPr id="83" name="Oval 82"/>
+            <p:cNvSpPr/>
+            <p:nvPr/>
+          </p:nvSpPr>
+          <p:spPr>
+            <a:xfrm>
+              <a:off x="4043881" y="2349338"/>
+              <a:ext cx="120660" cy="120660"/>
+            </a:xfrm>
+            <a:prstGeom prst="ellipse">
+              <a:avLst/>
+            </a:prstGeom>
+            <a:solidFill>
+              <a:schemeClr val="bg1">
+                <a:lumMod val="50000"/>
+              </a:schemeClr>
+            </a:solidFill>
+            <a:ln>
+              <a:noFill/>
+            </a:ln>
+            <a:effectLst/>
+          </p:spPr>
+          <p:style>
+            <a:lnRef idx="1">
+              <a:schemeClr val="accent1"/>
+            </a:lnRef>
+            <a:fillRef idx="3">
+              <a:schemeClr val="accent1"/>
+            </a:fillRef>
+            <a:effectRef idx="2">
+              <a:schemeClr val="accent1"/>
+            </a:effectRef>
+            <a:fontRef idx="minor">
+              <a:schemeClr val="lt1"/>
+            </a:fontRef>
+          </p:style>
+          <p:txBody>
+            <a:bodyPr rtlCol="0" anchor="ctr"/>
+            <a:lstStyle/>
+            <a:p>
+              <a:pPr algn="ctr"/>
+              <a:endParaRPr lang="en-US"/>
+            </a:p>
+          </p:txBody>
+        </p:sp>
+        <p:sp>
+          <p:nvSpPr>
+            <p:cNvPr id="84" name="Oval 83"/>
+            <p:cNvSpPr/>
+            <p:nvPr/>
+          </p:nvSpPr>
+          <p:spPr>
+            <a:xfrm>
+              <a:off x="4426638" y="2349338"/>
+              <a:ext cx="120660" cy="120660"/>
+            </a:xfrm>
+            <a:prstGeom prst="ellipse">
+              <a:avLst/>
+            </a:prstGeom>
+            <a:solidFill>
+              <a:schemeClr val="bg1">
+                <a:lumMod val="50000"/>
+              </a:schemeClr>
+            </a:solidFill>
+            <a:ln>
+              <a:noFill/>
+            </a:ln>
+            <a:effectLst/>
+          </p:spPr>
+          <p:style>
+            <a:lnRef idx="1">
+              <a:schemeClr val="accent1"/>
+            </a:lnRef>
+            <a:fillRef idx="3">
+              <a:schemeClr val="accent1"/>
+            </a:fillRef>
+            <a:effectRef idx="2">
+              <a:schemeClr val="accent1"/>
+            </a:effectRef>
+            <a:fontRef idx="minor">
+              <a:schemeClr val="lt1"/>
+            </a:fontRef>
+          </p:style>
+          <p:txBody>
+            <a:bodyPr rtlCol="0" anchor="ctr"/>
+            <a:lstStyle/>
+            <a:p>
+              <a:pPr algn="ctr"/>
+              <a:endParaRPr lang="en-US"/>
+            </a:p>
+          </p:txBody>
+        </p:sp>
+        <p:sp>
+          <p:nvSpPr>
+            <p:cNvPr id="85" name="Oval 84"/>
+            <p:cNvSpPr/>
+            <p:nvPr/>
+          </p:nvSpPr>
+          <p:spPr>
+            <a:xfrm>
+              <a:off x="3787476" y="2349338"/>
+              <a:ext cx="120660" cy="120660"/>
+            </a:xfrm>
+            <a:prstGeom prst="ellipse">
+              <a:avLst/>
+            </a:prstGeom>
+            <a:solidFill>
+              <a:schemeClr val="bg1"/>
+            </a:solidFill>
+            <a:ln w="28575">
+              <a:solidFill>
+                <a:schemeClr val="bg1">
+                  <a:lumMod val="50000"/>
+                </a:schemeClr>
+              </a:solidFill>
+            </a:ln>
+            <a:effectLst/>
+          </p:spPr>
+          <p:style>
+            <a:lnRef idx="1">
+              <a:schemeClr val="accent1"/>
+            </a:lnRef>
+            <a:fillRef idx="3">
+              <a:schemeClr val="accent1"/>
+            </a:fillRef>
+            <a:effectRef idx="2">
+              <a:schemeClr val="accent1"/>
+            </a:effectRef>
+            <a:fontRef idx="minor">
+              <a:schemeClr val="lt1"/>
+            </a:fontRef>
+          </p:style>
+          <p:txBody>
+            <a:bodyPr rtlCol="0" anchor="ctr"/>
+            <a:lstStyle/>
+            <a:p>
+              <a:pPr algn="ctr"/>
+              <a:endParaRPr lang="en-US"/>
+            </a:p>
+          </p:txBody>
+        </p:sp>
+        <p:sp>
+          <p:nvSpPr>
+            <p:cNvPr id="86" name="Oval 85"/>
+            <p:cNvSpPr/>
+            <p:nvPr/>
+          </p:nvSpPr>
+          <p:spPr>
+            <a:xfrm>
+              <a:off x="3512972" y="2349338"/>
+              <a:ext cx="120660" cy="120660"/>
+            </a:xfrm>
+            <a:prstGeom prst="ellipse">
+              <a:avLst/>
+            </a:prstGeom>
+            <a:solidFill>
+              <a:schemeClr val="bg1"/>
+            </a:solidFill>
+            <a:ln w="28575">
+              <a:solidFill>
+                <a:schemeClr val="bg1">
+                  <a:lumMod val="50000"/>
+                </a:schemeClr>
+              </a:solidFill>
+            </a:ln>
+            <a:effectLst/>
+          </p:spPr>
+          <p:style>
+            <a:lnRef idx="1">
+              <a:schemeClr val="accent1"/>
+            </a:lnRef>
+            <a:fillRef idx="3">
+              <a:schemeClr val="accent1"/>
+            </a:fillRef>
+            <a:effectRef idx="2">
+              <a:schemeClr val="accent1"/>
+            </a:effectRef>
+            <a:fontRef idx="minor">
+              <a:schemeClr val="lt1"/>
+            </a:fontRef>
+          </p:style>
+          <p:txBody>
+            <a:bodyPr rtlCol="0" anchor="ctr"/>
+            <a:lstStyle/>
+            <a:p>
+              <a:pPr algn="ctr"/>
+              <a:endParaRPr lang="en-US"/>
+            </a:p>
+          </p:txBody>
+        </p:sp>
+      </p:grpSp>
+    </p:spTree>
+    <p:extLst>
+      <p:ext uri="{BB962C8B-B14F-4D97-AF65-F5344CB8AC3E}">
+        <p14:creationId xmlns:p14="http://schemas.microsoft.com/office/powerpoint/2010/main" val="953263537"/>
       </p:ext>
     </p:extLst>
   </p:cSld>

--- a/docs/vldb16/figures/figs.pptx
+++ b/docs/vldb16/figures/figs.pptx
@@ -114,7 +114,7 @@
   </p:defaultTextStyle>
   <p:extLst>
     <p:ext uri="{EFAFB233-063F-42B5-8137-9DF3F51BA10A}">
-      <p15:sldGuideLst xmlns:p15="http://schemas.microsoft.com/office/powerpoint/2012/main">
+      <p15:sldGuideLst xmlns:p15="http://schemas.microsoft.com/office/powerpoint/2012/main" xmlns="">
         <p15:guide id="1" orient="horz" pos="2160">
           <p15:clr>
             <a:srgbClr val="A4A3A4"/>
@@ -312,7 +312,7 @@
           <a:p>
             <a:fld id="{E53DFF73-D480-144E-A535-5E58F29F2980}" type="datetimeFigureOut">
               <a:rPr lang="en-US" smtClean="0"/>
-              <a:t>1/19/16</a:t>
+              <a:t>1/31/16</a:t>
             </a:fld>
             <a:endParaRPr lang="en-US"/>
           </a:p>
@@ -482,7 +482,7 @@
           <a:p>
             <a:fld id="{E53DFF73-D480-144E-A535-5E58F29F2980}" type="datetimeFigureOut">
               <a:rPr lang="en-US" smtClean="0"/>
-              <a:t>1/19/16</a:t>
+              <a:t>1/31/16</a:t>
             </a:fld>
             <a:endParaRPr lang="en-US"/>
           </a:p>
@@ -662,7 +662,7 @@
           <a:p>
             <a:fld id="{E53DFF73-D480-144E-A535-5E58F29F2980}" type="datetimeFigureOut">
               <a:rPr lang="en-US" smtClean="0"/>
-              <a:t>1/19/16</a:t>
+              <a:t>1/31/16</a:t>
             </a:fld>
             <a:endParaRPr lang="en-US"/>
           </a:p>
@@ -832,7 +832,7 @@
           <a:p>
             <a:fld id="{E53DFF73-D480-144E-A535-5E58F29F2980}" type="datetimeFigureOut">
               <a:rPr lang="en-US" smtClean="0"/>
-              <a:t>1/19/16</a:t>
+              <a:t>1/31/16</a:t>
             </a:fld>
             <a:endParaRPr lang="en-US"/>
           </a:p>
@@ -1078,7 +1078,7 @@
           <a:p>
             <a:fld id="{E53DFF73-D480-144E-A535-5E58F29F2980}" type="datetimeFigureOut">
               <a:rPr lang="en-US" smtClean="0"/>
-              <a:t>1/19/16</a:t>
+              <a:t>1/31/16</a:t>
             </a:fld>
             <a:endParaRPr lang="en-US"/>
           </a:p>
@@ -1366,7 +1366,7 @@
           <a:p>
             <a:fld id="{E53DFF73-D480-144E-A535-5E58F29F2980}" type="datetimeFigureOut">
               <a:rPr lang="en-US" smtClean="0"/>
-              <a:t>1/19/16</a:t>
+              <a:t>1/31/16</a:t>
             </a:fld>
             <a:endParaRPr lang="en-US"/>
           </a:p>
@@ -1788,7 +1788,7 @@
           <a:p>
             <a:fld id="{E53DFF73-D480-144E-A535-5E58F29F2980}" type="datetimeFigureOut">
               <a:rPr lang="en-US" smtClean="0"/>
-              <a:t>1/19/16</a:t>
+              <a:t>1/31/16</a:t>
             </a:fld>
             <a:endParaRPr lang="en-US"/>
           </a:p>
@@ -1906,7 +1906,7 @@
           <a:p>
             <a:fld id="{E53DFF73-D480-144E-A535-5E58F29F2980}" type="datetimeFigureOut">
               <a:rPr lang="en-US" smtClean="0"/>
-              <a:t>1/19/16</a:t>
+              <a:t>1/31/16</a:t>
             </a:fld>
             <a:endParaRPr lang="en-US"/>
           </a:p>
@@ -2001,7 +2001,7 @@
           <a:p>
             <a:fld id="{E53DFF73-D480-144E-A535-5E58F29F2980}" type="datetimeFigureOut">
               <a:rPr lang="en-US" smtClean="0"/>
-              <a:t>1/19/16</a:t>
+              <a:t>1/31/16</a:t>
             </a:fld>
             <a:endParaRPr lang="en-US"/>
           </a:p>
@@ -2278,7 +2278,7 @@
           <a:p>
             <a:fld id="{E53DFF73-D480-144E-A535-5E58F29F2980}" type="datetimeFigureOut">
               <a:rPr lang="en-US" smtClean="0"/>
-              <a:t>1/19/16</a:t>
+              <a:t>1/31/16</a:t>
             </a:fld>
             <a:endParaRPr lang="en-US"/>
           </a:p>
@@ -2531,7 +2531,7 @@
           <a:p>
             <a:fld id="{E53DFF73-D480-144E-A535-5E58F29F2980}" type="datetimeFigureOut">
               <a:rPr lang="en-US" smtClean="0"/>
-              <a:t>1/19/16</a:t>
+              <a:t>1/31/16</a:t>
             </a:fld>
             <a:endParaRPr lang="en-US"/>
           </a:p>
@@ -2744,7 +2744,7 @@
           <a:p>
             <a:fld id="{E53DFF73-D480-144E-A535-5E58F29F2980}" type="datetimeFigureOut">
               <a:rPr lang="en-US" smtClean="0"/>
-              <a:t>1/19/16</a:t>
+              <a:t>1/31/16</a:t>
             </a:fld>
             <a:endParaRPr lang="en-US"/>
           </a:p>
@@ -3481,7 +3481,7 @@
   <p:timing>
     <p:tnLst>
       <p:par>
-        <p:cTn id="1" dur="indefinite" restart="never" nodeType="tmRoot"/>
+        <p:cTn xmlns:p14="http://schemas.microsoft.com/office/powerpoint/2010/main" id="1" dur="indefinite" restart="never" nodeType="tmRoot"/>
       </p:par>
     </p:tnLst>
   </p:timing>
@@ -4300,7 +4300,7 @@
   <p:timing>
     <p:tnLst>
       <p:par>
-        <p:cTn id="1" dur="indefinite" restart="never" nodeType="tmRoot"/>
+        <p:cTn xmlns:p14="http://schemas.microsoft.com/office/powerpoint/2010/main" id="1" dur="indefinite" restart="never" nodeType="tmRoot"/>
       </p:par>
     </p:tnLst>
   </p:timing>
@@ -5037,7 +5037,7 @@
   <p:timing>
     <p:tnLst>
       <p:par>
-        <p:cTn id="1" dur="indefinite" restart="never" nodeType="tmRoot"/>
+        <p:cTn xmlns:p14="http://schemas.microsoft.com/office/powerpoint/2010/main" id="1" dur="indefinite" restart="never" nodeType="tmRoot"/>
       </p:par>
     </p:tnLst>
   </p:timing>
@@ -12354,6 +12354,7 @@
                 <a:lumMod val="50000"/>
               </a:schemeClr>
             </a:solidFill>
+            <a:prstDash val="dash"/>
           </a:ln>
           <a:effectLst/>
         </p:spPr>
@@ -12379,7 +12380,10 @@
             <a:r>
               <a:rPr lang="en-US" sz="2000" dirty="0" smtClean="0">
                 <a:solidFill>
-                  <a:schemeClr val="tx1"/>
+                  <a:schemeClr val="tx1">
+                    <a:lumMod val="50000"/>
+                    <a:lumOff val="50000"/>
+                  </a:schemeClr>
                 </a:solidFill>
                 <a:latin typeface="Alegreya" charset="0"/>
                 <a:ea typeface="Alegreya" charset="0"/>
@@ -12389,7 +12393,10 @@
             </a:r>
             <a:endParaRPr lang="en-US" sz="2000" dirty="0">
               <a:solidFill>
-                <a:schemeClr val="tx1"/>
+                <a:schemeClr val="tx1">
+                  <a:lumMod val="50000"/>
+                  <a:lumOff val="50000"/>
+                </a:schemeClr>
               </a:solidFill>
               <a:latin typeface="Alegreya" charset="0"/>
               <a:ea typeface="Alegreya" charset="0"/>
@@ -12476,7 +12483,7 @@
   <p:timing>
     <p:tnLst>
       <p:par>
-        <p:cTn id="1" dur="indefinite" restart="never" nodeType="tmRoot"/>
+        <p:cTn xmlns:p14="http://schemas.microsoft.com/office/powerpoint/2010/main" id="1" dur="indefinite" restart="never" nodeType="tmRoot"/>
       </p:par>
     </p:tnLst>
   </p:timing>
@@ -13340,8 +13347,8 @@
         </p:nvSpPr>
         <p:spPr>
           <a:xfrm>
-            <a:off x="6262290" y="2494689"/>
-            <a:ext cx="1301057" cy="400110"/>
+            <a:off x="6756908" y="2494689"/>
+            <a:ext cx="736099" cy="400110"/>
           </a:xfrm>
           <a:prstGeom prst="rect">
             <a:avLst/>
@@ -13361,7 +13368,7 @@
                 <a:ea typeface="Alegreya" charset="0"/>
                 <a:cs typeface="Alegreya" charset="0"/>
               </a:rPr>
-              <a:t>QueryFix</a:t>
+              <a:t>QFix</a:t>
             </a:r>
             <a:endParaRPr lang="en-US" sz="2000" cap="small" dirty="0" smtClean="0">
               <a:latin typeface="Alegreya" charset="0"/>
@@ -13762,6 +13769,7 @@
                 <a:lumMod val="50000"/>
               </a:schemeClr>
             </a:solidFill>
+            <a:prstDash val="solid"/>
           </a:ln>
           <a:effectLst/>
         </p:spPr>
@@ -13793,7 +13801,7 @@
                 <a:ea typeface="Alegreya" charset="0"/>
                 <a:cs typeface="Alegreya" charset="0"/>
               </a:rPr>
-              <a:t>Outlier Removal</a:t>
+              <a:t>Noise Handling</a:t>
             </a:r>
             <a:endParaRPr lang="en-US" sz="2000" dirty="0">
               <a:solidFill>
@@ -15149,7 +15157,7 @@
   <p:timing>
     <p:tnLst>
       <p:par>
-        <p:cTn id="1" dur="indefinite" restart="never" nodeType="tmRoot"/>
+        <p:cTn xmlns:p14="http://schemas.microsoft.com/office/powerpoint/2010/main" id="1" dur="indefinite" restart="never" nodeType="tmRoot"/>
       </p:par>
     </p:tnLst>
   </p:timing>

--- a/docs/vldb16/figures/figs.pptx
+++ b/docs/vldb16/figures/figs.pptx
@@ -114,7 +114,7 @@
   </p:defaultTextStyle>
   <p:extLst>
     <p:ext uri="{EFAFB233-063F-42B5-8137-9DF3F51BA10A}">
-      <p15:sldGuideLst xmlns:p15="http://schemas.microsoft.com/office/powerpoint/2012/main" xmlns="">
+      <p15:sldGuideLst xmlns:p15="http://schemas.microsoft.com/office/powerpoint/2012/main">
         <p15:guide id="1" orient="horz" pos="2160">
           <p15:clr>
             <a:srgbClr val="A4A3A4"/>
@@ -312,7 +312,7 @@
           <a:p>
             <a:fld id="{E53DFF73-D480-144E-A535-5E58F29F2980}" type="datetimeFigureOut">
               <a:rPr lang="en-US" smtClean="0"/>
-              <a:t>1/31/16</a:t>
+              <a:t>2/1/16</a:t>
             </a:fld>
             <a:endParaRPr lang="en-US"/>
           </a:p>
@@ -482,7 +482,7 @@
           <a:p>
             <a:fld id="{E53DFF73-D480-144E-A535-5E58F29F2980}" type="datetimeFigureOut">
               <a:rPr lang="en-US" smtClean="0"/>
-              <a:t>1/31/16</a:t>
+              <a:t>2/1/16</a:t>
             </a:fld>
             <a:endParaRPr lang="en-US"/>
           </a:p>
@@ -662,7 +662,7 @@
           <a:p>
             <a:fld id="{E53DFF73-D480-144E-A535-5E58F29F2980}" type="datetimeFigureOut">
               <a:rPr lang="en-US" smtClean="0"/>
-              <a:t>1/31/16</a:t>
+              <a:t>2/1/16</a:t>
             </a:fld>
             <a:endParaRPr lang="en-US"/>
           </a:p>
@@ -832,7 +832,7 @@
           <a:p>
             <a:fld id="{E53DFF73-D480-144E-A535-5E58F29F2980}" type="datetimeFigureOut">
               <a:rPr lang="en-US" smtClean="0"/>
-              <a:t>1/31/16</a:t>
+              <a:t>2/1/16</a:t>
             </a:fld>
             <a:endParaRPr lang="en-US"/>
           </a:p>
@@ -1078,7 +1078,7 @@
           <a:p>
             <a:fld id="{E53DFF73-D480-144E-A535-5E58F29F2980}" type="datetimeFigureOut">
               <a:rPr lang="en-US" smtClean="0"/>
-              <a:t>1/31/16</a:t>
+              <a:t>2/1/16</a:t>
             </a:fld>
             <a:endParaRPr lang="en-US"/>
           </a:p>
@@ -1366,7 +1366,7 @@
           <a:p>
             <a:fld id="{E53DFF73-D480-144E-A535-5E58F29F2980}" type="datetimeFigureOut">
               <a:rPr lang="en-US" smtClean="0"/>
-              <a:t>1/31/16</a:t>
+              <a:t>2/1/16</a:t>
             </a:fld>
             <a:endParaRPr lang="en-US"/>
           </a:p>
@@ -1788,7 +1788,7 @@
           <a:p>
             <a:fld id="{E53DFF73-D480-144E-A535-5E58F29F2980}" type="datetimeFigureOut">
               <a:rPr lang="en-US" smtClean="0"/>
-              <a:t>1/31/16</a:t>
+              <a:t>2/1/16</a:t>
             </a:fld>
             <a:endParaRPr lang="en-US"/>
           </a:p>
@@ -1906,7 +1906,7 @@
           <a:p>
             <a:fld id="{E53DFF73-D480-144E-A535-5E58F29F2980}" type="datetimeFigureOut">
               <a:rPr lang="en-US" smtClean="0"/>
-              <a:t>1/31/16</a:t>
+              <a:t>2/1/16</a:t>
             </a:fld>
             <a:endParaRPr lang="en-US"/>
           </a:p>
@@ -2001,7 +2001,7 @@
           <a:p>
             <a:fld id="{E53DFF73-D480-144E-A535-5E58F29F2980}" type="datetimeFigureOut">
               <a:rPr lang="en-US" smtClean="0"/>
-              <a:t>1/31/16</a:t>
+              <a:t>2/1/16</a:t>
             </a:fld>
             <a:endParaRPr lang="en-US"/>
           </a:p>
@@ -2278,7 +2278,7 @@
           <a:p>
             <a:fld id="{E53DFF73-D480-144E-A535-5E58F29F2980}" type="datetimeFigureOut">
               <a:rPr lang="en-US" smtClean="0"/>
-              <a:t>1/31/16</a:t>
+              <a:t>2/1/16</a:t>
             </a:fld>
             <a:endParaRPr lang="en-US"/>
           </a:p>
@@ -2531,7 +2531,7 @@
           <a:p>
             <a:fld id="{E53DFF73-D480-144E-A535-5E58F29F2980}" type="datetimeFigureOut">
               <a:rPr lang="en-US" smtClean="0"/>
-              <a:t>1/31/16</a:t>
+              <a:t>2/1/16</a:t>
             </a:fld>
             <a:endParaRPr lang="en-US"/>
           </a:p>
@@ -2744,7 +2744,7 @@
           <a:p>
             <a:fld id="{E53DFF73-D480-144E-A535-5E58F29F2980}" type="datetimeFigureOut">
               <a:rPr lang="en-US" smtClean="0"/>
-              <a:t>1/31/16</a:t>
+              <a:t>2/1/16</a:t>
             </a:fld>
             <a:endParaRPr lang="en-US"/>
           </a:p>
@@ -3481,7 +3481,7 @@
   <p:timing>
     <p:tnLst>
       <p:par>
-        <p:cTn xmlns:p14="http://schemas.microsoft.com/office/powerpoint/2010/main" id="1" dur="indefinite" restart="never" nodeType="tmRoot"/>
+        <p:cTn id="1" dur="indefinite" restart="never" nodeType="tmRoot"/>
       </p:par>
     </p:tnLst>
   </p:timing>
@@ -4300,7 +4300,7 @@
   <p:timing>
     <p:tnLst>
       <p:par>
-        <p:cTn xmlns:p14="http://schemas.microsoft.com/office/powerpoint/2010/main" id="1" dur="indefinite" restart="never" nodeType="tmRoot"/>
+        <p:cTn id="1" dur="indefinite" restart="never" nodeType="tmRoot"/>
       </p:par>
     </p:tnLst>
   </p:timing>
@@ -5037,7 +5037,7 @@
   <p:timing>
     <p:tnLst>
       <p:par>
-        <p:cTn xmlns:p14="http://schemas.microsoft.com/office/powerpoint/2010/main" id="1" dur="indefinite" restart="never" nodeType="tmRoot"/>
+        <p:cTn id="1" dur="indefinite" restart="never" nodeType="tmRoot"/>
       </p:par>
     </p:tnLst>
   </p:timing>
@@ -12483,7 +12483,7 @@
   <p:timing>
     <p:tnLst>
       <p:par>
-        <p:cTn xmlns:p14="http://schemas.microsoft.com/office/powerpoint/2010/main" id="1" dur="indefinite" restart="never" nodeType="tmRoot"/>
+        <p:cTn id="1" dur="indefinite" restart="never" nodeType="tmRoot"/>
       </p:par>
     </p:tnLst>
   </p:timing>
@@ -12509,24 +12509,26 @@
       </p:grpSpPr>
       <p:sp>
         <p:nvSpPr>
-          <p:cNvPr id="55" name="Oval 54"/>
+          <p:cNvPr id="90" name="Rectangle 89"/>
           <p:cNvSpPr/>
           <p:nvPr/>
         </p:nvSpPr>
         <p:spPr>
           <a:xfrm>
-            <a:off x="4971651" y="1010555"/>
-            <a:ext cx="178885" cy="178885"/>
-          </a:xfrm>
-          <a:prstGeom prst="ellipse">
+            <a:off x="2835710" y="6125832"/>
+            <a:ext cx="5105208" cy="2257474"/>
+          </a:xfrm>
+          <a:prstGeom prst="rect">
             <a:avLst/>
           </a:prstGeom>
           <a:solidFill>
-            <a:srgbClr val="595959"/>
+            <a:schemeClr val="bg1"/>
           </a:solidFill>
-          <a:ln>
-            <a:solidFill>
-              <a:srgbClr val="595959"/>
+          <a:ln w="38100">
+            <a:solidFill>
+              <a:schemeClr val="bg1">
+                <a:lumMod val="75000"/>
+              </a:schemeClr>
             </a:solidFill>
           </a:ln>
           <a:effectLst/>
@@ -12546,923 +12548,29 @@
           </a:fontRef>
         </p:style>
         <p:txBody>
-          <a:bodyPr rtlCol="0" anchor="ctr"/>
+          <a:bodyPr rtlCol="0" anchor="t"/>
           <a:lstStyle/>
           <a:p>
             <a:pPr algn="ctr"/>
-            <a:endParaRPr lang="en-US" sz="2000">
-              <a:latin typeface="Alegreya" charset="0"/>
-              <a:ea typeface="Alegreya" charset="0"/>
-              <a:cs typeface="Alegreya" charset="0"/>
-            </a:endParaRPr>
-          </a:p>
-        </p:txBody>
-      </p:sp>
-      <p:sp>
-        <p:nvSpPr>
-          <p:cNvPr id="46" name="TextBox 45"/>
-          <p:cNvSpPr txBox="1"/>
-          <p:nvPr/>
-        </p:nvSpPr>
-        <p:spPr>
-          <a:xfrm>
-            <a:off x="5120222" y="872922"/>
-            <a:ext cx="1309974" cy="400110"/>
-          </a:xfrm>
-          <a:prstGeom prst="rect">
-            <a:avLst/>
-          </a:prstGeom>
-          <a:noFill/>
-          <a:effectLst/>
-        </p:spPr>
-        <p:txBody>
-          <a:bodyPr wrap="none" rtlCol="0">
-            <a:spAutoFit/>
-          </a:bodyPr>
-          <a:lstStyle/>
-          <a:p>
-            <a:r>
-              <a:rPr lang="en-US" sz="2000" dirty="0" smtClean="0">
+            <a:r>
+              <a:rPr lang="en-US" sz="2400" b="1" dirty="0" err="1" smtClean="0">
                 <a:solidFill>
-                  <a:schemeClr val="bg1">
-                    <a:lumMod val="50000"/>
-                  </a:schemeClr>
+                  <a:schemeClr val="tx1"/>
                 </a:solidFill>
-                <a:latin typeface="Alegreya" charset="0"/>
-                <a:ea typeface="Alegreya" charset="0"/>
-                <a:cs typeface="Alegreya" charset="0"/>
-              </a:rPr>
-              <a:t>error tuple</a:t>
-            </a:r>
-          </a:p>
-        </p:txBody>
-      </p:sp>
-      <p:sp>
-        <p:nvSpPr>
-          <p:cNvPr id="56" name="Oval 55"/>
-          <p:cNvSpPr/>
-          <p:nvPr/>
-        </p:nvSpPr>
-        <p:spPr>
-          <a:xfrm>
-            <a:off x="4971651" y="1314696"/>
-            <a:ext cx="178885" cy="178885"/>
-          </a:xfrm>
-          <a:prstGeom prst="ellipse">
-            <a:avLst/>
-          </a:prstGeom>
-          <a:solidFill>
-            <a:srgbClr val="FFFFFF"/>
-          </a:solidFill>
-          <a:ln>
-            <a:solidFill>
-              <a:srgbClr val="595959"/>
-            </a:solidFill>
-          </a:ln>
-          <a:effectLst/>
-        </p:spPr>
-        <p:style>
-          <a:lnRef idx="1">
-            <a:schemeClr val="accent1"/>
-          </a:lnRef>
-          <a:fillRef idx="3">
-            <a:schemeClr val="accent1"/>
-          </a:fillRef>
-          <a:effectRef idx="2">
-            <a:schemeClr val="accent1"/>
-          </a:effectRef>
-          <a:fontRef idx="minor">
-            <a:schemeClr val="lt1"/>
-          </a:fontRef>
-        </p:style>
-        <p:txBody>
-          <a:bodyPr rtlCol="0" anchor="ctr"/>
-          <a:lstStyle/>
-          <a:p>
-            <a:pPr algn="ctr"/>
-            <a:endParaRPr lang="en-US" sz="2000">
-              <a:latin typeface="Alegreya" charset="0"/>
-              <a:ea typeface="Alegreya" charset="0"/>
-              <a:cs typeface="Alegreya" charset="0"/>
-            </a:endParaRPr>
-          </a:p>
-        </p:txBody>
-      </p:sp>
-      <p:sp>
-        <p:nvSpPr>
-          <p:cNvPr id="51" name="TextBox 50"/>
-          <p:cNvSpPr txBox="1"/>
-          <p:nvPr/>
-        </p:nvSpPr>
-        <p:spPr>
-          <a:xfrm>
-            <a:off x="5120222" y="1177063"/>
-            <a:ext cx="721672" cy="400110"/>
-          </a:xfrm>
-          <a:prstGeom prst="rect">
-            <a:avLst/>
-          </a:prstGeom>
-          <a:noFill/>
-          <a:effectLst/>
-        </p:spPr>
-        <p:txBody>
-          <a:bodyPr wrap="none" rtlCol="0">
-            <a:spAutoFit/>
-          </a:bodyPr>
-          <a:lstStyle/>
-          <a:p>
-            <a:r>
-              <a:rPr lang="en-US" sz="2000" dirty="0" smtClean="0">
-                <a:solidFill>
-                  <a:schemeClr val="bg1">
-                    <a:lumMod val="50000"/>
-                  </a:schemeClr>
-                </a:solidFill>
-                <a:latin typeface="Alegreya" charset="0"/>
-                <a:ea typeface="Alegreya" charset="0"/>
-                <a:cs typeface="Alegreya" charset="0"/>
-              </a:rPr>
-              <a:t>tuple</a:t>
-            </a:r>
-          </a:p>
-        </p:txBody>
-      </p:sp>
-      <p:sp>
-        <p:nvSpPr>
-          <p:cNvPr id="50" name="Rounded Rectangle 49"/>
-          <p:cNvSpPr/>
-          <p:nvPr/>
-        </p:nvSpPr>
-        <p:spPr>
-          <a:xfrm>
-            <a:off x="3067530" y="2455393"/>
-            <a:ext cx="5063801" cy="3100862"/>
-          </a:xfrm>
-          <a:custGeom>
-            <a:avLst/>
-            <a:gdLst/>
-            <a:ahLst/>
-            <a:cxnLst/>
-            <a:rect l="l" t="t" r="r" b="b"/>
-            <a:pathLst>
-              <a:path w="5137259" h="3305206">
-                <a:moveTo>
-                  <a:pt x="3088825" y="0"/>
-                </a:moveTo>
-                <a:lnTo>
-                  <a:pt x="4924404" y="0"/>
-                </a:lnTo>
-                <a:cubicBezTo>
-                  <a:pt x="5041961" y="0"/>
-                  <a:pt x="5137259" y="95298"/>
-                  <a:pt x="5137259" y="212855"/>
-                </a:cubicBezTo>
-                <a:lnTo>
-                  <a:pt x="5137259" y="754941"/>
-                </a:lnTo>
-                <a:lnTo>
-                  <a:pt x="5137259" y="2602411"/>
-                </a:lnTo>
-                <a:lnTo>
-                  <a:pt x="5137259" y="3040205"/>
-                </a:lnTo>
-                <a:cubicBezTo>
-                  <a:pt x="5137259" y="3186561"/>
-                  <a:pt x="5018614" y="3305206"/>
-                  <a:pt x="4872258" y="3305206"/>
-                </a:cubicBezTo>
-                <a:lnTo>
-                  <a:pt x="265001" y="3305206"/>
-                </a:lnTo>
-                <a:cubicBezTo>
-                  <a:pt x="118645" y="3305206"/>
-                  <a:pt x="0" y="3186561"/>
-                  <a:pt x="0" y="3040205"/>
-                </a:cubicBezTo>
-                <a:lnTo>
-                  <a:pt x="0" y="754941"/>
-                </a:lnTo>
-                <a:cubicBezTo>
-                  <a:pt x="0" y="608585"/>
-                  <a:pt x="118645" y="489940"/>
-                  <a:pt x="265001" y="489940"/>
-                </a:cubicBezTo>
-                <a:lnTo>
-                  <a:pt x="2875970" y="489940"/>
-                </a:lnTo>
-                <a:lnTo>
-                  <a:pt x="2875970" y="212855"/>
-                </a:lnTo>
-                <a:cubicBezTo>
-                  <a:pt x="2875970" y="95298"/>
-                  <a:pt x="2971268" y="0"/>
-                  <a:pt x="3088825" y="0"/>
-                </a:cubicBezTo>
-                <a:close/>
-              </a:path>
-            </a:pathLst>
-          </a:custGeom>
-          <a:solidFill>
-            <a:srgbClr val="FFFFFF"/>
-          </a:solidFill>
-          <a:ln w="28575">
-            <a:solidFill>
-              <a:schemeClr val="bg1">
-                <a:lumMod val="50000"/>
-              </a:schemeClr>
-            </a:solidFill>
-            <a:prstDash val="sysDash"/>
-          </a:ln>
-          <a:effectLst/>
-        </p:spPr>
-        <p:style>
-          <a:lnRef idx="1">
-            <a:schemeClr val="accent1"/>
-          </a:lnRef>
-          <a:fillRef idx="3">
-            <a:schemeClr val="accent1"/>
-          </a:fillRef>
-          <a:effectRef idx="2">
-            <a:schemeClr val="accent1"/>
-          </a:effectRef>
-          <a:fontRef idx="minor">
-            <a:schemeClr val="lt1"/>
-          </a:fontRef>
-        </p:style>
-        <p:txBody>
-          <a:bodyPr rtlCol="0" anchor="ctr"/>
-          <a:lstStyle/>
-          <a:p>
-            <a:pPr algn="ctr"/>
-            <a:endParaRPr lang="en-US" sz="2000">
-              <a:latin typeface="Alegreya" charset="0"/>
-              <a:ea typeface="Alegreya" charset="0"/>
-              <a:cs typeface="Alegreya" charset="0"/>
-            </a:endParaRPr>
-          </a:p>
-        </p:txBody>
-      </p:sp>
-      <p:sp>
-        <p:nvSpPr>
-          <p:cNvPr id="54" name="Rounded Rectangle 53"/>
-          <p:cNvSpPr/>
-          <p:nvPr/>
-        </p:nvSpPr>
-        <p:spPr>
-          <a:xfrm>
-            <a:off x="5637209" y="3013340"/>
-            <a:ext cx="2429185" cy="2453568"/>
-          </a:xfrm>
-          <a:custGeom>
-            <a:avLst/>
-            <a:gdLst/>
-            <a:ahLst/>
-            <a:cxnLst/>
-            <a:rect l="l" t="t" r="r" b="b"/>
-            <a:pathLst>
-              <a:path w="2429185" h="2673836">
-                <a:moveTo>
-                  <a:pt x="1027397" y="0"/>
-                </a:moveTo>
-                <a:lnTo>
-                  <a:pt x="2319171" y="0"/>
-                </a:lnTo>
-                <a:cubicBezTo>
-                  <a:pt x="2379930" y="0"/>
-                  <a:pt x="2429185" y="49255"/>
-                  <a:pt x="2429185" y="110014"/>
-                </a:cubicBezTo>
-                <a:lnTo>
-                  <a:pt x="2429185" y="625549"/>
-                </a:lnTo>
-                <a:lnTo>
-                  <a:pt x="2429185" y="1493214"/>
-                </a:lnTo>
-                <a:lnTo>
-                  <a:pt x="2429185" y="2513084"/>
-                </a:lnTo>
-                <a:cubicBezTo>
-                  <a:pt x="2429185" y="2601865"/>
-                  <a:pt x="2357214" y="2673836"/>
-                  <a:pt x="2268433" y="2673836"/>
-                </a:cubicBezTo>
-                <a:lnTo>
-                  <a:pt x="160752" y="2673836"/>
-                </a:lnTo>
-                <a:cubicBezTo>
-                  <a:pt x="71971" y="2673836"/>
-                  <a:pt x="0" y="2601865"/>
-                  <a:pt x="0" y="2513084"/>
-                </a:cubicBezTo>
-                <a:lnTo>
-                  <a:pt x="0" y="625549"/>
-                </a:lnTo>
-                <a:cubicBezTo>
-                  <a:pt x="0" y="536768"/>
-                  <a:pt x="71971" y="464797"/>
-                  <a:pt x="160752" y="464797"/>
-                </a:cubicBezTo>
-                <a:lnTo>
-                  <a:pt x="917383" y="464797"/>
-                </a:lnTo>
-                <a:lnTo>
-                  <a:pt x="917383" y="110014"/>
-                </a:lnTo>
-                <a:cubicBezTo>
-                  <a:pt x="917383" y="49255"/>
-                  <a:pt x="966638" y="0"/>
-                  <a:pt x="1027397" y="0"/>
-                </a:cubicBezTo>
-                <a:close/>
-              </a:path>
-            </a:pathLst>
-          </a:custGeom>
-          <a:solidFill>
-            <a:schemeClr val="bg1">
-              <a:lumMod val="95000"/>
-            </a:schemeClr>
-          </a:solidFill>
-          <a:ln w="28575">
-            <a:solidFill>
-              <a:schemeClr val="bg1">
-                <a:lumMod val="50000"/>
-              </a:schemeClr>
-            </a:solidFill>
-            <a:prstDash val="sysDash"/>
-          </a:ln>
-          <a:effectLst/>
-        </p:spPr>
-        <p:style>
-          <a:lnRef idx="1">
-            <a:schemeClr val="accent1"/>
-          </a:lnRef>
-          <a:fillRef idx="3">
-            <a:schemeClr val="accent1"/>
-          </a:fillRef>
-          <a:effectRef idx="2">
-            <a:schemeClr val="accent1"/>
-          </a:effectRef>
-          <a:fontRef idx="minor">
-            <a:schemeClr val="lt1"/>
-          </a:fontRef>
-        </p:style>
-        <p:txBody>
-          <a:bodyPr rtlCol="0" anchor="ctr"/>
-          <a:lstStyle/>
-          <a:p>
-            <a:pPr algn="ctr"/>
-            <a:endParaRPr lang="en-US" sz="2000">
-              <a:latin typeface="Alegreya" charset="0"/>
-              <a:ea typeface="Alegreya" charset="0"/>
-              <a:cs typeface="Alegreya" charset="0"/>
-            </a:endParaRPr>
-          </a:p>
-        </p:txBody>
-      </p:sp>
-      <p:sp>
-        <p:nvSpPr>
-          <p:cNvPr id="5" name="Folded Corner 4"/>
-          <p:cNvSpPr/>
-          <p:nvPr/>
-        </p:nvSpPr>
-        <p:spPr>
-          <a:xfrm>
-            <a:off x="891367" y="3044925"/>
-            <a:ext cx="1438083" cy="2511330"/>
-          </a:xfrm>
-          <a:prstGeom prst="foldedCorner">
-            <a:avLst/>
-          </a:prstGeom>
-          <a:solidFill>
-            <a:schemeClr val="bg1"/>
-          </a:solidFill>
-          <a:ln w="28575">
-            <a:solidFill>
-              <a:schemeClr val="bg1">
-                <a:lumMod val="50000"/>
-              </a:schemeClr>
-            </a:solidFill>
-          </a:ln>
-          <a:effectLst/>
-        </p:spPr>
-        <p:style>
-          <a:lnRef idx="1">
-            <a:schemeClr val="accent1"/>
-          </a:lnRef>
-          <a:fillRef idx="3">
-            <a:schemeClr val="accent1"/>
-          </a:fillRef>
-          <a:effectRef idx="2">
-            <a:schemeClr val="accent1"/>
-          </a:effectRef>
-          <a:fontRef idx="minor">
-            <a:schemeClr val="lt1"/>
-          </a:fontRef>
-        </p:style>
-        <p:txBody>
-          <a:bodyPr rtlCol="0" anchor="ctr"/>
-          <a:lstStyle/>
-          <a:p>
-            <a:pPr algn="ctr"/>
-            <a:endParaRPr lang="en-US" sz="2000">
-              <a:latin typeface="Alegreya" charset="0"/>
-              <a:ea typeface="Alegreya" charset="0"/>
-              <a:cs typeface="Alegreya" charset="0"/>
-            </a:endParaRPr>
-          </a:p>
-        </p:txBody>
-      </p:sp>
-      <p:sp>
-        <p:nvSpPr>
-          <p:cNvPr id="4" name="TextBox 3"/>
-          <p:cNvSpPr txBox="1"/>
-          <p:nvPr/>
-        </p:nvSpPr>
-        <p:spPr>
-          <a:xfrm>
-            <a:off x="891367" y="3473569"/>
-            <a:ext cx="1484152" cy="1708160"/>
-          </a:xfrm>
-          <a:prstGeom prst="rect">
-            <a:avLst/>
-          </a:prstGeom>
-          <a:noFill/>
-          <a:effectLst/>
-        </p:spPr>
-        <p:txBody>
-          <a:bodyPr wrap="square" rtlCol="0">
-            <a:spAutoFit/>
-          </a:bodyPr>
-          <a:lstStyle/>
-          <a:p>
-            <a:r>
-              <a:rPr lang="en-US" sz="350" dirty="0" smtClean="0">
-                <a:solidFill>
-                  <a:schemeClr val="tx1">
-                    <a:lumMod val="65000"/>
-                    <a:lumOff val="35000"/>
-                  </a:schemeClr>
-                </a:solidFill>
-                <a:latin typeface="Alegreya" charset="0"/>
-                <a:ea typeface="Alegreya" charset="0"/>
-                <a:cs typeface="Alegreya" charset="0"/>
-              </a:rPr>
-              <a:t>UPDATE CUSTOMER SET C_BALANCE = C_BALANCE + ? WHERE C_ID = ? AND C_D_ID = ? AND C_W_ID = ? UPDATE CUSTOMER SET C_BALANCE = ?, C_YTD_PAYMENT = ?, C_PAYMENT_CNT = ?, C_DATA = ? WHERE C_W_ID = ? AND C_D_ID = ? AND C_ID = ?</a:t>
-            </a:r>
-          </a:p>
-          <a:p>
-            <a:r>
-              <a:rPr lang="en-US" sz="350" dirty="0" smtClean="0">
-                <a:solidFill>
-                  <a:schemeClr val="tx1">
-                    <a:lumMod val="65000"/>
-                    <a:lumOff val="35000"/>
-                  </a:schemeClr>
-                </a:solidFill>
-                <a:latin typeface="Alegreya" charset="0"/>
-                <a:ea typeface="Alegreya" charset="0"/>
-                <a:cs typeface="Alegreya" charset="0"/>
-              </a:rPr>
-              <a:t>UPDATE WAREHOUSE SET W_YTD = W_YTD + ? WHERE W_ID = ? </a:t>
-            </a:r>
-          </a:p>
-          <a:p>
-            <a:r>
-              <a:rPr lang="en-US" sz="350" dirty="0" smtClean="0">
-                <a:solidFill>
-                  <a:schemeClr val="tx1">
-                    <a:lumMod val="65000"/>
-                    <a:lumOff val="35000"/>
-                  </a:schemeClr>
-                </a:solidFill>
-                <a:latin typeface="Alegreya" charset="0"/>
-                <a:ea typeface="Alegreya" charset="0"/>
-                <a:cs typeface="Alegreya" charset="0"/>
-              </a:rPr>
-              <a:t>UPDATE ORDERS SET O_CARRIER_ID = ? WHERE O_ID = ? AND O_D_ID = ? AND O_W_ID = ?</a:t>
-            </a:r>
-          </a:p>
-          <a:p>
-            <a:r>
-              <a:rPr lang="en-US" sz="350" dirty="0" smtClean="0">
-                <a:solidFill>
-                  <a:schemeClr val="tx1">
-                    <a:lumMod val="65000"/>
-                    <a:lumOff val="35000"/>
-                  </a:schemeClr>
-                </a:solidFill>
-                <a:latin typeface="Alegreya" charset="0"/>
-                <a:ea typeface="Alegreya" charset="0"/>
-                <a:cs typeface="Alegreya" charset="0"/>
-              </a:rPr>
-              <a:t>UPDATE CUSTOMER SET C_BALANCE = ?, C_YTD_PAYMENT = ?, C_PAYMENT_CNT = ? WHERE C_W_ID = ? AND C_D_ID = ? AND C_ID = ?</a:t>
-            </a:r>
-          </a:p>
-          <a:p>
-            <a:r>
-              <a:rPr lang="en-US" sz="350" dirty="0" smtClean="0">
-                <a:solidFill>
-                  <a:schemeClr val="tx1">
-                    <a:lumMod val="65000"/>
-                    <a:lumOff val="35000"/>
-                  </a:schemeClr>
-                </a:solidFill>
-                <a:latin typeface="Alegreya" charset="0"/>
-                <a:ea typeface="Alegreya" charset="0"/>
-                <a:cs typeface="Alegreya" charset="0"/>
-              </a:rPr>
-              <a:t>INSERT INTO NEW_ORDER (NO_O_ID, NO_D_ID, NO_W_ID) VALUES (?, ?, ?)</a:t>
-            </a:r>
-          </a:p>
-          <a:p>
-            <a:r>
-              <a:rPr lang="en-US" sz="350" dirty="0" smtClean="0">
-                <a:solidFill>
-                  <a:schemeClr val="tx1">
-                    <a:lumMod val="65000"/>
-                    <a:lumOff val="35000"/>
-                  </a:schemeClr>
-                </a:solidFill>
-                <a:latin typeface="Alegreya" charset="0"/>
-                <a:ea typeface="Alegreya" charset="0"/>
-                <a:cs typeface="Alegreya" charset="0"/>
-              </a:rPr>
-              <a:t>UPDATE STOCK SET S_QUANTITY = ?, S_YTD = ?, S_ORDER_CNT = ?, S_REMOTE_CNT = ? WHERE S_I_ID = ? AND S_W_ID = ?</a:t>
-            </a:r>
-          </a:p>
-          <a:p>
-            <a:r>
-              <a:rPr lang="en-US" sz="350" dirty="0" smtClean="0">
-                <a:solidFill>
-                  <a:schemeClr val="tx1">
-                    <a:lumMod val="65000"/>
-                    <a:lumOff val="35000"/>
-                  </a:schemeClr>
-                </a:solidFill>
-                <a:latin typeface="Alegreya" charset="0"/>
-                <a:ea typeface="Alegreya" charset="0"/>
-                <a:cs typeface="Alegreya" charset="0"/>
-              </a:rPr>
-              <a:t>UPDATE DISTRICT SET D_YTD = D_YTD + ? WHERE D_W_ID  = ? AND D_ID = ?</a:t>
-            </a:r>
-          </a:p>
-          <a:p>
-            <a:r>
-              <a:rPr lang="en-US" sz="350" dirty="0" smtClean="0">
-                <a:solidFill>
-                  <a:schemeClr val="tx1">
-                    <a:lumMod val="65000"/>
-                    <a:lumOff val="35000"/>
-                  </a:schemeClr>
-                </a:solidFill>
-                <a:latin typeface="Alegreya" charset="0"/>
-                <a:ea typeface="Alegreya" charset="0"/>
-                <a:cs typeface="Alegreya" charset="0"/>
-              </a:rPr>
-              <a:t>UPDATE DISTRICT SET D_NEXT_O_ID = ? WHERE D_ID = ? AND D_W_ID = ?</a:t>
-            </a:r>
-          </a:p>
-          <a:p>
-            <a:r>
-              <a:rPr lang="en-US" sz="350" dirty="0" smtClean="0">
-                <a:solidFill>
-                  <a:schemeClr val="tx1">
-                    <a:lumMod val="65000"/>
-                    <a:lumOff val="35000"/>
-                  </a:schemeClr>
-                </a:solidFill>
-                <a:latin typeface="Alegreya" charset="0"/>
-                <a:ea typeface="Alegreya" charset="0"/>
-                <a:cs typeface="Alegreya" charset="0"/>
-              </a:rPr>
-              <a:t>INSERT INTO HISTORY VALUES (?, ?, ?, ?, ?, ?, ?, ?)</a:t>
-            </a:r>
-          </a:p>
-          <a:p>
-            <a:r>
-              <a:rPr lang="en-US" sz="350" dirty="0" smtClean="0">
-                <a:solidFill>
-                  <a:schemeClr val="tx1">
-                    <a:lumMod val="65000"/>
-                    <a:lumOff val="35000"/>
-                  </a:schemeClr>
-                </a:solidFill>
-                <a:latin typeface="Alegreya" charset="0"/>
-                <a:ea typeface="Alegreya" charset="0"/>
-                <a:cs typeface="Alegreya" charset="0"/>
-              </a:rPr>
-              <a:t>INSERT INTO ORDERS (O_ID, O_D_ID, O_W_ID, O_C_ID, O_ENTRY_D, O_CARRIER_ID, O_OL_CNT, O_ALL_LOCAL) VALUES (?, ?, ?, ?, ?, ?, ?, ?)</a:t>
-            </a:r>
-          </a:p>
-          <a:p>
-            <a:r>
-              <a:rPr lang="en-US" sz="350" dirty="0" smtClean="0">
-                <a:solidFill>
-                  <a:schemeClr val="tx1">
-                    <a:lumMod val="65000"/>
-                    <a:lumOff val="35000"/>
-                  </a:schemeClr>
-                </a:solidFill>
-                <a:latin typeface="Alegreya" charset="0"/>
-                <a:ea typeface="Alegreya" charset="0"/>
-                <a:cs typeface="Alegreya" charset="0"/>
-              </a:rPr>
-              <a:t>DELETE FROM NEW_ORDER WHERE NO_D_ID = ? AND NO_W_ID = ? AND NO_O_ID = ?</a:t>
-            </a:r>
-          </a:p>
-          <a:p>
-            <a:r>
-              <a:rPr lang="en-US" sz="350" dirty="0" smtClean="0">
-                <a:solidFill>
-                  <a:schemeClr val="tx1">
-                    <a:lumMod val="65000"/>
-                    <a:lumOff val="35000"/>
-                  </a:schemeClr>
-                </a:solidFill>
-                <a:latin typeface="Alegreya" charset="0"/>
-                <a:ea typeface="Alegreya" charset="0"/>
-                <a:cs typeface="Alegreya" charset="0"/>
-              </a:rPr>
-              <a:t>INSERT INTO ORDER_LINE (OL_O_ID, OL_D_ID, OL_W_ID, OL_NUMBER, OL_I_ID, OL_SUPPLY_W_ID, OL_DELIVERY_D, OL_QUANTITY, OL_AMOUNT, OL_DIST_INFO) VALUES (?, ?, ?, ?, ?, ?, ?, ?, ?, ?)</a:t>
-            </a:r>
-          </a:p>
-          <a:p>
-            <a:r>
-              <a:rPr lang="en-US" sz="350" dirty="0" smtClean="0">
-                <a:solidFill>
-                  <a:schemeClr val="tx1">
-                    <a:lumMod val="65000"/>
-                    <a:lumOff val="35000"/>
-                  </a:schemeClr>
-                </a:solidFill>
-                <a:latin typeface="Alegreya" charset="0"/>
-                <a:ea typeface="Alegreya" charset="0"/>
-                <a:cs typeface="Alegreya" charset="0"/>
-              </a:rPr>
-              <a:t>UPDATE ORDER_LINE SET OL_DELIVERY_D = ? WHERE OL_O_ID = ? AND OL_D_ID = ? AND OL_W_ID = ?</a:t>
-            </a:r>
-          </a:p>
-        </p:txBody>
-      </p:sp>
-      <p:sp>
-        <p:nvSpPr>
-          <p:cNvPr id="6" name="TextBox 5"/>
-          <p:cNvSpPr txBox="1"/>
-          <p:nvPr/>
-        </p:nvSpPr>
-        <p:spPr>
-          <a:xfrm>
-            <a:off x="891464" y="3073462"/>
-            <a:ext cx="1202573" cy="400110"/>
-          </a:xfrm>
-          <a:prstGeom prst="rect">
-            <a:avLst/>
-          </a:prstGeom>
-          <a:noFill/>
-          <a:effectLst/>
-        </p:spPr>
-        <p:txBody>
-          <a:bodyPr wrap="none" rtlCol="0">
-            <a:spAutoFit/>
-          </a:bodyPr>
-          <a:lstStyle/>
-          <a:p>
-            <a:r>
-              <a:rPr lang="en-US" sz="2000" dirty="0" smtClean="0">
-                <a:latin typeface="Alegreya" charset="0"/>
-                <a:ea typeface="Alegreya" charset="0"/>
-                <a:cs typeface="Alegreya" charset="0"/>
-              </a:rPr>
-              <a:t>Query log</a:t>
-            </a:r>
-            <a:endParaRPr lang="en-US" sz="2000" dirty="0">
-              <a:latin typeface="Alegreya" charset="0"/>
-              <a:ea typeface="Alegreya" charset="0"/>
-              <a:cs typeface="Alegreya" charset="0"/>
-            </a:endParaRPr>
-          </a:p>
-        </p:txBody>
-      </p:sp>
-      <p:pic>
-        <p:nvPicPr>
-          <p:cNvPr id="3" name="Picture 2"/>
-          <p:cNvPicPr>
-            <a:picLocks noChangeAspect="1"/>
-          </p:cNvPicPr>
-          <p:nvPr/>
-        </p:nvPicPr>
-        <p:blipFill>
-          <a:blip r:embed="rId2"/>
-          <a:stretch>
-            <a:fillRect/>
-          </a:stretch>
-        </p:blipFill>
-        <p:spPr>
-          <a:xfrm>
-            <a:off x="764836" y="1084645"/>
-            <a:ext cx="1230822" cy="1230822"/>
-          </a:xfrm>
-          <a:prstGeom prst="rect">
-            <a:avLst/>
-          </a:prstGeom>
-          <a:effectLst/>
-        </p:spPr>
-      </p:pic>
-      <p:sp>
-        <p:nvSpPr>
-          <p:cNvPr id="29" name="TextBox 28"/>
-          <p:cNvSpPr txBox="1"/>
-          <p:nvPr/>
-        </p:nvSpPr>
-        <p:spPr>
-          <a:xfrm>
-            <a:off x="984209" y="919609"/>
-            <a:ext cx="792076" cy="400110"/>
-          </a:xfrm>
-          <a:prstGeom prst="rect">
-            <a:avLst/>
-          </a:prstGeom>
-          <a:noFill/>
-          <a:effectLst/>
-        </p:spPr>
-        <p:txBody>
-          <a:bodyPr wrap="none" rtlCol="0">
-            <a:spAutoFit/>
-          </a:bodyPr>
-          <a:lstStyle/>
-          <a:p>
-            <a:r>
-              <a:rPr lang="en-US" sz="2000" dirty="0" smtClean="0">
-                <a:latin typeface="Alegreya" charset="0"/>
-                <a:ea typeface="Alegreya" charset="0"/>
-                <a:cs typeface="Alegreya" charset="0"/>
-              </a:rPr>
-              <a:t>Users</a:t>
-            </a:r>
-          </a:p>
-        </p:txBody>
-      </p:sp>
-      <p:cxnSp>
-        <p:nvCxnSpPr>
-          <p:cNvPr id="33" name="Straight Arrow Connector 32"/>
-          <p:cNvCxnSpPr/>
-          <p:nvPr/>
-        </p:nvCxnSpPr>
-        <p:spPr>
-          <a:xfrm>
-            <a:off x="1927303" y="1711427"/>
-            <a:ext cx="396693" cy="0"/>
-          </a:xfrm>
-          <a:prstGeom prst="straightConnector1">
-            <a:avLst/>
-          </a:prstGeom>
-          <a:ln>
-            <a:solidFill>
-              <a:srgbClr val="595959"/>
-            </a:solidFill>
-            <a:tailEnd type="arrow"/>
-          </a:ln>
-          <a:effectLst/>
-        </p:spPr>
-        <p:style>
-          <a:lnRef idx="2">
-            <a:schemeClr val="accent1"/>
-          </a:lnRef>
-          <a:fillRef idx="0">
-            <a:schemeClr val="accent1"/>
-          </a:fillRef>
-          <a:effectRef idx="1">
-            <a:schemeClr val="accent1"/>
-          </a:effectRef>
-          <a:fontRef idx="minor">
-            <a:schemeClr val="tx1"/>
-          </a:fontRef>
-        </p:style>
-      </p:cxnSp>
-      <p:sp>
-        <p:nvSpPr>
-          <p:cNvPr id="37" name="TextBox 36"/>
-          <p:cNvSpPr txBox="1"/>
-          <p:nvPr/>
-        </p:nvSpPr>
-        <p:spPr>
-          <a:xfrm>
-            <a:off x="6756908" y="2494689"/>
-            <a:ext cx="736099" cy="400110"/>
-          </a:xfrm>
-          <a:prstGeom prst="rect">
-            <a:avLst/>
-          </a:prstGeom>
-          <a:noFill/>
-          <a:effectLst/>
-        </p:spPr>
-        <p:txBody>
-          <a:bodyPr wrap="none" rtlCol="0">
-            <a:spAutoFit/>
-          </a:bodyPr>
-          <a:lstStyle/>
-          <a:p>
-            <a:r>
-              <a:rPr lang="en-US" sz="2000" cap="small" dirty="0" err="1" smtClean="0">
-                <a:latin typeface="Alegreya" charset="0"/>
-                <a:ea typeface="Alegreya" charset="0"/>
-                <a:cs typeface="Alegreya" charset="0"/>
+                <a:latin typeface="Josefin Sans" charset="0"/>
+                <a:ea typeface="Josefin Sans" charset="0"/>
+                <a:cs typeface="Josefin Sans" charset="0"/>
               </a:rPr>
               <a:t>QFix</a:t>
             </a:r>
-            <a:endParaRPr lang="en-US" sz="2000" cap="small" dirty="0" smtClean="0">
-              <a:latin typeface="Alegreya" charset="0"/>
-              <a:ea typeface="Alegreya" charset="0"/>
-              <a:cs typeface="Alegreya" charset="0"/>
+            <a:endParaRPr lang="en-US" sz="2400" b="1" dirty="0">
+              <a:solidFill>
+                <a:schemeClr val="tx1"/>
+              </a:solidFill>
+              <a:latin typeface="Josefin Sans" charset="0"/>
+              <a:ea typeface="Josefin Sans" charset="0"/>
+              <a:cs typeface="Josefin Sans" charset="0"/>
             </a:endParaRPr>
-          </a:p>
-        </p:txBody>
-      </p:sp>
-      <p:sp>
-        <p:nvSpPr>
-          <p:cNvPr id="42" name="TextBox 41"/>
-          <p:cNvSpPr txBox="1"/>
-          <p:nvPr/>
-        </p:nvSpPr>
-        <p:spPr>
-          <a:xfrm>
-            <a:off x="5871635" y="3637591"/>
-            <a:ext cx="1960332" cy="707886"/>
-          </a:xfrm>
-          <a:prstGeom prst="rect">
-            <a:avLst/>
-          </a:prstGeom>
-          <a:solidFill>
-            <a:schemeClr val="bg1"/>
-          </a:solidFill>
-          <a:ln w="28575">
-            <a:solidFill>
-              <a:schemeClr val="bg1">
-                <a:lumMod val="50000"/>
-              </a:schemeClr>
-            </a:solidFill>
-          </a:ln>
-          <a:effectLst/>
-        </p:spPr>
-        <p:txBody>
-          <a:bodyPr wrap="square" rtlCol="0">
-            <a:spAutoFit/>
-          </a:bodyPr>
-          <a:lstStyle/>
-          <a:p>
-            <a:pPr algn="ctr"/>
-            <a:r>
-              <a:rPr lang="en-US" sz="2000" dirty="0" smtClean="0">
-                <a:latin typeface="Alegreya" charset="0"/>
-                <a:ea typeface="Alegreya" charset="0"/>
-                <a:cs typeface="Alegreya" charset="0"/>
-              </a:rPr>
-              <a:t>Tuple, Query, &amp; Attribute Slicing</a:t>
-            </a:r>
-          </a:p>
-        </p:txBody>
-      </p:sp>
-      <p:sp>
-        <p:nvSpPr>
-          <p:cNvPr id="43" name="TextBox 42"/>
-          <p:cNvSpPr txBox="1"/>
-          <p:nvPr/>
-        </p:nvSpPr>
-        <p:spPr>
-          <a:xfrm>
-            <a:off x="5871635" y="4541997"/>
-            <a:ext cx="1960332" cy="707886"/>
-          </a:xfrm>
-          <a:prstGeom prst="rect">
-            <a:avLst/>
-          </a:prstGeom>
-          <a:solidFill>
-            <a:schemeClr val="bg1"/>
-          </a:solidFill>
-          <a:ln w="28575">
-            <a:solidFill>
-              <a:schemeClr val="bg1">
-                <a:lumMod val="50000"/>
-              </a:schemeClr>
-            </a:solidFill>
-          </a:ln>
-          <a:effectLst/>
-        </p:spPr>
-        <p:txBody>
-          <a:bodyPr wrap="square" rtlCol="0">
-            <a:spAutoFit/>
-          </a:bodyPr>
-          <a:lstStyle/>
-          <a:p>
-            <a:pPr algn="ctr"/>
-            <a:r>
-              <a:rPr lang="en-US" sz="2000" dirty="0" smtClean="0">
-                <a:latin typeface="Alegreya" charset="0"/>
-                <a:ea typeface="Alegreya" charset="0"/>
-                <a:cs typeface="Alegreya" charset="0"/>
-              </a:rPr>
-              <a:t>Incremental Repair</a:t>
-            </a:r>
           </a:p>
         </p:txBody>
       </p:sp>
@@ -13477,8 +12585,8 @@
         </p:nvCxnSpPr>
         <p:spPr>
           <a:xfrm>
-            <a:off x="4257769" y="3881586"/>
-            <a:ext cx="1633" cy="419004"/>
+            <a:off x="4138398" y="4102621"/>
+            <a:ext cx="1835" cy="245697"/>
           </a:xfrm>
           <a:prstGeom prst="straightConnector1">
             <a:avLst/>
@@ -13512,15 +12620,13 @@
       <p:cxnSp>
         <p:nvCxnSpPr>
           <p:cNvPr id="49" name="Straight Arrow Connector 48"/>
-          <p:cNvCxnSpPr>
-            <a:stCxn id="65" idx="3"/>
-          </p:cNvCxnSpPr>
+          <p:cNvCxnSpPr/>
           <p:nvPr/>
         </p:nvCxnSpPr>
         <p:spPr>
-          <a:xfrm>
-            <a:off x="5222635" y="4625951"/>
-            <a:ext cx="414573" cy="3385"/>
+          <a:xfrm flipV="1">
+            <a:off x="4848392" y="5039360"/>
+            <a:ext cx="417361" cy="1080"/>
           </a:xfrm>
           <a:prstGeom prst="straightConnector1">
             <a:avLst/>
@@ -13559,8 +12665,8 @@
         </p:nvSpPr>
         <p:spPr>
           <a:xfrm>
-            <a:off x="6209120" y="1286484"/>
-            <a:ext cx="1576072" cy="707886"/>
+            <a:off x="6153665" y="2343992"/>
+            <a:ext cx="1953798" cy="646331"/>
           </a:xfrm>
           <a:prstGeom prst="rect">
             <a:avLst/>
@@ -13569,97 +12675,66 @@
           <a:effectLst/>
         </p:spPr>
         <p:txBody>
-          <a:bodyPr wrap="none" rtlCol="0">
+          <a:bodyPr wrap="square" rtlCol="0">
             <a:spAutoFit/>
           </a:bodyPr>
           <a:lstStyle/>
           <a:p>
             <a:pPr algn="ctr"/>
             <a:r>
-              <a:rPr lang="en-US" sz="2000" dirty="0" smtClean="0">
-                <a:latin typeface="Alegreya" charset="0"/>
-                <a:ea typeface="Alegreya" charset="0"/>
-                <a:cs typeface="Alegreya" charset="0"/>
+              <a:rPr lang="en-US" smtClean="0">
+                <a:latin typeface="Josefin Sans" charset="0"/>
+                <a:ea typeface="Josefin Sans" charset="0"/>
+                <a:cs typeface="Josefin Sans" charset="0"/>
               </a:rPr>
-              <a:t>diagnoses &amp;</a:t>
+              <a:t>Q</a:t>
+            </a:r>
+            <a:r>
+              <a:rPr lang="en-US" smtClean="0">
+                <a:latin typeface="Josefin Sans" charset="0"/>
+                <a:ea typeface="Josefin Sans" charset="0"/>
+                <a:cs typeface="Josefin Sans" charset="0"/>
+              </a:rPr>
+              <a:t>uery diagnoses </a:t>
             </a:r>
           </a:p>
           <a:p>
             <a:pPr algn="ctr"/>
             <a:r>
-              <a:rPr lang="en-US" sz="2000" dirty="0" smtClean="0">
-                <a:latin typeface="Alegreya" charset="0"/>
-                <a:ea typeface="Alegreya" charset="0"/>
-                <a:cs typeface="Alegreya" charset="0"/>
+              <a:rPr lang="en-US" dirty="0" smtClean="0">
+                <a:latin typeface="Josefin Sans" charset="0"/>
+                <a:ea typeface="Josefin Sans" charset="0"/>
+                <a:cs typeface="Josefin Sans" charset="0"/>
               </a:rPr>
-              <a:t>query repairs</a:t>
-            </a:r>
-          </a:p>
-        </p:txBody>
-      </p:sp>
-      <p:sp>
-        <p:nvSpPr>
-          <p:cNvPr id="47" name="TextBox 46"/>
-          <p:cNvSpPr txBox="1"/>
-          <p:nvPr/>
-        </p:nvSpPr>
-        <p:spPr>
-          <a:xfrm>
-            <a:off x="6673464" y="3033548"/>
-            <a:ext cx="1271502" cy="400110"/>
+              <a:t>&amp; repairs</a:t>
+            </a:r>
+            <a:endParaRPr lang="en-US" dirty="0" smtClean="0">
+              <a:latin typeface="Josefin Sans" charset="0"/>
+              <a:ea typeface="Josefin Sans" charset="0"/>
+              <a:cs typeface="Josefin Sans" charset="0"/>
+            </a:endParaRPr>
+          </a:p>
+        </p:txBody>
+      </p:sp>
+      <p:sp>
+        <p:nvSpPr>
+          <p:cNvPr id="64" name="Rectangle 63"/>
+          <p:cNvSpPr/>
+          <p:nvPr/>
+        </p:nvSpPr>
+        <p:spPr>
+          <a:xfrm>
+            <a:off x="3292903" y="3719553"/>
+            <a:ext cx="1690989" cy="383068"/>
           </a:xfrm>
           <a:prstGeom prst="rect">
             <a:avLst/>
           </a:prstGeom>
-          <a:noFill/>
-          <a:effectLst/>
-        </p:spPr>
-        <p:txBody>
-          <a:bodyPr wrap="none" rtlCol="0">
-            <a:spAutoFit/>
-          </a:bodyPr>
-          <a:lstStyle/>
-          <a:p>
-            <a:r>
-              <a:rPr lang="en-US" sz="2000" dirty="0" smtClean="0">
-                <a:solidFill>
-                  <a:srgbClr val="595959"/>
-                </a:solidFill>
-                <a:latin typeface="Alegreya" charset="0"/>
-                <a:ea typeface="Alegreya" charset="0"/>
-                <a:cs typeface="Alegreya" charset="0"/>
-              </a:rPr>
-              <a:t>Optimizer</a:t>
-            </a:r>
-          </a:p>
-        </p:txBody>
-      </p:sp>
-      <p:sp>
-        <p:nvSpPr>
-          <p:cNvPr id="57" name="Down Arrow 56"/>
-          <p:cNvSpPr/>
-          <p:nvPr/>
-        </p:nvSpPr>
-        <p:spPr>
-          <a:xfrm rot="16200000">
-            <a:off x="2652358" y="4181932"/>
-            <a:ext cx="296173" cy="923715"/>
-          </a:xfrm>
-          <a:prstGeom prst="downArrow">
-            <a:avLst>
-              <a:gd name="adj1" fmla="val 63385"/>
-              <a:gd name="adj2" fmla="val 50000"/>
-            </a:avLst>
-          </a:prstGeom>
           <a:solidFill>
-            <a:schemeClr val="bg1"/>
+            <a:srgbClr val="E98A10"/>
           </a:solidFill>
           <a:ln w="28575">
-            <a:solidFill>
-              <a:schemeClr val="bg1">
-                <a:lumMod val="50000"/>
-              </a:schemeClr>
-            </a:solidFill>
+            <a:noFill/>
             <a:prstDash val="solid"/>
           </a:ln>
           <a:effectLst/>
@@ -13683,41 +12758,47 @@
           <a:lstStyle/>
           <a:p>
             <a:pPr algn="ctr"/>
-            <a:endParaRPr lang="en-US" sz="2000">
-              <a:latin typeface="Alegreya" charset="0"/>
-              <a:ea typeface="Alegreya" charset="0"/>
-              <a:cs typeface="Alegreya" charset="0"/>
+            <a:r>
+              <a:rPr lang="en-US" smtClean="0">
+                <a:solidFill>
+                  <a:schemeClr val="bg1"/>
+                </a:solidFill>
+                <a:latin typeface="Josefin Sans" charset="0"/>
+                <a:ea typeface="Josefin Sans" charset="0"/>
+                <a:cs typeface="Josefin Sans" charset="0"/>
+              </a:rPr>
+              <a:t>Denoiser</a:t>
+            </a:r>
+            <a:endParaRPr lang="en-US" dirty="0">
+              <a:solidFill>
+                <a:schemeClr val="bg1"/>
+              </a:solidFill>
+              <a:latin typeface="Josefin Sans" charset="0"/>
+              <a:ea typeface="Josefin Sans" charset="0"/>
+              <a:cs typeface="Josefin Sans" charset="0"/>
             </a:endParaRPr>
           </a:p>
         </p:txBody>
       </p:sp>
       <p:sp>
         <p:nvSpPr>
-          <p:cNvPr id="58" name="Down Arrow 57"/>
+          <p:cNvPr id="65" name="Rectangle 64"/>
           <p:cNvSpPr/>
           <p:nvPr/>
         </p:nvSpPr>
         <p:spPr>
-          <a:xfrm rot="10800000">
-            <a:off x="6851797" y="1962364"/>
-            <a:ext cx="296173" cy="487420"/>
-          </a:xfrm>
-          <a:prstGeom prst="downArrow">
-            <a:avLst>
-              <a:gd name="adj1" fmla="val 63385"/>
-              <a:gd name="adj2" fmla="val 50000"/>
-            </a:avLst>
+          <a:xfrm>
+            <a:off x="3296170" y="4348318"/>
+            <a:ext cx="1688126" cy="1108430"/>
+          </a:xfrm>
+          <a:prstGeom prst="rect">
+            <a:avLst/>
           </a:prstGeom>
           <a:solidFill>
-            <a:schemeClr val="bg1"/>
+            <a:srgbClr val="E98A10"/>
           </a:solidFill>
           <a:ln w="28575">
-            <a:solidFill>
-              <a:schemeClr val="bg1">
-                <a:lumMod val="50000"/>
-              </a:schemeClr>
-            </a:solidFill>
-            <a:prstDash val="solid"/>
+            <a:noFill/>
           </a:ln>
           <a:effectLst/>
         </p:spPr>
@@ -13740,36 +12821,58 @@
           <a:lstStyle/>
           <a:p>
             <a:pPr algn="ctr"/>
-            <a:endParaRPr lang="en-US" sz="2000">
-              <a:latin typeface="Alegreya" charset="0"/>
-              <a:ea typeface="Alegreya" charset="0"/>
-              <a:cs typeface="Alegreya" charset="0"/>
+            <a:r>
+              <a:rPr lang="en-US" dirty="0" smtClean="0">
+                <a:solidFill>
+                  <a:schemeClr val="bg1"/>
+                </a:solidFill>
+                <a:latin typeface="Josefin Sans" charset="0"/>
+                <a:ea typeface="Josefin Sans" charset="0"/>
+                <a:cs typeface="Josefin Sans" charset="0"/>
+              </a:rPr>
+              <a:t>MILP </a:t>
+            </a:r>
+            <a:r>
+              <a:rPr lang="en-US" dirty="0" smtClean="0">
+                <a:solidFill>
+                  <a:schemeClr val="bg1"/>
+                </a:solidFill>
+                <a:latin typeface="Josefin Sans" charset="0"/>
+                <a:ea typeface="Josefin Sans" charset="0"/>
+                <a:cs typeface="Josefin Sans" charset="0"/>
+              </a:rPr>
+              <a:t>Encoder</a:t>
+            </a:r>
+            <a:endParaRPr lang="en-US" dirty="0">
+              <a:solidFill>
+                <a:schemeClr val="bg1"/>
+              </a:solidFill>
+              <a:latin typeface="Josefin Sans" charset="0"/>
+              <a:ea typeface="Josefin Sans" charset="0"/>
+              <a:cs typeface="Josefin Sans" charset="0"/>
             </a:endParaRPr>
           </a:p>
         </p:txBody>
       </p:sp>
       <p:sp>
         <p:nvSpPr>
-          <p:cNvPr id="64" name="Rectangle 63"/>
+          <p:cNvPr id="89" name="Rectangle 88"/>
           <p:cNvSpPr/>
           <p:nvPr/>
         </p:nvSpPr>
         <p:spPr>
           <a:xfrm>
-            <a:off x="3292903" y="3207588"/>
-            <a:ext cx="1929732" cy="673998"/>
+            <a:off x="5263979" y="3718234"/>
+            <a:ext cx="2834091" cy="385705"/>
           </a:xfrm>
           <a:prstGeom prst="rect">
             <a:avLst/>
           </a:prstGeom>
-          <a:noFill/>
-          <a:ln w="28575">
-            <a:solidFill>
-              <a:schemeClr val="bg1">
-                <a:lumMod val="50000"/>
-              </a:schemeClr>
-            </a:solidFill>
-            <a:prstDash val="solid"/>
+          <a:solidFill>
+            <a:srgbClr val="0070C0"/>
+          </a:solidFill>
+          <a:ln w="38100">
+            <a:noFill/>
           </a:ln>
           <a:effectLst/>
         </p:spPr>
@@ -13788,53 +12891,91 @@
           </a:fontRef>
         </p:style>
         <p:txBody>
-          <a:bodyPr rtlCol="0" anchor="ctr"/>
+          <a:bodyPr rtlCol="0" anchor="t"/>
           <a:lstStyle/>
           <a:p>
             <a:pPr algn="ctr"/>
             <a:r>
-              <a:rPr lang="en-US" sz="2000" dirty="0" smtClean="0">
+              <a:rPr lang="en-US" dirty="0" smtClean="0">
                 <a:solidFill>
-                  <a:schemeClr val="tx1"/>
+                  <a:schemeClr val="bg1"/>
                 </a:solidFill>
-                <a:latin typeface="Alegreya" charset="0"/>
-                <a:ea typeface="Alegreya" charset="0"/>
-                <a:cs typeface="Alegreya" charset="0"/>
+                <a:latin typeface="Josefin Sans" charset="0"/>
+                <a:ea typeface="Josefin Sans" charset="0"/>
+                <a:cs typeface="Josefin Sans" charset="0"/>
               </a:rPr>
-              <a:t>Noise Handling</a:t>
-            </a:r>
-            <a:endParaRPr lang="en-US" sz="2000" dirty="0">
+              <a:t>Solver</a:t>
+            </a:r>
+            <a:endParaRPr lang="en-US" dirty="0">
               <a:solidFill>
-                <a:schemeClr val="tx1"/>
+                <a:schemeClr val="bg1"/>
               </a:solidFill>
-              <a:latin typeface="Alegreya" charset="0"/>
-              <a:ea typeface="Alegreya" charset="0"/>
-              <a:cs typeface="Alegreya" charset="0"/>
+              <a:latin typeface="Josefin Sans" charset="0"/>
+              <a:ea typeface="Josefin Sans" charset="0"/>
+              <a:cs typeface="Josefin Sans" charset="0"/>
             </a:endParaRPr>
           </a:p>
         </p:txBody>
       </p:sp>
-      <p:sp>
-        <p:nvSpPr>
-          <p:cNvPr id="65" name="Rectangle 64"/>
-          <p:cNvSpPr/>
-          <p:nvPr/>
-        </p:nvSpPr>
-        <p:spPr>
-          <a:xfrm>
-            <a:off x="3296169" y="4300590"/>
-            <a:ext cx="1926466" cy="650722"/>
-          </a:xfrm>
-          <a:prstGeom prst="rect">
-            <a:avLst/>
-          </a:prstGeom>
-          <a:noFill/>
-          <a:ln w="28575">
+      <p:cxnSp>
+        <p:nvCxnSpPr>
+          <p:cNvPr id="91" name="Straight Arrow Connector 90"/>
+          <p:cNvCxnSpPr/>
+          <p:nvPr/>
+        </p:nvCxnSpPr>
+        <p:spPr>
+          <a:xfrm>
+            <a:off x="7129950" y="4115115"/>
+            <a:ext cx="2090" cy="311539"/>
+          </a:xfrm>
+          <a:prstGeom prst="straightConnector1">
+            <a:avLst/>
+          </a:prstGeom>
+          <a:ln w="38100">
             <a:solidFill>
               <a:schemeClr val="bg1">
                 <a:lumMod val="50000"/>
               </a:schemeClr>
             </a:solidFill>
+            <a:headEnd type="triangle" w="med" len="med"/>
+            <a:tailEnd type="none" w="med" len="med"/>
+          </a:ln>
+          <a:effectLst/>
+        </p:spPr>
+        <p:style>
+          <a:lnRef idx="2">
+            <a:schemeClr val="accent1"/>
+          </a:lnRef>
+          <a:fillRef idx="0">
+            <a:schemeClr val="accent1"/>
+          </a:fillRef>
+          <a:effectRef idx="1">
+            <a:schemeClr val="accent1"/>
+          </a:effectRef>
+          <a:fontRef idx="minor">
+            <a:schemeClr val="tx1"/>
+          </a:fontRef>
+        </p:style>
+      </p:cxnSp>
+      <p:sp>
+        <p:nvSpPr>
+          <p:cNvPr id="20" name="Rectangle 19"/>
+          <p:cNvSpPr/>
+          <p:nvPr/>
+        </p:nvSpPr>
+        <p:spPr>
+          <a:xfrm>
+            <a:off x="5263979" y="4350953"/>
+            <a:ext cx="2834091" cy="1105794"/>
+          </a:xfrm>
+          <a:prstGeom prst="rect">
+            <a:avLst/>
+          </a:prstGeom>
+          <a:solidFill>
+            <a:srgbClr val="0070C0"/>
+          </a:solidFill>
+          <a:ln w="38100">
+            <a:noFill/>
           </a:ln>
           <a:effectLst/>
         </p:spPr>
@@ -13853,59 +12994,337 @@
           </a:fontRef>
         </p:style>
         <p:txBody>
-          <a:bodyPr rtlCol="0" anchor="ctr"/>
+          <a:bodyPr rtlCol="0" anchor="t"/>
           <a:lstStyle/>
           <a:p>
             <a:pPr algn="ctr"/>
             <a:r>
-              <a:rPr lang="en-US" sz="2000" dirty="0" smtClean="0">
+              <a:rPr lang="en-US" dirty="0" smtClean="0">
                 <a:solidFill>
-                  <a:schemeClr val="tx1"/>
+                  <a:schemeClr val="bg1"/>
                 </a:solidFill>
-                <a:latin typeface="Alegreya" charset="0"/>
-                <a:ea typeface="Alegreya" charset="0"/>
-                <a:cs typeface="Alegreya" charset="0"/>
+                <a:latin typeface="Josefin Sans" charset="0"/>
+                <a:ea typeface="Josefin Sans" charset="0"/>
+                <a:cs typeface="Josefin Sans" charset="0"/>
               </a:rPr>
-              <a:t>MILP Encoding</a:t>
-            </a:r>
-            <a:endParaRPr lang="en-US" sz="2000" dirty="0">
+              <a:t>Optimizer</a:t>
+            </a:r>
+            <a:endParaRPr lang="en-US" dirty="0">
               <a:solidFill>
-                <a:schemeClr val="tx1"/>
+                <a:schemeClr val="bg1"/>
               </a:solidFill>
-              <a:latin typeface="Alegreya" charset="0"/>
-              <a:ea typeface="Alegreya" charset="0"/>
-              <a:cs typeface="Alegreya" charset="0"/>
+              <a:latin typeface="Josefin Sans" charset="0"/>
+              <a:ea typeface="Josefin Sans" charset="0"/>
+              <a:cs typeface="Josefin Sans" charset="0"/>
             </a:endParaRPr>
           </a:p>
         </p:txBody>
       </p:sp>
       <p:sp>
         <p:nvSpPr>
-          <p:cNvPr id="52" name="Down Arrow 51"/>
-          <p:cNvSpPr/>
-          <p:nvPr/>
-        </p:nvSpPr>
-        <p:spPr>
-          <a:xfrm>
-            <a:off x="4093801" y="2417342"/>
-            <a:ext cx="331202" cy="789703"/>
-          </a:xfrm>
-          <a:prstGeom prst="downArrow">
-            <a:avLst>
-              <a:gd name="adj1" fmla="val 63385"/>
-              <a:gd name="adj2" fmla="val 50000"/>
-            </a:avLst>
+          <p:cNvPr id="42" name="TextBox 41"/>
+          <p:cNvSpPr txBox="1"/>
+          <p:nvPr/>
+        </p:nvSpPr>
+        <p:spPr>
+          <a:xfrm>
+            <a:off x="5395787" y="4719807"/>
+            <a:ext cx="1256367" cy="584775"/>
+          </a:xfrm>
+          <a:prstGeom prst="rect">
+            <a:avLst/>
           </a:prstGeom>
           <a:solidFill>
             <a:schemeClr val="bg1"/>
           </a:solidFill>
           <a:ln w="28575">
+            <a:noFill/>
+          </a:ln>
+          <a:effectLst/>
+        </p:spPr>
+        <p:txBody>
+          <a:bodyPr wrap="square" rtlCol="0">
+            <a:spAutoFit/>
+          </a:bodyPr>
+          <a:lstStyle/>
+          <a:p>
+            <a:pPr algn="ctr"/>
+            <a:r>
+              <a:rPr lang="en-US" sz="1600" smtClean="0">
+                <a:latin typeface="Josefin Sans" charset="0"/>
+                <a:ea typeface="Josefin Sans" charset="0"/>
+                <a:cs typeface="Josefin Sans" charset="0"/>
+              </a:rPr>
+              <a:t>Slicing Optimization</a:t>
+            </a:r>
+            <a:endParaRPr lang="en-US" sz="1600" dirty="0" smtClean="0">
+              <a:latin typeface="Josefin Sans" charset="0"/>
+              <a:ea typeface="Josefin Sans" charset="0"/>
+              <a:cs typeface="Josefin Sans" charset="0"/>
+            </a:endParaRPr>
+          </a:p>
+        </p:txBody>
+      </p:sp>
+      <p:sp>
+        <p:nvSpPr>
+          <p:cNvPr id="43" name="TextBox 42"/>
+          <p:cNvSpPr txBox="1"/>
+          <p:nvPr/>
+        </p:nvSpPr>
+        <p:spPr>
+          <a:xfrm>
+            <a:off x="6719388" y="4719807"/>
+            <a:ext cx="1260322" cy="584775"/>
+          </a:xfrm>
+          <a:prstGeom prst="rect">
+            <a:avLst/>
+          </a:prstGeom>
+          <a:solidFill>
+            <a:schemeClr val="bg1"/>
+          </a:solidFill>
+          <a:ln w="28575">
+            <a:noFill/>
+          </a:ln>
+          <a:effectLst/>
+        </p:spPr>
+        <p:txBody>
+          <a:bodyPr wrap="square" rtlCol="0">
+            <a:spAutoFit/>
+          </a:bodyPr>
+          <a:lstStyle/>
+          <a:p>
+            <a:pPr algn="ctr"/>
+            <a:r>
+              <a:rPr lang="en-US" sz="1600" dirty="0" smtClean="0">
+                <a:latin typeface="Josefin Sans" charset="0"/>
+                <a:ea typeface="Josefin Sans" charset="0"/>
+                <a:cs typeface="Josefin Sans" charset="0"/>
+              </a:rPr>
+              <a:t>Incremental Repair</a:t>
+            </a:r>
+          </a:p>
+        </p:txBody>
+      </p:sp>
+      <p:cxnSp>
+        <p:nvCxnSpPr>
+          <p:cNvPr id="44" name="Straight Connector 43"/>
+          <p:cNvCxnSpPr/>
+          <p:nvPr/>
+        </p:nvCxnSpPr>
+        <p:spPr>
+          <a:xfrm flipH="1">
+            <a:off x="1688758" y="3515790"/>
+            <a:ext cx="6689123" cy="3573"/>
+          </a:xfrm>
+          <a:prstGeom prst="line">
+            <a:avLst/>
+          </a:prstGeom>
+          <a:ln>
             <a:solidFill>
               <a:schemeClr val="bg1">
                 <a:lumMod val="50000"/>
               </a:schemeClr>
             </a:solidFill>
-            <a:prstDash val="solid"/>
+            <a:prstDash val="sysDot"/>
+            <a:headEnd type="none" w="med" len="med"/>
+            <a:tailEnd type="none" w="med" len="med"/>
+          </a:ln>
+          <a:effectLst/>
+        </p:spPr>
+        <p:style>
+          <a:lnRef idx="2">
+            <a:schemeClr val="accent1"/>
+          </a:lnRef>
+          <a:fillRef idx="0">
+            <a:schemeClr val="accent1"/>
+          </a:fillRef>
+          <a:effectRef idx="1">
+            <a:schemeClr val="accent1"/>
+          </a:effectRef>
+          <a:fontRef idx="minor">
+            <a:schemeClr val="tx1"/>
+          </a:fontRef>
+        </p:style>
+      </p:cxnSp>
+      <p:cxnSp>
+        <p:nvCxnSpPr>
+          <p:cNvPr id="102" name="Straight Arrow Connector 101"/>
+          <p:cNvCxnSpPr/>
+          <p:nvPr/>
+        </p:nvCxnSpPr>
+        <p:spPr>
+          <a:xfrm flipH="1">
+            <a:off x="7126250" y="3022990"/>
+            <a:ext cx="3700" cy="681418"/>
+          </a:xfrm>
+          <a:prstGeom prst="straightConnector1">
+            <a:avLst/>
+          </a:prstGeom>
+          <a:ln w="38100">
+            <a:solidFill>
+              <a:schemeClr val="bg1">
+                <a:lumMod val="50000"/>
+              </a:schemeClr>
+            </a:solidFill>
+            <a:headEnd type="triangle" w="med" len="med"/>
+            <a:tailEnd type="none" w="med" len="med"/>
+          </a:ln>
+          <a:effectLst/>
+        </p:spPr>
+        <p:style>
+          <a:lnRef idx="2">
+            <a:schemeClr val="accent1"/>
+          </a:lnRef>
+          <a:fillRef idx="0">
+            <a:schemeClr val="accent1"/>
+          </a:fillRef>
+          <a:effectRef idx="1">
+            <a:schemeClr val="accent1"/>
+          </a:effectRef>
+          <a:fontRef idx="minor">
+            <a:schemeClr val="tx1"/>
+          </a:fontRef>
+        </p:style>
+      </p:cxnSp>
+      <p:cxnSp>
+        <p:nvCxnSpPr>
+          <p:cNvPr id="104" name="Straight Arrow Connector 103"/>
+          <p:cNvCxnSpPr/>
+          <p:nvPr/>
+        </p:nvCxnSpPr>
+        <p:spPr>
+          <a:xfrm flipH="1">
+            <a:off x="4749638" y="3022990"/>
+            <a:ext cx="3700" cy="681418"/>
+          </a:xfrm>
+          <a:prstGeom prst="straightConnector1">
+            <a:avLst/>
+          </a:prstGeom>
+          <a:ln w="38100">
+            <a:solidFill>
+              <a:schemeClr val="bg1">
+                <a:lumMod val="50000"/>
+              </a:schemeClr>
+            </a:solidFill>
+            <a:headEnd type="none" w="med" len="med"/>
+            <a:tailEnd type="triangle" w="med" len="med"/>
+          </a:ln>
+          <a:effectLst/>
+        </p:spPr>
+        <p:style>
+          <a:lnRef idx="2">
+            <a:schemeClr val="accent1"/>
+          </a:lnRef>
+          <a:fillRef idx="0">
+            <a:schemeClr val="accent1"/>
+          </a:fillRef>
+          <a:effectRef idx="1">
+            <a:schemeClr val="accent1"/>
+          </a:effectRef>
+          <a:fontRef idx="minor">
+            <a:schemeClr val="tx1"/>
+          </a:fontRef>
+        </p:style>
+      </p:cxnSp>
+      <p:cxnSp>
+        <p:nvCxnSpPr>
+          <p:cNvPr id="105" name="Straight Arrow Connector 104"/>
+          <p:cNvCxnSpPr/>
+          <p:nvPr/>
+        </p:nvCxnSpPr>
+        <p:spPr>
+          <a:xfrm flipH="1">
+            <a:off x="3587382" y="3022990"/>
+            <a:ext cx="3700" cy="681418"/>
+          </a:xfrm>
+          <a:prstGeom prst="straightConnector1">
+            <a:avLst/>
+          </a:prstGeom>
+          <a:ln w="38100">
+            <a:solidFill>
+              <a:schemeClr val="bg1">
+                <a:lumMod val="50000"/>
+              </a:schemeClr>
+            </a:solidFill>
+            <a:headEnd type="none" w="med" len="med"/>
+            <a:tailEnd type="triangle" w="med" len="med"/>
+          </a:ln>
+          <a:effectLst/>
+        </p:spPr>
+        <p:style>
+          <a:lnRef idx="2">
+            <a:schemeClr val="accent1"/>
+          </a:lnRef>
+          <a:fillRef idx="0">
+            <a:schemeClr val="accent1"/>
+          </a:fillRef>
+          <a:effectRef idx="1">
+            <a:schemeClr val="accent1"/>
+          </a:effectRef>
+          <a:fontRef idx="minor">
+            <a:schemeClr val="tx1"/>
+          </a:fontRef>
+        </p:style>
+      </p:cxnSp>
+      <p:sp>
+        <p:nvSpPr>
+          <p:cNvPr id="106" name="TextBox 105"/>
+          <p:cNvSpPr txBox="1"/>
+          <p:nvPr/>
+        </p:nvSpPr>
+        <p:spPr>
+          <a:xfrm>
+            <a:off x="1652247" y="3629174"/>
+            <a:ext cx="1010213" cy="584775"/>
+          </a:xfrm>
+          <a:prstGeom prst="rect">
+            <a:avLst/>
+          </a:prstGeom>
+          <a:noFill/>
+        </p:spPr>
+        <p:txBody>
+          <a:bodyPr wrap="none" rtlCol="0">
+            <a:spAutoFit/>
+          </a:bodyPr>
+          <a:lstStyle/>
+          <a:p>
+            <a:r>
+              <a:rPr lang="en-US" sz="3200" dirty="0" err="1" smtClean="0">
+                <a:latin typeface="Gill Sans"/>
+                <a:cs typeface="Gill Sans"/>
+              </a:rPr>
+              <a:t>QFix</a:t>
+            </a:r>
+            <a:endParaRPr lang="en-US" sz="3200" dirty="0" smtClean="0">
+              <a:latin typeface="Gill Sans"/>
+              <a:cs typeface="Gill Sans"/>
+            </a:endParaRPr>
+          </a:p>
+        </p:txBody>
+      </p:sp>
+      <p:sp>
+        <p:nvSpPr>
+          <p:cNvPr id="87" name="Rectangle 86"/>
+          <p:cNvSpPr/>
+          <p:nvPr/>
+        </p:nvSpPr>
+        <p:spPr>
+          <a:xfrm>
+            <a:off x="2618682" y="2399417"/>
+            <a:ext cx="1827727" cy="922787"/>
+          </a:xfrm>
+          <a:prstGeom prst="rect">
+            <a:avLst/>
+          </a:prstGeom>
+          <a:solidFill>
+            <a:schemeClr val="bg1"/>
+          </a:solidFill>
+          <a:ln w="28575">
+            <a:solidFill>
+              <a:schemeClr val="bg1">
+                <a:lumMod val="50000"/>
+              </a:schemeClr>
+            </a:solidFill>
           </a:ln>
           <a:effectLst/>
         </p:spPr>
@@ -13924,53 +13343,819 @@
           </a:fontRef>
         </p:style>
         <p:txBody>
+          <a:bodyPr rtlCol="0" anchor="t"/>
+          <a:lstStyle/>
+          <a:p>
+            <a:pPr algn="ctr"/>
+            <a:r>
+              <a:rPr lang="en-US" dirty="0" smtClean="0">
+                <a:solidFill>
+                  <a:schemeClr val="tx1">
+                    <a:lumMod val="75000"/>
+                    <a:lumOff val="25000"/>
+                  </a:schemeClr>
+                </a:solidFill>
+                <a:latin typeface="Josefin Sans" charset="0"/>
+                <a:ea typeface="Josefin Sans" charset="0"/>
+                <a:cs typeface="Josefin Sans" charset="0"/>
+              </a:rPr>
+              <a:t>Database</a:t>
+            </a:r>
+            <a:endParaRPr lang="en-US" dirty="0">
+              <a:solidFill>
+                <a:schemeClr val="tx1">
+                  <a:lumMod val="75000"/>
+                  <a:lumOff val="25000"/>
+                </a:schemeClr>
+              </a:solidFill>
+              <a:latin typeface="Josefin Sans" charset="0"/>
+              <a:ea typeface="Josefin Sans" charset="0"/>
+              <a:cs typeface="Josefin Sans" charset="0"/>
+            </a:endParaRPr>
+          </a:p>
+        </p:txBody>
+      </p:sp>
+      <p:sp>
+        <p:nvSpPr>
+          <p:cNvPr id="55" name="Oval 54"/>
+          <p:cNvSpPr/>
+          <p:nvPr/>
+        </p:nvSpPr>
+        <p:spPr>
+          <a:xfrm>
+            <a:off x="2727007" y="2110721"/>
+            <a:ext cx="178885" cy="178885"/>
+          </a:xfrm>
+          <a:prstGeom prst="ellipse">
+            <a:avLst/>
+          </a:prstGeom>
+          <a:solidFill>
+            <a:srgbClr val="595959"/>
+          </a:solidFill>
+          <a:ln>
+            <a:solidFill>
+              <a:srgbClr val="595959"/>
+            </a:solidFill>
+          </a:ln>
+          <a:effectLst/>
+        </p:spPr>
+        <p:style>
+          <a:lnRef idx="1">
+            <a:schemeClr val="accent1"/>
+          </a:lnRef>
+          <a:fillRef idx="3">
+            <a:schemeClr val="accent1"/>
+          </a:fillRef>
+          <a:effectRef idx="2">
+            <a:schemeClr val="accent1"/>
+          </a:effectRef>
+          <a:fontRef idx="minor">
+            <a:schemeClr val="lt1"/>
+          </a:fontRef>
+        </p:style>
+        <p:txBody>
           <a:bodyPr rtlCol="0" anchor="ctr"/>
           <a:lstStyle/>
           <a:p>
             <a:pPr algn="ctr"/>
-            <a:endParaRPr lang="en-US" sz="2000">
-              <a:latin typeface="Alegreya" charset="0"/>
-              <a:ea typeface="Alegreya" charset="0"/>
-              <a:cs typeface="Alegreya" charset="0"/>
+            <a:endParaRPr lang="en-US">
+              <a:latin typeface="Josefin Sans" charset="0"/>
+              <a:ea typeface="Josefin Sans" charset="0"/>
+              <a:cs typeface="Josefin Sans" charset="0"/>
+            </a:endParaRPr>
+          </a:p>
+        </p:txBody>
+      </p:sp>
+      <p:sp>
+        <p:nvSpPr>
+          <p:cNvPr id="46" name="TextBox 45"/>
+          <p:cNvSpPr txBox="1"/>
+          <p:nvPr/>
+        </p:nvSpPr>
+        <p:spPr>
+          <a:xfrm>
+            <a:off x="2875578" y="2015497"/>
+            <a:ext cx="604653" cy="369332"/>
+          </a:xfrm>
+          <a:prstGeom prst="rect">
+            <a:avLst/>
+          </a:prstGeom>
+          <a:noFill/>
+          <a:effectLst/>
+        </p:spPr>
+        <p:txBody>
+          <a:bodyPr wrap="none" rtlCol="0">
+            <a:spAutoFit/>
+          </a:bodyPr>
+          <a:lstStyle/>
+          <a:p>
+            <a:r>
+              <a:rPr lang="en-US" dirty="0" smtClean="0">
+                <a:solidFill>
+                  <a:schemeClr val="bg1">
+                    <a:lumMod val="50000"/>
+                  </a:schemeClr>
+                </a:solidFill>
+                <a:latin typeface="Josefin Sans" charset="0"/>
+                <a:ea typeface="Josefin Sans" charset="0"/>
+                <a:cs typeface="Josefin Sans" charset="0"/>
+              </a:rPr>
+              <a:t>error</a:t>
+            </a:r>
+            <a:endParaRPr lang="en-US" dirty="0" smtClean="0">
+              <a:solidFill>
+                <a:schemeClr val="bg1">
+                  <a:lumMod val="50000"/>
+                </a:schemeClr>
+              </a:solidFill>
+              <a:latin typeface="Josefin Sans" charset="0"/>
+              <a:ea typeface="Josefin Sans" charset="0"/>
+              <a:cs typeface="Josefin Sans" charset="0"/>
+            </a:endParaRPr>
+          </a:p>
+        </p:txBody>
+      </p:sp>
+      <p:sp>
+        <p:nvSpPr>
+          <p:cNvPr id="56" name="Oval 55"/>
+          <p:cNvSpPr/>
+          <p:nvPr/>
+        </p:nvSpPr>
+        <p:spPr>
+          <a:xfrm>
+            <a:off x="3598432" y="2110721"/>
+            <a:ext cx="178885" cy="178885"/>
+          </a:xfrm>
+          <a:prstGeom prst="ellipse">
+            <a:avLst/>
+          </a:prstGeom>
+          <a:solidFill>
+            <a:srgbClr val="FFFFFF"/>
+          </a:solidFill>
+          <a:ln>
+            <a:solidFill>
+              <a:srgbClr val="595959"/>
+            </a:solidFill>
+          </a:ln>
+          <a:effectLst/>
+        </p:spPr>
+        <p:style>
+          <a:lnRef idx="1">
+            <a:schemeClr val="accent1"/>
+          </a:lnRef>
+          <a:fillRef idx="3">
+            <a:schemeClr val="accent1"/>
+          </a:fillRef>
+          <a:effectRef idx="2">
+            <a:schemeClr val="accent1"/>
+          </a:effectRef>
+          <a:fontRef idx="minor">
+            <a:schemeClr val="lt1"/>
+          </a:fontRef>
+        </p:style>
+        <p:txBody>
+          <a:bodyPr rtlCol="0" anchor="ctr"/>
+          <a:lstStyle/>
+          <a:p>
+            <a:pPr algn="ctr"/>
+            <a:endParaRPr lang="en-US">
+              <a:latin typeface="Josefin Sans" charset="0"/>
+              <a:ea typeface="Josefin Sans" charset="0"/>
+              <a:cs typeface="Josefin Sans" charset="0"/>
+            </a:endParaRPr>
+          </a:p>
+        </p:txBody>
+      </p:sp>
+      <p:sp>
+        <p:nvSpPr>
+          <p:cNvPr id="51" name="TextBox 50"/>
+          <p:cNvSpPr txBox="1"/>
+          <p:nvPr/>
+        </p:nvSpPr>
+        <p:spPr>
+          <a:xfrm>
+            <a:off x="3747003" y="2015497"/>
+            <a:ext cx="633507" cy="369332"/>
+          </a:xfrm>
+          <a:prstGeom prst="rect">
+            <a:avLst/>
+          </a:prstGeom>
+          <a:noFill/>
+          <a:effectLst/>
+        </p:spPr>
+        <p:txBody>
+          <a:bodyPr wrap="none" rtlCol="0">
+            <a:spAutoFit/>
+          </a:bodyPr>
+          <a:lstStyle/>
+          <a:p>
+            <a:r>
+              <a:rPr lang="en-US" dirty="0" smtClean="0">
+                <a:solidFill>
+                  <a:schemeClr val="bg1">
+                    <a:lumMod val="50000"/>
+                  </a:schemeClr>
+                </a:solidFill>
+                <a:latin typeface="Josefin Sans" charset="0"/>
+                <a:ea typeface="Josefin Sans" charset="0"/>
+                <a:cs typeface="Josefin Sans" charset="0"/>
+              </a:rPr>
+              <a:t>tuple</a:t>
+            </a:r>
+          </a:p>
+        </p:txBody>
+      </p:sp>
+      <p:sp>
+        <p:nvSpPr>
+          <p:cNvPr id="29" name="TextBox 28"/>
+          <p:cNvSpPr txBox="1"/>
+          <p:nvPr/>
+        </p:nvSpPr>
+        <p:spPr>
+          <a:xfrm>
+            <a:off x="1640896" y="2015497"/>
+            <a:ext cx="664156" cy="369332"/>
+          </a:xfrm>
+          <a:prstGeom prst="rect">
+            <a:avLst/>
+          </a:prstGeom>
+          <a:noFill/>
+          <a:effectLst/>
+        </p:spPr>
+        <p:txBody>
+          <a:bodyPr wrap="none" rtlCol="0">
+            <a:spAutoFit/>
+          </a:bodyPr>
+          <a:lstStyle/>
+          <a:p>
+            <a:r>
+              <a:rPr lang="en-US" dirty="0" smtClean="0">
+                <a:latin typeface="Josefin Sans" charset="0"/>
+                <a:ea typeface="Josefin Sans" charset="0"/>
+                <a:cs typeface="Josefin Sans" charset="0"/>
+              </a:rPr>
+              <a:t>Users</a:t>
+            </a:r>
+          </a:p>
+        </p:txBody>
+      </p:sp>
+      <p:sp>
+        <p:nvSpPr>
+          <p:cNvPr id="61" name="Oval 60"/>
+          <p:cNvSpPr/>
+          <p:nvPr/>
+        </p:nvSpPr>
+        <p:spPr>
+          <a:xfrm>
+            <a:off x="3768053" y="2805567"/>
+            <a:ext cx="178885" cy="178885"/>
+          </a:xfrm>
+          <a:prstGeom prst="ellipse">
+            <a:avLst/>
+          </a:prstGeom>
+          <a:solidFill>
+            <a:srgbClr val="FFFFFF"/>
+          </a:solidFill>
+          <a:ln w="12700">
+            <a:solidFill>
+              <a:schemeClr val="bg1">
+                <a:lumMod val="50000"/>
+              </a:schemeClr>
+            </a:solidFill>
+          </a:ln>
+          <a:effectLst/>
+        </p:spPr>
+        <p:style>
+          <a:lnRef idx="1">
+            <a:schemeClr val="accent1"/>
+          </a:lnRef>
+          <a:fillRef idx="3">
+            <a:schemeClr val="accent1"/>
+          </a:fillRef>
+          <a:effectRef idx="2">
+            <a:schemeClr val="accent1"/>
+          </a:effectRef>
+          <a:fontRef idx="minor">
+            <a:schemeClr val="lt1"/>
+          </a:fontRef>
+        </p:style>
+        <p:txBody>
+          <a:bodyPr rtlCol="0" anchor="ctr"/>
+          <a:lstStyle/>
+          <a:p>
+            <a:pPr algn="ctr"/>
+            <a:endParaRPr lang="en-US">
+              <a:latin typeface="Josefin Sans" charset="0"/>
+              <a:ea typeface="Josefin Sans" charset="0"/>
+              <a:cs typeface="Josefin Sans" charset="0"/>
+            </a:endParaRPr>
+          </a:p>
+        </p:txBody>
+      </p:sp>
+      <p:sp>
+        <p:nvSpPr>
+          <p:cNvPr id="62" name="Oval 61"/>
+          <p:cNvSpPr/>
+          <p:nvPr/>
+        </p:nvSpPr>
+        <p:spPr>
+          <a:xfrm>
+            <a:off x="4094775" y="2805567"/>
+            <a:ext cx="178885" cy="178885"/>
+          </a:xfrm>
+          <a:prstGeom prst="ellipse">
+            <a:avLst/>
+          </a:prstGeom>
+          <a:solidFill>
+            <a:srgbClr val="FFFFFF"/>
+          </a:solidFill>
+          <a:ln w="12700">
+            <a:solidFill>
+              <a:schemeClr val="bg1">
+                <a:lumMod val="50000"/>
+              </a:schemeClr>
+            </a:solidFill>
+          </a:ln>
+          <a:effectLst/>
+        </p:spPr>
+        <p:style>
+          <a:lnRef idx="1">
+            <a:schemeClr val="accent1"/>
+          </a:lnRef>
+          <a:fillRef idx="3">
+            <a:schemeClr val="accent1"/>
+          </a:fillRef>
+          <a:effectRef idx="2">
+            <a:schemeClr val="accent1"/>
+          </a:effectRef>
+          <a:fontRef idx="minor">
+            <a:schemeClr val="lt1"/>
+          </a:fontRef>
+        </p:style>
+        <p:txBody>
+          <a:bodyPr rtlCol="0" anchor="ctr"/>
+          <a:lstStyle/>
+          <a:p>
+            <a:pPr algn="ctr"/>
+            <a:endParaRPr lang="en-US">
+              <a:latin typeface="Josefin Sans" charset="0"/>
+              <a:ea typeface="Josefin Sans" charset="0"/>
+              <a:cs typeface="Josefin Sans" charset="0"/>
+            </a:endParaRPr>
+          </a:p>
+        </p:txBody>
+      </p:sp>
+      <p:sp>
+        <p:nvSpPr>
+          <p:cNvPr id="63" name="Oval 62"/>
+          <p:cNvSpPr/>
+          <p:nvPr/>
+        </p:nvSpPr>
+        <p:spPr>
+          <a:xfrm>
+            <a:off x="3768053" y="3058876"/>
+            <a:ext cx="178885" cy="178885"/>
+          </a:xfrm>
+          <a:prstGeom prst="ellipse">
+            <a:avLst/>
+          </a:prstGeom>
+          <a:solidFill>
+            <a:schemeClr val="tx1">
+              <a:lumMod val="65000"/>
+              <a:lumOff val="35000"/>
+            </a:schemeClr>
+          </a:solidFill>
+          <a:ln w="12700">
+            <a:noFill/>
+          </a:ln>
+          <a:effectLst/>
+        </p:spPr>
+        <p:style>
+          <a:lnRef idx="1">
+            <a:schemeClr val="accent1"/>
+          </a:lnRef>
+          <a:fillRef idx="3">
+            <a:schemeClr val="accent1"/>
+          </a:fillRef>
+          <a:effectRef idx="2">
+            <a:schemeClr val="accent1"/>
+          </a:effectRef>
+          <a:fontRef idx="minor">
+            <a:schemeClr val="lt1"/>
+          </a:fontRef>
+        </p:style>
+        <p:txBody>
+          <a:bodyPr rtlCol="0" anchor="ctr"/>
+          <a:lstStyle/>
+          <a:p>
+            <a:pPr algn="ctr"/>
+            <a:endParaRPr lang="en-US">
+              <a:latin typeface="Josefin Sans" charset="0"/>
+              <a:ea typeface="Josefin Sans" charset="0"/>
+              <a:cs typeface="Josefin Sans" charset="0"/>
+            </a:endParaRPr>
+          </a:p>
+        </p:txBody>
+      </p:sp>
+      <p:sp>
+        <p:nvSpPr>
+          <p:cNvPr id="66" name="Oval 65"/>
+          <p:cNvSpPr/>
+          <p:nvPr/>
+        </p:nvSpPr>
+        <p:spPr>
+          <a:xfrm>
+            <a:off x="4094775" y="3058876"/>
+            <a:ext cx="178885" cy="178885"/>
+          </a:xfrm>
+          <a:prstGeom prst="ellipse">
+            <a:avLst/>
+          </a:prstGeom>
+          <a:solidFill>
+            <a:srgbClr val="595959"/>
+          </a:solidFill>
+          <a:ln w="12700">
+            <a:noFill/>
+          </a:ln>
+          <a:effectLst/>
+        </p:spPr>
+        <p:style>
+          <a:lnRef idx="1">
+            <a:schemeClr val="accent1"/>
+          </a:lnRef>
+          <a:fillRef idx="3">
+            <a:schemeClr val="accent1"/>
+          </a:fillRef>
+          <a:effectRef idx="2">
+            <a:schemeClr val="accent1"/>
+          </a:effectRef>
+          <a:fontRef idx="minor">
+            <a:schemeClr val="lt1"/>
+          </a:fontRef>
+        </p:style>
+        <p:txBody>
+          <a:bodyPr rtlCol="0" anchor="ctr"/>
+          <a:lstStyle/>
+          <a:p>
+            <a:pPr algn="ctr"/>
+            <a:endParaRPr lang="en-US">
+              <a:latin typeface="Josefin Sans" charset="0"/>
+              <a:ea typeface="Josefin Sans" charset="0"/>
+              <a:cs typeface="Josefin Sans" charset="0"/>
+            </a:endParaRPr>
+          </a:p>
+        </p:txBody>
+      </p:sp>
+      <p:sp>
+        <p:nvSpPr>
+          <p:cNvPr id="71" name="Oval 70"/>
+          <p:cNvSpPr/>
+          <p:nvPr/>
+        </p:nvSpPr>
+        <p:spPr>
+          <a:xfrm>
+            <a:off x="2791431" y="2807013"/>
+            <a:ext cx="178885" cy="178885"/>
+          </a:xfrm>
+          <a:prstGeom prst="ellipse">
+            <a:avLst/>
+          </a:prstGeom>
+          <a:solidFill>
+            <a:srgbClr val="FFFFFF"/>
+          </a:solidFill>
+          <a:ln w="12700">
+            <a:solidFill>
+              <a:schemeClr val="bg1">
+                <a:lumMod val="50000"/>
+              </a:schemeClr>
+            </a:solidFill>
+          </a:ln>
+          <a:effectLst/>
+        </p:spPr>
+        <p:style>
+          <a:lnRef idx="1">
+            <a:schemeClr val="accent1"/>
+          </a:lnRef>
+          <a:fillRef idx="3">
+            <a:schemeClr val="accent1"/>
+          </a:fillRef>
+          <a:effectRef idx="2">
+            <a:schemeClr val="accent1"/>
+          </a:effectRef>
+          <a:fontRef idx="minor">
+            <a:schemeClr val="lt1"/>
+          </a:fontRef>
+        </p:style>
+        <p:txBody>
+          <a:bodyPr rtlCol="0" anchor="ctr"/>
+          <a:lstStyle/>
+          <a:p>
+            <a:pPr algn="ctr"/>
+            <a:endParaRPr lang="en-US">
+              <a:latin typeface="Josefin Sans" charset="0"/>
+              <a:ea typeface="Josefin Sans" charset="0"/>
+              <a:cs typeface="Josefin Sans" charset="0"/>
+            </a:endParaRPr>
+          </a:p>
+        </p:txBody>
+      </p:sp>
+      <p:sp>
+        <p:nvSpPr>
+          <p:cNvPr id="72" name="Oval 71"/>
+          <p:cNvSpPr/>
+          <p:nvPr/>
+        </p:nvSpPr>
+        <p:spPr>
+          <a:xfrm>
+            <a:off x="3118153" y="2807013"/>
+            <a:ext cx="178885" cy="178885"/>
+          </a:xfrm>
+          <a:prstGeom prst="ellipse">
+            <a:avLst/>
+          </a:prstGeom>
+          <a:solidFill>
+            <a:srgbClr val="FFFFFF"/>
+          </a:solidFill>
+          <a:ln w="12700">
+            <a:solidFill>
+              <a:schemeClr val="bg1">
+                <a:lumMod val="50000"/>
+              </a:schemeClr>
+            </a:solidFill>
+          </a:ln>
+          <a:effectLst/>
+        </p:spPr>
+        <p:style>
+          <a:lnRef idx="1">
+            <a:schemeClr val="accent1"/>
+          </a:lnRef>
+          <a:fillRef idx="3">
+            <a:schemeClr val="accent1"/>
+          </a:fillRef>
+          <a:effectRef idx="2">
+            <a:schemeClr val="accent1"/>
+          </a:effectRef>
+          <a:fontRef idx="minor">
+            <a:schemeClr val="lt1"/>
+          </a:fontRef>
+        </p:style>
+        <p:txBody>
+          <a:bodyPr rtlCol="0" anchor="ctr"/>
+          <a:lstStyle/>
+          <a:p>
+            <a:pPr algn="ctr"/>
+            <a:endParaRPr lang="en-US">
+              <a:latin typeface="Josefin Sans" charset="0"/>
+              <a:ea typeface="Josefin Sans" charset="0"/>
+              <a:cs typeface="Josefin Sans" charset="0"/>
+            </a:endParaRPr>
+          </a:p>
+        </p:txBody>
+      </p:sp>
+      <p:sp>
+        <p:nvSpPr>
+          <p:cNvPr id="73" name="Oval 72"/>
+          <p:cNvSpPr/>
+          <p:nvPr/>
+        </p:nvSpPr>
+        <p:spPr>
+          <a:xfrm>
+            <a:off x="3444875" y="2807013"/>
+            <a:ext cx="178885" cy="178885"/>
+          </a:xfrm>
+          <a:prstGeom prst="ellipse">
+            <a:avLst/>
+          </a:prstGeom>
+          <a:solidFill>
+            <a:srgbClr val="FFFFFF"/>
+          </a:solidFill>
+          <a:ln w="12700">
+            <a:solidFill>
+              <a:schemeClr val="bg1">
+                <a:lumMod val="50000"/>
+              </a:schemeClr>
+            </a:solidFill>
+          </a:ln>
+          <a:effectLst/>
+        </p:spPr>
+        <p:style>
+          <a:lnRef idx="1">
+            <a:schemeClr val="accent1"/>
+          </a:lnRef>
+          <a:fillRef idx="3">
+            <a:schemeClr val="accent1"/>
+          </a:fillRef>
+          <a:effectRef idx="2">
+            <a:schemeClr val="accent1"/>
+          </a:effectRef>
+          <a:fontRef idx="minor">
+            <a:schemeClr val="lt1"/>
+          </a:fontRef>
+        </p:style>
+        <p:txBody>
+          <a:bodyPr rtlCol="0" anchor="ctr"/>
+          <a:lstStyle/>
+          <a:p>
+            <a:pPr algn="ctr"/>
+            <a:endParaRPr lang="en-US">
+              <a:latin typeface="Josefin Sans" charset="0"/>
+              <a:ea typeface="Josefin Sans" charset="0"/>
+              <a:cs typeface="Josefin Sans" charset="0"/>
+            </a:endParaRPr>
+          </a:p>
+        </p:txBody>
+      </p:sp>
+      <p:sp>
+        <p:nvSpPr>
+          <p:cNvPr id="79" name="Oval 78"/>
+          <p:cNvSpPr/>
+          <p:nvPr/>
+        </p:nvSpPr>
+        <p:spPr>
+          <a:xfrm>
+            <a:off x="2791431" y="3055797"/>
+            <a:ext cx="178885" cy="178885"/>
+          </a:xfrm>
+          <a:prstGeom prst="ellipse">
+            <a:avLst/>
+          </a:prstGeom>
+          <a:solidFill>
+            <a:srgbClr val="FFFFFF"/>
+          </a:solidFill>
+          <a:ln w="12700">
+            <a:solidFill>
+              <a:schemeClr val="bg1">
+                <a:lumMod val="50000"/>
+              </a:schemeClr>
+            </a:solidFill>
+          </a:ln>
+          <a:effectLst/>
+        </p:spPr>
+        <p:style>
+          <a:lnRef idx="1">
+            <a:schemeClr val="accent1"/>
+          </a:lnRef>
+          <a:fillRef idx="3">
+            <a:schemeClr val="accent1"/>
+          </a:fillRef>
+          <a:effectRef idx="2">
+            <a:schemeClr val="accent1"/>
+          </a:effectRef>
+          <a:fontRef idx="minor">
+            <a:schemeClr val="lt1"/>
+          </a:fontRef>
+        </p:style>
+        <p:txBody>
+          <a:bodyPr rtlCol="0" anchor="ctr"/>
+          <a:lstStyle/>
+          <a:p>
+            <a:pPr algn="ctr"/>
+            <a:endParaRPr lang="en-US">
+              <a:latin typeface="Josefin Sans" charset="0"/>
+              <a:ea typeface="Josefin Sans" charset="0"/>
+              <a:cs typeface="Josefin Sans" charset="0"/>
+            </a:endParaRPr>
+          </a:p>
+        </p:txBody>
+      </p:sp>
+      <p:sp>
+        <p:nvSpPr>
+          <p:cNvPr id="80" name="Oval 79"/>
+          <p:cNvSpPr/>
+          <p:nvPr/>
+        </p:nvSpPr>
+        <p:spPr>
+          <a:xfrm>
+            <a:off x="3118153" y="3055797"/>
+            <a:ext cx="178885" cy="178885"/>
+          </a:xfrm>
+          <a:prstGeom prst="ellipse">
+            <a:avLst/>
+          </a:prstGeom>
+          <a:solidFill>
+            <a:srgbClr val="595959"/>
+          </a:solidFill>
+          <a:ln w="12700">
+            <a:noFill/>
+          </a:ln>
+          <a:effectLst/>
+        </p:spPr>
+        <p:style>
+          <a:lnRef idx="1">
+            <a:schemeClr val="accent1"/>
+          </a:lnRef>
+          <a:fillRef idx="3">
+            <a:schemeClr val="accent1"/>
+          </a:fillRef>
+          <a:effectRef idx="2">
+            <a:schemeClr val="accent1"/>
+          </a:effectRef>
+          <a:fontRef idx="minor">
+            <a:schemeClr val="lt1"/>
+          </a:fontRef>
+        </p:style>
+        <p:txBody>
+          <a:bodyPr rtlCol="0" anchor="ctr"/>
+          <a:lstStyle/>
+          <a:p>
+            <a:pPr algn="ctr"/>
+            <a:endParaRPr lang="en-US">
+              <a:latin typeface="Josefin Sans" charset="0"/>
+              <a:ea typeface="Josefin Sans" charset="0"/>
+              <a:cs typeface="Josefin Sans" charset="0"/>
+            </a:endParaRPr>
+          </a:p>
+        </p:txBody>
+      </p:sp>
+      <p:sp>
+        <p:nvSpPr>
+          <p:cNvPr id="81" name="Oval 80"/>
+          <p:cNvSpPr/>
+          <p:nvPr/>
+        </p:nvSpPr>
+        <p:spPr>
+          <a:xfrm>
+            <a:off x="3444875" y="3055797"/>
+            <a:ext cx="178885" cy="178885"/>
+          </a:xfrm>
+          <a:prstGeom prst="ellipse">
+            <a:avLst/>
+          </a:prstGeom>
+          <a:solidFill>
+            <a:srgbClr val="FFFFFF"/>
+          </a:solidFill>
+          <a:ln w="12700">
+            <a:solidFill>
+              <a:schemeClr val="bg1">
+                <a:lumMod val="50000"/>
+              </a:schemeClr>
+            </a:solidFill>
+          </a:ln>
+          <a:effectLst/>
+        </p:spPr>
+        <p:style>
+          <a:lnRef idx="1">
+            <a:schemeClr val="accent1"/>
+          </a:lnRef>
+          <a:fillRef idx="3">
+            <a:schemeClr val="accent1"/>
+          </a:fillRef>
+          <a:effectRef idx="2">
+            <a:schemeClr val="accent1"/>
+          </a:effectRef>
+          <a:fontRef idx="minor">
+            <a:schemeClr val="lt1"/>
+          </a:fontRef>
+        </p:style>
+        <p:txBody>
+          <a:bodyPr rtlCol="0" anchor="ctr"/>
+          <a:lstStyle/>
+          <a:p>
+            <a:pPr algn="ctr"/>
+            <a:endParaRPr lang="en-US">
+              <a:latin typeface="Josefin Sans" charset="0"/>
+              <a:ea typeface="Josefin Sans" charset="0"/>
+              <a:cs typeface="Josefin Sans" charset="0"/>
             </a:endParaRPr>
           </a:p>
         </p:txBody>
       </p:sp>
       <p:grpSp>
         <p:nvGrpSpPr>
-          <p:cNvPr id="59" name="Group 58"/>
+          <p:cNvPr id="40" name="Group 39"/>
           <p:cNvGrpSpPr/>
           <p:nvPr/>
         </p:nvGrpSpPr>
         <p:grpSpPr>
           <a:xfrm>
-            <a:off x="2543501" y="1448032"/>
-            <a:ext cx="2139217" cy="178885"/>
-            <a:chOff x="3157134" y="1063984"/>
-            <a:chExt cx="2139217" cy="178885"/>
-          </a:xfrm>
-          <a:effectLst/>
+            <a:off x="4578536" y="2361029"/>
+            <a:ext cx="1259118" cy="951684"/>
+            <a:chOff x="4224302" y="2064465"/>
+            <a:chExt cx="1259118" cy="951684"/>
+          </a:xfrm>
         </p:grpSpPr>
         <p:sp>
           <p:nvSpPr>
-            <p:cNvPr id="61" name="Oval 60"/>
+            <p:cNvPr id="5" name="Folded Corner 4"/>
             <p:cNvSpPr/>
             <p:nvPr/>
           </p:nvSpPr>
           <p:spPr>
             <a:xfrm>
-              <a:off x="3157134" y="1063984"/>
-              <a:ext cx="178885" cy="178885"/>
+              <a:off x="4224302" y="2064465"/>
+              <a:ext cx="1259118" cy="951684"/>
             </a:xfrm>
-            <a:prstGeom prst="ellipse">
+            <a:prstGeom prst="foldedCorner">
               <a:avLst/>
             </a:prstGeom>
             <a:solidFill>
-              <a:srgbClr val="FFFFFF"/>
-            </a:solidFill>
-            <a:ln>
+              <a:schemeClr val="bg1"/>
+            </a:solidFill>
+            <a:ln w="28575">
               <a:solidFill>
-                <a:srgbClr val="595959"/>
+                <a:schemeClr val="bg1">
+                  <a:lumMod val="50000"/>
+                </a:schemeClr>
               </a:solidFill>
             </a:ln>
             <a:effectLst/>
@@ -13990,1160 +14175,163 @@
             </a:fontRef>
           </p:style>
           <p:txBody>
-            <a:bodyPr rtlCol="0" anchor="ctr"/>
+            <a:bodyPr rtlCol="0" anchor="t"/>
             <a:lstStyle/>
             <a:p>
               <a:pPr algn="ctr"/>
-              <a:endParaRPr lang="en-US" sz="2000">
-                <a:latin typeface="Alegreya" charset="0"/>
-                <a:ea typeface="Alegreya" charset="0"/>
-                <a:cs typeface="Alegreya" charset="0"/>
+              <a:r>
+                <a:rPr lang="en-US" dirty="0" smtClean="0">
+                  <a:solidFill>
+                    <a:schemeClr val="tx1">
+                      <a:lumMod val="75000"/>
+                      <a:lumOff val="25000"/>
+                    </a:schemeClr>
+                  </a:solidFill>
+                  <a:latin typeface="Josefin Sans" charset="0"/>
+                  <a:ea typeface="Josefin Sans" charset="0"/>
+                  <a:cs typeface="Josefin Sans" charset="0"/>
+                </a:rPr>
+                <a:t>Query Log</a:t>
+              </a:r>
+              <a:endParaRPr lang="en-US" dirty="0">
+                <a:solidFill>
+                  <a:schemeClr val="tx1">
+                    <a:lumMod val="75000"/>
+                    <a:lumOff val="25000"/>
+                  </a:schemeClr>
+                </a:solidFill>
+                <a:latin typeface="Josefin Sans" charset="0"/>
+                <a:ea typeface="Josefin Sans" charset="0"/>
+                <a:cs typeface="Josefin Sans" charset="0"/>
               </a:endParaRPr>
             </a:p>
           </p:txBody>
         </p:sp>
         <p:sp>
           <p:nvSpPr>
-            <p:cNvPr id="62" name="Oval 61"/>
-            <p:cNvSpPr/>
+            <p:cNvPr id="4" name="TextBox 3"/>
+            <p:cNvSpPr txBox="1"/>
             <p:nvPr/>
           </p:nvSpPr>
           <p:spPr>
             <a:xfrm>
-              <a:off x="3483856" y="1063984"/>
-              <a:ext cx="178885" cy="178885"/>
+              <a:off x="4252494" y="2367892"/>
+              <a:ext cx="1143293" cy="523220"/>
             </a:xfrm>
-            <a:prstGeom prst="ellipse">
+            <a:prstGeom prst="rect">
               <a:avLst/>
             </a:prstGeom>
-            <a:solidFill>
-              <a:srgbClr val="FFFFFF"/>
-            </a:solidFill>
-            <a:ln>
-              <a:solidFill>
-                <a:srgbClr val="595959"/>
-              </a:solidFill>
-            </a:ln>
+            <a:noFill/>
             <a:effectLst/>
           </p:spPr>
-          <p:style>
-            <a:lnRef idx="1">
-              <a:schemeClr val="accent1"/>
-            </a:lnRef>
-            <a:fillRef idx="3">
-              <a:schemeClr val="accent1"/>
-            </a:fillRef>
-            <a:effectRef idx="2">
-              <a:schemeClr val="accent1"/>
-            </a:effectRef>
-            <a:fontRef idx="minor">
-              <a:schemeClr val="lt1"/>
-            </a:fontRef>
-          </p:style>
           <p:txBody>
-            <a:bodyPr rtlCol="0" anchor="ctr"/>
+            <a:bodyPr wrap="square" rtlCol="0">
+              <a:spAutoFit/>
+            </a:bodyPr>
             <a:lstStyle/>
             <a:p>
-              <a:pPr algn="ctr"/>
-              <a:endParaRPr lang="en-US" sz="2000">
-                <a:latin typeface="Alegreya" charset="0"/>
-                <a:ea typeface="Alegreya" charset="0"/>
-                <a:cs typeface="Alegreya" charset="0"/>
-              </a:endParaRPr>
+              <a:r>
+                <a:rPr lang="en-US" sz="350" dirty="0" smtClean="0">
+                  <a:solidFill>
+                    <a:schemeClr val="tx1">
+                      <a:lumMod val="65000"/>
+                      <a:lumOff val="35000"/>
+                    </a:schemeClr>
+                  </a:solidFill>
+                  <a:latin typeface="Alegreya" charset="0"/>
+                  <a:ea typeface="Alegreya" charset="0"/>
+                  <a:cs typeface="Alegreya" charset="0"/>
+                </a:rPr>
+                <a:t>UPDATE CUSTOMER SET C_BALANCE = C_BALANCE + ? WHERE C_ID = ? AND C_D_ID = ? AND C_W_ID = ? UPDATE CUSTOMER SET C_BALANCE = ?, C_YTD_PAYMENT = ?, C_PAYMENT_CNT = ?, C_DATA = ? WHERE C_W_ID = ? AND C_D_ID = ? AND C_ID = ?</a:t>
+              </a:r>
             </a:p>
-          </p:txBody>
-        </p:sp>
-        <p:sp>
-          <p:nvSpPr>
-            <p:cNvPr id="63" name="Oval 62"/>
-            <p:cNvSpPr/>
-            <p:nvPr/>
-          </p:nvSpPr>
-          <p:spPr>
-            <a:xfrm>
-              <a:off x="3810578" y="1063984"/>
-              <a:ext cx="178885" cy="178885"/>
-            </a:xfrm>
-            <a:prstGeom prst="ellipse">
-              <a:avLst/>
-            </a:prstGeom>
-            <a:solidFill>
-              <a:schemeClr val="tx1">
-                <a:lumMod val="65000"/>
-                <a:lumOff val="35000"/>
-              </a:schemeClr>
-            </a:solidFill>
-            <a:ln>
-              <a:solidFill>
-                <a:srgbClr val="595959"/>
-              </a:solidFill>
-            </a:ln>
-            <a:effectLst/>
-          </p:spPr>
-          <p:style>
-            <a:lnRef idx="1">
-              <a:schemeClr val="accent1"/>
-            </a:lnRef>
-            <a:fillRef idx="3">
-              <a:schemeClr val="accent1"/>
-            </a:fillRef>
-            <a:effectRef idx="2">
-              <a:schemeClr val="accent1"/>
-            </a:effectRef>
-            <a:fontRef idx="minor">
-              <a:schemeClr val="lt1"/>
-            </a:fontRef>
-          </p:style>
-          <p:txBody>
-            <a:bodyPr rtlCol="0" anchor="ctr"/>
-            <a:lstStyle/>
             <a:p>
-              <a:pPr algn="ctr"/>
-              <a:endParaRPr lang="en-US" sz="2000">
-                <a:latin typeface="Alegreya" charset="0"/>
-                <a:ea typeface="Alegreya" charset="0"/>
-                <a:cs typeface="Alegreya" charset="0"/>
-              </a:endParaRPr>
-            </a:p>
-          </p:txBody>
-        </p:sp>
-        <p:sp>
-          <p:nvSpPr>
-            <p:cNvPr id="66" name="Oval 65"/>
-            <p:cNvSpPr/>
-            <p:nvPr/>
-          </p:nvSpPr>
-          <p:spPr>
-            <a:xfrm>
-              <a:off x="4137300" y="1063984"/>
-              <a:ext cx="178885" cy="178885"/>
-            </a:xfrm>
-            <a:prstGeom prst="ellipse">
-              <a:avLst/>
-            </a:prstGeom>
-            <a:solidFill>
-              <a:srgbClr val="595959"/>
-            </a:solidFill>
-            <a:ln>
-              <a:solidFill>
-                <a:srgbClr val="595959"/>
-              </a:solidFill>
-            </a:ln>
-            <a:effectLst/>
-          </p:spPr>
-          <p:style>
-            <a:lnRef idx="1">
-              <a:schemeClr val="accent1"/>
-            </a:lnRef>
-            <a:fillRef idx="3">
-              <a:schemeClr val="accent1"/>
-            </a:fillRef>
-            <a:effectRef idx="2">
-              <a:schemeClr val="accent1"/>
-            </a:effectRef>
-            <a:fontRef idx="minor">
-              <a:schemeClr val="lt1"/>
-            </a:fontRef>
-          </p:style>
-          <p:txBody>
-            <a:bodyPr rtlCol="0" anchor="ctr"/>
-            <a:lstStyle/>
-            <a:p>
-              <a:pPr algn="ctr"/>
-              <a:endParaRPr lang="en-US" sz="2000">
-                <a:latin typeface="Alegreya" charset="0"/>
-                <a:ea typeface="Alegreya" charset="0"/>
-                <a:cs typeface="Alegreya" charset="0"/>
-              </a:endParaRPr>
-            </a:p>
-          </p:txBody>
-        </p:sp>
-        <p:sp>
-          <p:nvSpPr>
-            <p:cNvPr id="67" name="Oval 66"/>
-            <p:cNvSpPr/>
-            <p:nvPr/>
-          </p:nvSpPr>
-          <p:spPr>
-            <a:xfrm>
-              <a:off x="4464022" y="1063984"/>
-              <a:ext cx="178885" cy="178885"/>
-            </a:xfrm>
-            <a:prstGeom prst="ellipse">
-              <a:avLst/>
-            </a:prstGeom>
-            <a:solidFill>
-              <a:srgbClr val="595959"/>
-            </a:solidFill>
-            <a:ln>
-              <a:solidFill>
-                <a:srgbClr val="595959"/>
-              </a:solidFill>
-            </a:ln>
-            <a:effectLst/>
-          </p:spPr>
-          <p:style>
-            <a:lnRef idx="1">
-              <a:schemeClr val="accent1"/>
-            </a:lnRef>
-            <a:fillRef idx="3">
-              <a:schemeClr val="accent1"/>
-            </a:fillRef>
-            <a:effectRef idx="2">
-              <a:schemeClr val="accent1"/>
-            </a:effectRef>
-            <a:fontRef idx="minor">
-              <a:schemeClr val="lt1"/>
-            </a:fontRef>
-          </p:style>
-          <p:txBody>
-            <a:bodyPr rtlCol="0" anchor="ctr"/>
-            <a:lstStyle/>
-            <a:p>
-              <a:pPr algn="ctr"/>
-              <a:endParaRPr lang="en-US" sz="2000">
-                <a:latin typeface="Alegreya" charset="0"/>
-                <a:ea typeface="Alegreya" charset="0"/>
-                <a:cs typeface="Alegreya" charset="0"/>
-              </a:endParaRPr>
-            </a:p>
-          </p:txBody>
-        </p:sp>
-        <p:sp>
-          <p:nvSpPr>
-            <p:cNvPr id="68" name="Oval 67"/>
-            <p:cNvSpPr/>
-            <p:nvPr/>
-          </p:nvSpPr>
-          <p:spPr>
-            <a:xfrm>
-              <a:off x="4790744" y="1063984"/>
-              <a:ext cx="178885" cy="178885"/>
-            </a:xfrm>
-            <a:prstGeom prst="ellipse">
-              <a:avLst/>
-            </a:prstGeom>
-            <a:solidFill>
-              <a:srgbClr val="FFFFFF"/>
-            </a:solidFill>
-            <a:ln>
-              <a:solidFill>
-                <a:srgbClr val="595959"/>
-              </a:solidFill>
-            </a:ln>
-            <a:effectLst/>
-          </p:spPr>
-          <p:style>
-            <a:lnRef idx="1">
-              <a:schemeClr val="accent1"/>
-            </a:lnRef>
-            <a:fillRef idx="3">
-              <a:schemeClr val="accent1"/>
-            </a:fillRef>
-            <a:effectRef idx="2">
-              <a:schemeClr val="accent1"/>
-            </a:effectRef>
-            <a:fontRef idx="minor">
-              <a:schemeClr val="lt1"/>
-            </a:fontRef>
-          </p:style>
-          <p:txBody>
-            <a:bodyPr rtlCol="0" anchor="ctr"/>
-            <a:lstStyle/>
-            <a:p>
-              <a:pPr algn="ctr"/>
-              <a:endParaRPr lang="en-US" sz="2000">
-                <a:latin typeface="Alegreya" charset="0"/>
-                <a:ea typeface="Alegreya" charset="0"/>
-                <a:cs typeface="Alegreya" charset="0"/>
-              </a:endParaRPr>
-            </a:p>
-          </p:txBody>
-        </p:sp>
-        <p:sp>
-          <p:nvSpPr>
-            <p:cNvPr id="69" name="Oval 68"/>
-            <p:cNvSpPr/>
-            <p:nvPr/>
-          </p:nvSpPr>
-          <p:spPr>
-            <a:xfrm>
-              <a:off x="5117466" y="1063984"/>
-              <a:ext cx="178885" cy="178885"/>
-            </a:xfrm>
-            <a:prstGeom prst="ellipse">
-              <a:avLst/>
-            </a:prstGeom>
-            <a:solidFill>
-              <a:srgbClr val="FFFFFF"/>
-            </a:solidFill>
-            <a:ln>
-              <a:solidFill>
-                <a:srgbClr val="595959"/>
-              </a:solidFill>
-            </a:ln>
-            <a:effectLst/>
-          </p:spPr>
-          <p:style>
-            <a:lnRef idx="1">
-              <a:schemeClr val="accent1"/>
-            </a:lnRef>
-            <a:fillRef idx="3">
-              <a:schemeClr val="accent1"/>
-            </a:fillRef>
-            <a:effectRef idx="2">
-              <a:schemeClr val="accent1"/>
-            </a:effectRef>
-            <a:fontRef idx="minor">
-              <a:schemeClr val="lt1"/>
-            </a:fontRef>
-          </p:style>
-          <p:txBody>
-            <a:bodyPr rtlCol="0" anchor="ctr"/>
-            <a:lstStyle/>
-            <a:p>
-              <a:pPr algn="ctr"/>
-              <a:endParaRPr lang="en-US" sz="2000">
-                <a:latin typeface="Alegreya" charset="0"/>
-                <a:ea typeface="Alegreya" charset="0"/>
-                <a:cs typeface="Alegreya" charset="0"/>
-              </a:endParaRPr>
+              <a:r>
+                <a:rPr lang="en-US" sz="350" dirty="0" smtClean="0">
+                  <a:solidFill>
+                    <a:schemeClr val="tx1">
+                      <a:lumMod val="65000"/>
+                      <a:lumOff val="35000"/>
+                    </a:schemeClr>
+                  </a:solidFill>
+                  <a:latin typeface="Alegreya" charset="0"/>
+                  <a:ea typeface="Alegreya" charset="0"/>
+                  <a:cs typeface="Alegreya" charset="0"/>
+                </a:rPr>
+                <a:t>UPDATE WAREHOUSE SET W_YTD = W_YTD + ? WHERE W_ID = ? </a:t>
+              </a:r>
             </a:p>
           </p:txBody>
         </p:sp>
       </p:grpSp>
-      <p:grpSp>
-        <p:nvGrpSpPr>
-          <p:cNvPr id="70" name="Group 69"/>
-          <p:cNvGrpSpPr/>
-          <p:nvPr/>
-        </p:nvGrpSpPr>
-        <p:grpSpPr>
-          <a:xfrm>
-            <a:off x="2543501" y="1696816"/>
-            <a:ext cx="2139217" cy="178885"/>
-            <a:chOff x="3157134" y="1312768"/>
-            <a:chExt cx="2139217" cy="178885"/>
-          </a:xfrm>
-          <a:effectLst/>
-        </p:grpSpPr>
-        <p:sp>
-          <p:nvSpPr>
-            <p:cNvPr id="71" name="Oval 70"/>
-            <p:cNvSpPr/>
-            <p:nvPr/>
-          </p:nvSpPr>
-          <p:spPr>
-            <a:xfrm>
-              <a:off x="3157134" y="1312768"/>
-              <a:ext cx="178885" cy="178885"/>
-            </a:xfrm>
-            <a:prstGeom prst="ellipse">
-              <a:avLst/>
-            </a:prstGeom>
-            <a:solidFill>
-              <a:srgbClr val="FFFFFF"/>
-            </a:solidFill>
-            <a:ln>
-              <a:solidFill>
-                <a:srgbClr val="595959"/>
-              </a:solidFill>
-            </a:ln>
-            <a:effectLst/>
-          </p:spPr>
-          <p:style>
-            <a:lnRef idx="1">
-              <a:schemeClr val="accent1"/>
-            </a:lnRef>
-            <a:fillRef idx="3">
-              <a:schemeClr val="accent1"/>
-            </a:fillRef>
-            <a:effectRef idx="2">
-              <a:schemeClr val="accent1"/>
-            </a:effectRef>
-            <a:fontRef idx="minor">
-              <a:schemeClr val="lt1"/>
-            </a:fontRef>
-          </p:style>
-          <p:txBody>
-            <a:bodyPr rtlCol="0" anchor="ctr"/>
-            <a:lstStyle/>
-            <a:p>
-              <a:pPr algn="ctr"/>
-              <a:endParaRPr lang="en-US" sz="2000">
-                <a:latin typeface="Alegreya" charset="0"/>
-                <a:ea typeface="Alegreya" charset="0"/>
-                <a:cs typeface="Alegreya" charset="0"/>
-              </a:endParaRPr>
-            </a:p>
-          </p:txBody>
-        </p:sp>
-        <p:sp>
-          <p:nvSpPr>
-            <p:cNvPr id="72" name="Oval 71"/>
-            <p:cNvSpPr/>
-            <p:nvPr/>
-          </p:nvSpPr>
-          <p:spPr>
-            <a:xfrm>
-              <a:off x="3483856" y="1312768"/>
-              <a:ext cx="178885" cy="178885"/>
-            </a:xfrm>
-            <a:prstGeom prst="ellipse">
-              <a:avLst/>
-            </a:prstGeom>
-            <a:solidFill>
-              <a:srgbClr val="FFFFFF"/>
-            </a:solidFill>
-            <a:ln>
-              <a:solidFill>
-                <a:srgbClr val="595959"/>
-              </a:solidFill>
-            </a:ln>
-            <a:effectLst/>
-          </p:spPr>
-          <p:style>
-            <a:lnRef idx="1">
-              <a:schemeClr val="accent1"/>
-            </a:lnRef>
-            <a:fillRef idx="3">
-              <a:schemeClr val="accent1"/>
-            </a:fillRef>
-            <a:effectRef idx="2">
-              <a:schemeClr val="accent1"/>
-            </a:effectRef>
-            <a:fontRef idx="minor">
-              <a:schemeClr val="lt1"/>
-            </a:fontRef>
-          </p:style>
-          <p:txBody>
-            <a:bodyPr rtlCol="0" anchor="ctr"/>
-            <a:lstStyle/>
-            <a:p>
-              <a:pPr algn="ctr"/>
-              <a:endParaRPr lang="en-US" sz="2000">
-                <a:latin typeface="Alegreya" charset="0"/>
-                <a:ea typeface="Alegreya" charset="0"/>
-                <a:cs typeface="Alegreya" charset="0"/>
-              </a:endParaRPr>
-            </a:p>
-          </p:txBody>
-        </p:sp>
-        <p:sp>
-          <p:nvSpPr>
-            <p:cNvPr id="73" name="Oval 72"/>
-            <p:cNvSpPr/>
-            <p:nvPr/>
-          </p:nvSpPr>
-          <p:spPr>
-            <a:xfrm>
-              <a:off x="3810578" y="1312768"/>
-              <a:ext cx="178885" cy="178885"/>
-            </a:xfrm>
-            <a:prstGeom prst="ellipse">
-              <a:avLst/>
-            </a:prstGeom>
-            <a:solidFill>
-              <a:srgbClr val="FFFFFF"/>
-            </a:solidFill>
-            <a:ln>
-              <a:solidFill>
-                <a:srgbClr val="595959"/>
-              </a:solidFill>
-            </a:ln>
-            <a:effectLst/>
-          </p:spPr>
-          <p:style>
-            <a:lnRef idx="1">
-              <a:schemeClr val="accent1"/>
-            </a:lnRef>
-            <a:fillRef idx="3">
-              <a:schemeClr val="accent1"/>
-            </a:fillRef>
-            <a:effectRef idx="2">
-              <a:schemeClr val="accent1"/>
-            </a:effectRef>
-            <a:fontRef idx="minor">
-              <a:schemeClr val="lt1"/>
-            </a:fontRef>
-          </p:style>
-          <p:txBody>
-            <a:bodyPr rtlCol="0" anchor="ctr"/>
-            <a:lstStyle/>
-            <a:p>
-              <a:pPr algn="ctr"/>
-              <a:endParaRPr lang="en-US" sz="2000">
-                <a:latin typeface="Alegreya" charset="0"/>
-                <a:ea typeface="Alegreya" charset="0"/>
-                <a:cs typeface="Alegreya" charset="0"/>
-              </a:endParaRPr>
-            </a:p>
-          </p:txBody>
-        </p:sp>
-        <p:sp>
-          <p:nvSpPr>
-            <p:cNvPr id="74" name="Oval 73"/>
-            <p:cNvSpPr/>
-            <p:nvPr/>
-          </p:nvSpPr>
-          <p:spPr>
-            <a:xfrm>
-              <a:off x="4137300" y="1312768"/>
-              <a:ext cx="178885" cy="178885"/>
-            </a:xfrm>
-            <a:prstGeom prst="ellipse">
-              <a:avLst/>
-            </a:prstGeom>
-            <a:solidFill>
-              <a:srgbClr val="FFFFFF"/>
-            </a:solidFill>
-            <a:ln>
-              <a:solidFill>
-                <a:srgbClr val="595959"/>
-              </a:solidFill>
-            </a:ln>
-            <a:effectLst/>
-          </p:spPr>
-          <p:style>
-            <a:lnRef idx="1">
-              <a:schemeClr val="accent1"/>
-            </a:lnRef>
-            <a:fillRef idx="3">
-              <a:schemeClr val="accent1"/>
-            </a:fillRef>
-            <a:effectRef idx="2">
-              <a:schemeClr val="accent1"/>
-            </a:effectRef>
-            <a:fontRef idx="minor">
-              <a:schemeClr val="lt1"/>
-            </a:fontRef>
-          </p:style>
-          <p:txBody>
-            <a:bodyPr rtlCol="0" anchor="ctr"/>
-            <a:lstStyle/>
-            <a:p>
-              <a:pPr algn="ctr"/>
-              <a:endParaRPr lang="en-US" sz="2000">
-                <a:latin typeface="Alegreya" charset="0"/>
-                <a:ea typeface="Alegreya" charset="0"/>
-                <a:cs typeface="Alegreya" charset="0"/>
-              </a:endParaRPr>
-            </a:p>
-          </p:txBody>
-        </p:sp>
-        <p:sp>
-          <p:nvSpPr>
-            <p:cNvPr id="75" name="Oval 74"/>
-            <p:cNvSpPr/>
-            <p:nvPr/>
-          </p:nvSpPr>
-          <p:spPr>
-            <a:xfrm>
-              <a:off x="4464022" y="1312768"/>
-              <a:ext cx="178885" cy="178885"/>
-            </a:xfrm>
-            <a:prstGeom prst="ellipse">
-              <a:avLst/>
-            </a:prstGeom>
-            <a:solidFill>
-              <a:srgbClr val="FFFFFF"/>
-            </a:solidFill>
-            <a:ln>
-              <a:solidFill>
-                <a:srgbClr val="595959"/>
-              </a:solidFill>
-            </a:ln>
-            <a:effectLst/>
-          </p:spPr>
-          <p:style>
-            <a:lnRef idx="1">
-              <a:schemeClr val="accent1"/>
-            </a:lnRef>
-            <a:fillRef idx="3">
-              <a:schemeClr val="accent1"/>
-            </a:fillRef>
-            <a:effectRef idx="2">
-              <a:schemeClr val="accent1"/>
-            </a:effectRef>
-            <a:fontRef idx="minor">
-              <a:schemeClr val="lt1"/>
-            </a:fontRef>
-          </p:style>
-          <p:txBody>
-            <a:bodyPr rtlCol="0" anchor="ctr"/>
-            <a:lstStyle/>
-            <a:p>
-              <a:pPr algn="ctr"/>
-              <a:endParaRPr lang="en-US" sz="2000">
-                <a:latin typeface="Alegreya" charset="0"/>
-                <a:ea typeface="Alegreya" charset="0"/>
-                <a:cs typeface="Alegreya" charset="0"/>
-              </a:endParaRPr>
-            </a:p>
-          </p:txBody>
-        </p:sp>
-        <p:sp>
-          <p:nvSpPr>
-            <p:cNvPr id="76" name="Oval 75"/>
-            <p:cNvSpPr/>
-            <p:nvPr/>
-          </p:nvSpPr>
-          <p:spPr>
-            <a:xfrm>
-              <a:off x="4790744" y="1312768"/>
-              <a:ext cx="178885" cy="178885"/>
-            </a:xfrm>
-            <a:prstGeom prst="ellipse">
-              <a:avLst/>
-            </a:prstGeom>
-            <a:solidFill>
-              <a:srgbClr val="595959"/>
-            </a:solidFill>
-            <a:ln>
-              <a:solidFill>
-                <a:srgbClr val="595959"/>
-              </a:solidFill>
-            </a:ln>
-            <a:effectLst/>
-          </p:spPr>
-          <p:style>
-            <a:lnRef idx="1">
-              <a:schemeClr val="accent1"/>
-            </a:lnRef>
-            <a:fillRef idx="3">
-              <a:schemeClr val="accent1"/>
-            </a:fillRef>
-            <a:effectRef idx="2">
-              <a:schemeClr val="accent1"/>
-            </a:effectRef>
-            <a:fontRef idx="minor">
-              <a:schemeClr val="lt1"/>
-            </a:fontRef>
-          </p:style>
-          <p:txBody>
-            <a:bodyPr rtlCol="0" anchor="ctr"/>
-            <a:lstStyle/>
-            <a:p>
-              <a:pPr algn="ctr"/>
-              <a:endParaRPr lang="en-US" sz="2000">
-                <a:latin typeface="Alegreya" charset="0"/>
-                <a:ea typeface="Alegreya" charset="0"/>
-                <a:cs typeface="Alegreya" charset="0"/>
-              </a:endParaRPr>
-            </a:p>
-          </p:txBody>
-        </p:sp>
-        <p:sp>
-          <p:nvSpPr>
-            <p:cNvPr id="77" name="Oval 76"/>
-            <p:cNvSpPr/>
-            <p:nvPr/>
-          </p:nvSpPr>
-          <p:spPr>
-            <a:xfrm>
-              <a:off x="5117466" y="1312768"/>
-              <a:ext cx="178885" cy="178885"/>
-            </a:xfrm>
-            <a:prstGeom prst="ellipse">
-              <a:avLst/>
-            </a:prstGeom>
-            <a:solidFill>
-              <a:srgbClr val="FFFFFF"/>
-            </a:solidFill>
-            <a:ln>
-              <a:solidFill>
-                <a:srgbClr val="595959"/>
-              </a:solidFill>
-            </a:ln>
-            <a:effectLst/>
-          </p:spPr>
-          <p:style>
-            <a:lnRef idx="1">
-              <a:schemeClr val="accent1"/>
-            </a:lnRef>
-            <a:fillRef idx="3">
-              <a:schemeClr val="accent1"/>
-            </a:fillRef>
-            <a:effectRef idx="2">
-              <a:schemeClr val="accent1"/>
-            </a:effectRef>
-            <a:fontRef idx="minor">
-              <a:schemeClr val="lt1"/>
-            </a:fontRef>
-          </p:style>
-          <p:txBody>
-            <a:bodyPr rtlCol="0" anchor="ctr"/>
-            <a:lstStyle/>
-            <a:p>
-              <a:pPr algn="ctr"/>
-              <a:endParaRPr lang="en-US" sz="2000">
-                <a:latin typeface="Alegreya" charset="0"/>
-                <a:ea typeface="Alegreya" charset="0"/>
-                <a:cs typeface="Alegreya" charset="0"/>
-              </a:endParaRPr>
-            </a:p>
-          </p:txBody>
-        </p:sp>
-      </p:grpSp>
-      <p:grpSp>
-        <p:nvGrpSpPr>
-          <p:cNvPr id="78" name="Group 77"/>
-          <p:cNvGrpSpPr/>
-          <p:nvPr/>
-        </p:nvGrpSpPr>
-        <p:grpSpPr>
-          <a:xfrm>
-            <a:off x="2543501" y="1945600"/>
-            <a:ext cx="2139217" cy="178885"/>
-            <a:chOff x="3157134" y="1561552"/>
-            <a:chExt cx="2139217" cy="178885"/>
-          </a:xfrm>
-          <a:effectLst/>
-        </p:grpSpPr>
-        <p:sp>
-          <p:nvSpPr>
-            <p:cNvPr id="79" name="Oval 78"/>
-            <p:cNvSpPr/>
-            <p:nvPr/>
-          </p:nvSpPr>
-          <p:spPr>
-            <a:xfrm>
-              <a:off x="3157134" y="1561552"/>
-              <a:ext cx="178885" cy="178885"/>
-            </a:xfrm>
-            <a:prstGeom prst="ellipse">
-              <a:avLst/>
-            </a:prstGeom>
-            <a:solidFill>
-              <a:srgbClr val="FFFFFF"/>
-            </a:solidFill>
-            <a:ln>
-              <a:solidFill>
-                <a:srgbClr val="595959"/>
-              </a:solidFill>
-            </a:ln>
-            <a:effectLst/>
-          </p:spPr>
-          <p:style>
-            <a:lnRef idx="1">
-              <a:schemeClr val="accent1"/>
-            </a:lnRef>
-            <a:fillRef idx="3">
-              <a:schemeClr val="accent1"/>
-            </a:fillRef>
-            <a:effectRef idx="2">
-              <a:schemeClr val="accent1"/>
-            </a:effectRef>
-            <a:fontRef idx="minor">
-              <a:schemeClr val="lt1"/>
-            </a:fontRef>
-          </p:style>
-          <p:txBody>
-            <a:bodyPr rtlCol="0" anchor="ctr"/>
-            <a:lstStyle/>
-            <a:p>
-              <a:pPr algn="ctr"/>
-              <a:endParaRPr lang="en-US" sz="2000">
-                <a:latin typeface="Alegreya" charset="0"/>
-                <a:ea typeface="Alegreya" charset="0"/>
-                <a:cs typeface="Alegreya" charset="0"/>
-              </a:endParaRPr>
-            </a:p>
-          </p:txBody>
-        </p:sp>
-        <p:sp>
-          <p:nvSpPr>
-            <p:cNvPr id="80" name="Oval 79"/>
-            <p:cNvSpPr/>
-            <p:nvPr/>
-          </p:nvSpPr>
-          <p:spPr>
-            <a:xfrm>
-              <a:off x="3483856" y="1561552"/>
-              <a:ext cx="178885" cy="178885"/>
-            </a:xfrm>
-            <a:prstGeom prst="ellipse">
-              <a:avLst/>
-            </a:prstGeom>
-            <a:solidFill>
-              <a:srgbClr val="595959"/>
-            </a:solidFill>
-            <a:ln>
-              <a:solidFill>
-                <a:srgbClr val="595959"/>
-              </a:solidFill>
-            </a:ln>
-            <a:effectLst/>
-          </p:spPr>
-          <p:style>
-            <a:lnRef idx="1">
-              <a:schemeClr val="accent1"/>
-            </a:lnRef>
-            <a:fillRef idx="3">
-              <a:schemeClr val="accent1"/>
-            </a:fillRef>
-            <a:effectRef idx="2">
-              <a:schemeClr val="accent1"/>
-            </a:effectRef>
-            <a:fontRef idx="minor">
-              <a:schemeClr val="lt1"/>
-            </a:fontRef>
-          </p:style>
-          <p:txBody>
-            <a:bodyPr rtlCol="0" anchor="ctr"/>
-            <a:lstStyle/>
-            <a:p>
-              <a:pPr algn="ctr"/>
-              <a:endParaRPr lang="en-US" sz="2000">
-                <a:latin typeface="Alegreya" charset="0"/>
-                <a:ea typeface="Alegreya" charset="0"/>
-                <a:cs typeface="Alegreya" charset="0"/>
-              </a:endParaRPr>
-            </a:p>
-          </p:txBody>
-        </p:sp>
-        <p:sp>
-          <p:nvSpPr>
-            <p:cNvPr id="81" name="Oval 80"/>
-            <p:cNvSpPr/>
-            <p:nvPr/>
-          </p:nvSpPr>
-          <p:spPr>
-            <a:xfrm>
-              <a:off x="3810578" y="1561552"/>
-              <a:ext cx="178885" cy="178885"/>
-            </a:xfrm>
-            <a:prstGeom prst="ellipse">
-              <a:avLst/>
-            </a:prstGeom>
-            <a:solidFill>
-              <a:srgbClr val="FFFFFF"/>
-            </a:solidFill>
-            <a:ln>
-              <a:solidFill>
-                <a:srgbClr val="595959"/>
-              </a:solidFill>
-            </a:ln>
-            <a:effectLst/>
-          </p:spPr>
-          <p:style>
-            <a:lnRef idx="1">
-              <a:schemeClr val="accent1"/>
-            </a:lnRef>
-            <a:fillRef idx="3">
-              <a:schemeClr val="accent1"/>
-            </a:fillRef>
-            <a:effectRef idx="2">
-              <a:schemeClr val="accent1"/>
-            </a:effectRef>
-            <a:fontRef idx="minor">
-              <a:schemeClr val="lt1"/>
-            </a:fontRef>
-          </p:style>
-          <p:txBody>
-            <a:bodyPr rtlCol="0" anchor="ctr"/>
-            <a:lstStyle/>
-            <a:p>
-              <a:pPr algn="ctr"/>
-              <a:endParaRPr lang="en-US" sz="2000">
-                <a:latin typeface="Alegreya" charset="0"/>
-                <a:ea typeface="Alegreya" charset="0"/>
-                <a:cs typeface="Alegreya" charset="0"/>
-              </a:endParaRPr>
-            </a:p>
-          </p:txBody>
-        </p:sp>
-        <p:sp>
-          <p:nvSpPr>
-            <p:cNvPr id="82" name="Oval 81"/>
-            <p:cNvSpPr/>
-            <p:nvPr/>
-          </p:nvSpPr>
-          <p:spPr>
-            <a:xfrm>
-              <a:off x="4137300" y="1561552"/>
-              <a:ext cx="178885" cy="178885"/>
-            </a:xfrm>
-            <a:prstGeom prst="ellipse">
-              <a:avLst/>
-            </a:prstGeom>
-            <a:solidFill>
-              <a:srgbClr val="FFFFFF"/>
-            </a:solidFill>
-            <a:ln>
-              <a:solidFill>
-                <a:srgbClr val="595959"/>
-              </a:solidFill>
-            </a:ln>
-            <a:effectLst/>
-          </p:spPr>
-          <p:style>
-            <a:lnRef idx="1">
-              <a:schemeClr val="accent1"/>
-            </a:lnRef>
-            <a:fillRef idx="3">
-              <a:schemeClr val="accent1"/>
-            </a:fillRef>
-            <a:effectRef idx="2">
-              <a:schemeClr val="accent1"/>
-            </a:effectRef>
-            <a:fontRef idx="minor">
-              <a:schemeClr val="lt1"/>
-            </a:fontRef>
-          </p:style>
-          <p:txBody>
-            <a:bodyPr rtlCol="0" anchor="ctr"/>
-            <a:lstStyle/>
-            <a:p>
-              <a:pPr algn="ctr"/>
-              <a:endParaRPr lang="en-US" sz="2000">
-                <a:latin typeface="Alegreya" charset="0"/>
-                <a:ea typeface="Alegreya" charset="0"/>
-                <a:cs typeface="Alegreya" charset="0"/>
-              </a:endParaRPr>
-            </a:p>
-          </p:txBody>
-        </p:sp>
-        <p:sp>
-          <p:nvSpPr>
-            <p:cNvPr id="83" name="Oval 82"/>
-            <p:cNvSpPr/>
-            <p:nvPr/>
-          </p:nvSpPr>
-          <p:spPr>
-            <a:xfrm>
-              <a:off x="4464022" y="1561552"/>
-              <a:ext cx="178885" cy="178885"/>
-            </a:xfrm>
-            <a:prstGeom prst="ellipse">
-              <a:avLst/>
-            </a:prstGeom>
-            <a:solidFill>
-              <a:srgbClr val="FFFFFF"/>
-            </a:solidFill>
-            <a:ln>
-              <a:solidFill>
-                <a:srgbClr val="595959"/>
-              </a:solidFill>
-            </a:ln>
-            <a:effectLst/>
-          </p:spPr>
-          <p:style>
-            <a:lnRef idx="1">
-              <a:schemeClr val="accent1"/>
-            </a:lnRef>
-            <a:fillRef idx="3">
-              <a:schemeClr val="accent1"/>
-            </a:fillRef>
-            <a:effectRef idx="2">
-              <a:schemeClr val="accent1"/>
-            </a:effectRef>
-            <a:fontRef idx="minor">
-              <a:schemeClr val="lt1"/>
-            </a:fontRef>
-          </p:style>
-          <p:txBody>
-            <a:bodyPr rtlCol="0" anchor="ctr"/>
-            <a:lstStyle/>
-            <a:p>
-              <a:pPr algn="ctr"/>
-              <a:endParaRPr lang="en-US" sz="2000">
-                <a:latin typeface="Alegreya" charset="0"/>
-                <a:ea typeface="Alegreya" charset="0"/>
-                <a:cs typeface="Alegreya" charset="0"/>
-              </a:endParaRPr>
-            </a:p>
-          </p:txBody>
-        </p:sp>
-        <p:sp>
-          <p:nvSpPr>
-            <p:cNvPr id="84" name="Oval 83"/>
-            <p:cNvSpPr/>
-            <p:nvPr/>
-          </p:nvSpPr>
-          <p:spPr>
-            <a:xfrm>
-              <a:off x="4790744" y="1561552"/>
-              <a:ext cx="178885" cy="178885"/>
-            </a:xfrm>
-            <a:prstGeom prst="ellipse">
-              <a:avLst/>
-            </a:prstGeom>
-            <a:solidFill>
-              <a:srgbClr val="FFFFFF"/>
-            </a:solidFill>
-            <a:ln>
-              <a:solidFill>
-                <a:srgbClr val="595959"/>
-              </a:solidFill>
-            </a:ln>
-            <a:effectLst/>
-          </p:spPr>
-          <p:style>
-            <a:lnRef idx="1">
-              <a:schemeClr val="accent1"/>
-            </a:lnRef>
-            <a:fillRef idx="3">
-              <a:schemeClr val="accent1"/>
-            </a:fillRef>
-            <a:effectRef idx="2">
-              <a:schemeClr val="accent1"/>
-            </a:effectRef>
-            <a:fontRef idx="minor">
-              <a:schemeClr val="lt1"/>
-            </a:fontRef>
-          </p:style>
-          <p:txBody>
-            <a:bodyPr rtlCol="0" anchor="ctr"/>
-            <a:lstStyle/>
-            <a:p>
-              <a:pPr algn="ctr"/>
-              <a:endParaRPr lang="en-US" sz="2000">
-                <a:latin typeface="Alegreya" charset="0"/>
-                <a:ea typeface="Alegreya" charset="0"/>
-                <a:cs typeface="Alegreya" charset="0"/>
-              </a:endParaRPr>
-            </a:p>
-          </p:txBody>
-        </p:sp>
-        <p:sp>
-          <p:nvSpPr>
-            <p:cNvPr id="85" name="Oval 84"/>
-            <p:cNvSpPr/>
-            <p:nvPr/>
-          </p:nvSpPr>
-          <p:spPr>
-            <a:xfrm>
-              <a:off x="5117466" y="1561552"/>
-              <a:ext cx="178885" cy="178885"/>
-            </a:xfrm>
-            <a:prstGeom prst="ellipse">
-              <a:avLst/>
-            </a:prstGeom>
-            <a:solidFill>
-              <a:srgbClr val="FFFFFF"/>
-            </a:solidFill>
-            <a:ln>
-              <a:solidFill>
-                <a:srgbClr val="595959"/>
-              </a:solidFill>
-            </a:ln>
-            <a:effectLst/>
-          </p:spPr>
-          <p:style>
-            <a:lnRef idx="1">
-              <a:schemeClr val="accent1"/>
-            </a:lnRef>
-            <a:fillRef idx="3">
-              <a:schemeClr val="accent1"/>
-            </a:fillRef>
-            <a:effectRef idx="2">
-              <a:schemeClr val="accent1"/>
-            </a:effectRef>
-            <a:fontRef idx="minor">
-              <a:schemeClr val="lt1"/>
-            </a:fontRef>
-          </p:style>
-          <p:txBody>
-            <a:bodyPr rtlCol="0" anchor="ctr"/>
-            <a:lstStyle/>
-            <a:p>
-              <a:pPr algn="ctr"/>
-              <a:endParaRPr lang="en-US" sz="2000">
-                <a:latin typeface="Alegreya" charset="0"/>
-                <a:ea typeface="Alegreya" charset="0"/>
-                <a:cs typeface="Alegreya" charset="0"/>
-              </a:endParaRPr>
-            </a:p>
-          </p:txBody>
-        </p:sp>
-      </p:grpSp>
-      <p:sp>
-        <p:nvSpPr>
-          <p:cNvPr id="86" name="TextBox 85"/>
-          <p:cNvSpPr txBox="1"/>
-          <p:nvPr/>
-        </p:nvSpPr>
-        <p:spPr>
-          <a:xfrm>
-            <a:off x="2527916" y="918644"/>
-            <a:ext cx="1157689" cy="400110"/>
-          </a:xfrm>
-          <a:prstGeom prst="rect">
-            <a:avLst/>
-          </a:prstGeom>
-          <a:noFill/>
-          <a:effectLst/>
-        </p:spPr>
-        <p:txBody>
-          <a:bodyPr wrap="none" rtlCol="0">
-            <a:spAutoFit/>
-          </a:bodyPr>
-          <a:lstStyle/>
-          <a:p>
-            <a:r>
-              <a:rPr lang="en-US" sz="2000" dirty="0" smtClean="0">
-                <a:latin typeface="Alegreya" charset="0"/>
-                <a:ea typeface="Alegreya" charset="0"/>
-                <a:cs typeface="Alegreya" charset="0"/>
-              </a:rPr>
-              <a:t>Database</a:t>
-            </a:r>
-            <a:endParaRPr lang="en-US" sz="2000" dirty="0">
-              <a:latin typeface="Alegreya" charset="0"/>
-              <a:ea typeface="Alegreya" charset="0"/>
-              <a:cs typeface="Alegreya" charset="0"/>
-            </a:endParaRPr>
-          </a:p>
-        </p:txBody>
-      </p:sp>
-      <p:sp>
-        <p:nvSpPr>
-          <p:cNvPr id="87" name="Rectangle 86"/>
-          <p:cNvSpPr/>
-          <p:nvPr/>
-        </p:nvSpPr>
-        <p:spPr>
-          <a:xfrm>
-            <a:off x="2321499" y="886759"/>
-            <a:ext cx="2583220" cy="1531199"/>
-          </a:xfrm>
-          <a:prstGeom prst="rect">
-            <a:avLst/>
-          </a:prstGeom>
-          <a:noFill/>
-          <a:ln w="28575">
+      <p:cxnSp>
+        <p:nvCxnSpPr>
+          <p:cNvPr id="108" name="Straight Arrow Connector 107"/>
+          <p:cNvCxnSpPr/>
+          <p:nvPr/>
+        </p:nvCxnSpPr>
+        <p:spPr>
+          <a:xfrm flipV="1">
+            <a:off x="2200026" y="2772804"/>
+            <a:ext cx="417361" cy="1080"/>
+          </a:xfrm>
+          <a:prstGeom prst="straightConnector1">
+            <a:avLst/>
+          </a:prstGeom>
+          <a:ln w="38100">
             <a:solidFill>
               <a:schemeClr val="bg1">
                 <a:lumMod val="50000"/>
               </a:schemeClr>
             </a:solidFill>
+            <a:headEnd type="none" w="med" len="med"/>
+            <a:tailEnd type="triangle" w="med" len="med"/>
           </a:ln>
           <a:effectLst/>
         </p:spPr>
         <p:style>
-          <a:lnRef idx="1">
+          <a:lnRef idx="2">
             <a:schemeClr val="accent1"/>
           </a:lnRef>
-          <a:fillRef idx="3">
+          <a:fillRef idx="0">
             <a:schemeClr val="accent1"/>
           </a:fillRef>
-          <a:effectRef idx="2">
+          <a:effectRef idx="1">
             <a:schemeClr val="accent1"/>
           </a:effectRef>
           <a:fontRef idx="minor">
-            <a:schemeClr val="lt1"/>
+            <a:schemeClr val="tx1"/>
           </a:fontRef>
         </p:style>
-        <p:txBody>
-          <a:bodyPr rtlCol="0" anchor="ctr"/>
-          <a:lstStyle/>
-          <a:p>
-            <a:pPr algn="ctr"/>
-            <a:endParaRPr lang="en-US" sz="2000"/>
-          </a:p>
-        </p:txBody>
-      </p:sp>
+      </p:cxnSp>
+      <p:pic>
+        <p:nvPicPr>
+          <p:cNvPr id="3" name="Picture 2"/>
+          <p:cNvPicPr>
+            <a:picLocks noChangeAspect="1"/>
+          </p:cNvPicPr>
+          <p:nvPr/>
+        </p:nvPicPr>
+        <p:blipFill>
+          <a:blip r:embed="rId2"/>
+          <a:stretch>
+            <a:fillRect/>
+          </a:stretch>
+        </p:blipFill>
+        <p:spPr>
+          <a:xfrm>
+            <a:off x="1563975" y="2370520"/>
+            <a:ext cx="811543" cy="811543"/>
+          </a:xfrm>
+          <a:prstGeom prst="rect">
+            <a:avLst/>
+          </a:prstGeom>
+          <a:solidFill>
+            <a:schemeClr val="bg1"/>
+          </a:solidFill>
+          <a:effectLst/>
+        </p:spPr>
+      </p:pic>
     </p:spTree>
     <p:extLst>
       <p:ext uri="{BB962C8B-B14F-4D97-AF65-F5344CB8AC3E}">
@@ -15157,7 +14345,7 @@
   <p:timing>
     <p:tnLst>
       <p:par>
-        <p:cTn xmlns:p14="http://schemas.microsoft.com/office/powerpoint/2010/main" id="1" dur="indefinite" restart="never" nodeType="tmRoot"/>
+        <p:cTn id="1" dur="indefinite" restart="never" nodeType="tmRoot"/>
       </p:par>
     </p:tnLst>
   </p:timing>

--- a/docs/vldb16/figures/figs.pptx
+++ b/docs/vldb16/figures/figs.pptx
@@ -12507,73 +12507,47 @@
           <a:chExt cx="0" cy="0"/>
         </a:xfrm>
       </p:grpSpPr>
-      <p:sp>
-        <p:nvSpPr>
-          <p:cNvPr id="90" name="Rectangle 89"/>
-          <p:cNvSpPr/>
-          <p:nvPr/>
-        </p:nvSpPr>
-        <p:spPr>
-          <a:xfrm>
-            <a:off x="2835710" y="6125832"/>
-            <a:ext cx="5105208" cy="2257474"/>
-          </a:xfrm>
-          <a:prstGeom prst="rect">
-            <a:avLst/>
-          </a:prstGeom>
-          <a:solidFill>
-            <a:schemeClr val="bg1"/>
-          </a:solidFill>
-          <a:ln w="38100">
+      <p:cxnSp>
+        <p:nvCxnSpPr>
+          <p:cNvPr id="44" name="Straight Connector 43"/>
+          <p:cNvCxnSpPr/>
+          <p:nvPr/>
+        </p:nvCxnSpPr>
+        <p:spPr>
+          <a:xfrm flipH="1" flipV="1">
+            <a:off x="1095632" y="3501795"/>
+            <a:ext cx="7282250" cy="0"/>
+          </a:xfrm>
+          <a:prstGeom prst="line">
+            <a:avLst/>
+          </a:prstGeom>
+          <a:ln>
             <a:solidFill>
               <a:schemeClr val="bg1">
-                <a:lumMod val="75000"/>
+                <a:lumMod val="50000"/>
               </a:schemeClr>
             </a:solidFill>
+            <a:prstDash val="sysDot"/>
+            <a:headEnd type="none" w="med" len="med"/>
+            <a:tailEnd type="none" w="med" len="med"/>
           </a:ln>
           <a:effectLst/>
         </p:spPr>
         <p:style>
-          <a:lnRef idx="1">
+          <a:lnRef idx="2">
             <a:schemeClr val="accent1"/>
           </a:lnRef>
-          <a:fillRef idx="3">
+          <a:fillRef idx="0">
             <a:schemeClr val="accent1"/>
           </a:fillRef>
-          <a:effectRef idx="2">
+          <a:effectRef idx="1">
             <a:schemeClr val="accent1"/>
           </a:effectRef>
           <a:fontRef idx="minor">
-            <a:schemeClr val="lt1"/>
+            <a:schemeClr val="tx1"/>
           </a:fontRef>
         </p:style>
-        <p:txBody>
-          <a:bodyPr rtlCol="0" anchor="t"/>
-          <a:lstStyle/>
-          <a:p>
-            <a:pPr algn="ctr"/>
-            <a:r>
-              <a:rPr lang="en-US" sz="2400" b="1" dirty="0" err="1" smtClean="0">
-                <a:solidFill>
-                  <a:schemeClr val="tx1"/>
-                </a:solidFill>
-                <a:latin typeface="Josefin Sans" charset="0"/>
-                <a:ea typeface="Josefin Sans" charset="0"/>
-                <a:cs typeface="Josefin Sans" charset="0"/>
-              </a:rPr>
-              <a:t>QFix</a:t>
-            </a:r>
-            <a:endParaRPr lang="en-US" sz="2400" b="1" dirty="0">
-              <a:solidFill>
-                <a:schemeClr val="tx1"/>
-              </a:solidFill>
-              <a:latin typeface="Josefin Sans" charset="0"/>
-              <a:ea typeface="Josefin Sans" charset="0"/>
-              <a:cs typeface="Josefin Sans" charset="0"/>
-            </a:endParaRPr>
-          </a:p>
-        </p:txBody>
-      </p:sp>
+      </p:cxnSp>
       <p:cxnSp>
         <p:nvCxnSpPr>
           <p:cNvPr id="45" name="Straight Arrow Connector 44"/>
@@ -12585,8 +12559,8 @@
         </p:nvCxnSpPr>
         <p:spPr>
           <a:xfrm>
-            <a:off x="4138398" y="4102621"/>
-            <a:ext cx="1835" cy="245697"/>
+            <a:off x="3867995" y="4102621"/>
+            <a:ext cx="2111" cy="245697"/>
           </a:xfrm>
           <a:prstGeom prst="straightConnector1">
             <a:avLst/>
@@ -12625,7 +12599,7 @@
         </p:nvCxnSpPr>
         <p:spPr>
           <a:xfrm flipV="1">
-            <a:off x="4848392" y="5039360"/>
+            <a:off x="4741192" y="5039360"/>
             <a:ext cx="417361" cy="1080"/>
           </a:xfrm>
           <a:prstGeom prst="straightConnector1">
@@ -12665,7 +12639,7 @@
         </p:nvSpPr>
         <p:spPr>
           <a:xfrm>
-            <a:off x="6153665" y="2343992"/>
+            <a:off x="6062941" y="2343992"/>
             <a:ext cx="1953798" cy="646331"/>
           </a:xfrm>
           <a:prstGeom prst="rect">
@@ -12724,8 +12698,8 @@
         </p:nvSpPr>
         <p:spPr>
           <a:xfrm>
-            <a:off x="3292903" y="3719553"/>
-            <a:ext cx="1690989" cy="383068"/>
+            <a:off x="2859297" y="3719553"/>
+            <a:ext cx="2017396" cy="383068"/>
           </a:xfrm>
           <a:prstGeom prst="rect">
             <a:avLst/>
@@ -12788,8 +12762,8 @@
         </p:nvSpPr>
         <p:spPr>
           <a:xfrm>
-            <a:off x="3296170" y="4348318"/>
-            <a:ext cx="1688126" cy="1108430"/>
+            <a:off x="2863116" y="4348318"/>
+            <a:ext cx="2013980" cy="1108430"/>
           </a:xfrm>
           <a:prstGeom prst="rect">
             <a:avLst/>
@@ -12862,7 +12836,7 @@
         </p:nvSpPr>
         <p:spPr>
           <a:xfrm>
-            <a:off x="5263979" y="3718234"/>
+            <a:off x="5156779" y="3718234"/>
             <a:ext cx="2834091" cy="385705"/>
           </a:xfrm>
           <a:prstGeom prst="rect">
@@ -12925,7 +12899,7 @@
         </p:nvCxnSpPr>
         <p:spPr>
           <a:xfrm>
-            <a:off x="7129950" y="4115115"/>
+            <a:off x="7022750" y="4115115"/>
             <a:ext cx="2090" cy="311539"/>
           </a:xfrm>
           <a:prstGeom prst="straightConnector1">
@@ -12965,7 +12939,7 @@
         </p:nvSpPr>
         <p:spPr>
           <a:xfrm>
-            <a:off x="5263979" y="4350953"/>
+            <a:off x="5156779" y="4350953"/>
             <a:ext cx="2834091" cy="1105794"/>
           </a:xfrm>
           <a:prstGeom prst="rect">
@@ -13028,7 +13002,7 @@
         </p:nvSpPr>
         <p:spPr>
           <a:xfrm>
-            <a:off x="5395787" y="4719807"/>
+            <a:off x="5288587" y="4719807"/>
             <a:ext cx="1256367" cy="584775"/>
           </a:xfrm>
           <a:prstGeom prst="rect">
@@ -13073,7 +13047,7 @@
         </p:nvSpPr>
         <p:spPr>
           <a:xfrm>
-            <a:off x="6719388" y="4719807"/>
+            <a:off x="6612188" y="4719807"/>
             <a:ext cx="1260322" cy="584775"/>
           </a:xfrm>
           <a:prstGeom prst="rect">
@@ -13107,54 +13081,13 @@
       </p:sp>
       <p:cxnSp>
         <p:nvCxnSpPr>
-          <p:cNvPr id="44" name="Straight Connector 43"/>
-          <p:cNvCxnSpPr/>
-          <p:nvPr/>
-        </p:nvCxnSpPr>
-        <p:spPr>
-          <a:xfrm flipH="1">
-            <a:off x="1688758" y="3515790"/>
-            <a:ext cx="6689123" cy="3573"/>
-          </a:xfrm>
-          <a:prstGeom prst="line">
-            <a:avLst/>
-          </a:prstGeom>
-          <a:ln>
-            <a:solidFill>
-              <a:schemeClr val="bg1">
-                <a:lumMod val="50000"/>
-              </a:schemeClr>
-            </a:solidFill>
-            <a:prstDash val="sysDot"/>
-            <a:headEnd type="none" w="med" len="med"/>
-            <a:tailEnd type="none" w="med" len="med"/>
-          </a:ln>
-          <a:effectLst/>
-        </p:spPr>
-        <p:style>
-          <a:lnRef idx="2">
-            <a:schemeClr val="accent1"/>
-          </a:lnRef>
-          <a:fillRef idx="0">
-            <a:schemeClr val="accent1"/>
-          </a:fillRef>
-          <a:effectRef idx="1">
-            <a:schemeClr val="accent1"/>
-          </a:effectRef>
-          <a:fontRef idx="minor">
-            <a:schemeClr val="tx1"/>
-          </a:fontRef>
-        </p:style>
-      </p:cxnSp>
-      <p:cxnSp>
-        <p:nvCxnSpPr>
           <p:cNvPr id="102" name="Straight Arrow Connector 101"/>
           <p:cNvCxnSpPr/>
           <p:nvPr/>
         </p:nvCxnSpPr>
         <p:spPr>
           <a:xfrm flipH="1">
-            <a:off x="7126250" y="3022990"/>
+            <a:off x="7035526" y="3022990"/>
             <a:ext cx="3700" cy="681418"/>
           </a:xfrm>
           <a:prstGeom prst="straightConnector1">
@@ -13194,7 +13127,7 @@
         </p:nvCxnSpPr>
         <p:spPr>
           <a:xfrm flipH="1">
-            <a:off x="4749638" y="3022990"/>
+            <a:off x="4572991" y="3022990"/>
             <a:ext cx="3700" cy="681418"/>
           </a:xfrm>
           <a:prstGeom prst="straightConnector1">
@@ -13234,7 +13167,7 @@
         </p:nvCxnSpPr>
         <p:spPr>
           <a:xfrm flipH="1">
-            <a:off x="3587382" y="3022990"/>
+            <a:off x="3121367" y="3022990"/>
             <a:ext cx="3700" cy="681418"/>
           </a:xfrm>
           <a:prstGeom prst="straightConnector1">
@@ -13274,8 +13207,8 @@
         </p:nvSpPr>
         <p:spPr>
           <a:xfrm>
-            <a:off x="1652247" y="3629174"/>
-            <a:ext cx="1010213" cy="584775"/>
+            <a:off x="1370642" y="3529140"/>
+            <a:ext cx="980589" cy="584775"/>
           </a:xfrm>
           <a:prstGeom prst="rect">
             <a:avLst/>
@@ -13290,14 +13223,28 @@
           <a:p>
             <a:r>
               <a:rPr lang="en-US" sz="3200" dirty="0" err="1" smtClean="0">
-                <a:latin typeface="Gill Sans"/>
-                <a:cs typeface="Gill Sans"/>
+                <a:solidFill>
+                  <a:schemeClr val="tx1">
+                    <a:lumMod val="50000"/>
+                    <a:lumOff val="50000"/>
+                  </a:schemeClr>
+                </a:solidFill>
+                <a:latin typeface="Josefin Sans" charset="0"/>
+                <a:ea typeface="Josefin Sans" charset="0"/>
+                <a:cs typeface="Josefin Sans" charset="0"/>
               </a:rPr>
               <a:t>QFix</a:t>
             </a:r>
             <a:endParaRPr lang="en-US" sz="3200" dirty="0" smtClean="0">
-              <a:latin typeface="Gill Sans"/>
-              <a:cs typeface="Gill Sans"/>
+              <a:solidFill>
+                <a:schemeClr val="tx1">
+                  <a:lumMod val="50000"/>
+                  <a:lumOff val="50000"/>
+                </a:schemeClr>
+              </a:solidFill>
+              <a:latin typeface="Josefin Sans" charset="0"/>
+              <a:ea typeface="Josefin Sans" charset="0"/>
+              <a:cs typeface="Josefin Sans" charset="0"/>
             </a:endParaRPr>
           </a:p>
         </p:txBody>
@@ -13310,7 +13257,7 @@
         </p:nvSpPr>
         <p:spPr>
           <a:xfrm>
-            <a:off x="2618682" y="2399417"/>
+            <a:off x="2511482" y="2399417"/>
             <a:ext cx="1827727" cy="922787"/>
           </a:xfrm>
           <a:prstGeom prst="rect">
@@ -13383,7 +13330,7 @@
         </p:nvSpPr>
         <p:spPr>
           <a:xfrm>
-            <a:off x="2727007" y="2110721"/>
+            <a:off x="2480910" y="2143673"/>
             <a:ext cx="178885" cy="178885"/>
           </a:xfrm>
           <a:prstGeom prst="ellipse">
@@ -13434,8 +13381,8 @@
         </p:nvSpPr>
         <p:spPr>
           <a:xfrm>
-            <a:off x="2875578" y="2015497"/>
-            <a:ext cx="604653" cy="369332"/>
+            <a:off x="2629481" y="2048449"/>
+            <a:ext cx="1082540" cy="369332"/>
           </a:xfrm>
           <a:prstGeom prst="rect">
             <a:avLst/>
@@ -13460,7 +13407,7 @@
                 <a:ea typeface="Josefin Sans" charset="0"/>
                 <a:cs typeface="Josefin Sans" charset="0"/>
               </a:rPr>
-              <a:t>error</a:t>
+              <a:t>complaint</a:t>
             </a:r>
             <a:endParaRPr lang="en-US" dirty="0" smtClean="0">
               <a:solidFill>
@@ -13483,7 +13430,7 @@
         </p:nvSpPr>
         <p:spPr>
           <a:xfrm>
-            <a:off x="3598432" y="2110721"/>
+            <a:off x="3757450" y="2143673"/>
             <a:ext cx="178885" cy="178885"/>
           </a:xfrm>
           <a:prstGeom prst="ellipse">
@@ -13534,7 +13481,7 @@
         </p:nvSpPr>
         <p:spPr>
           <a:xfrm>
-            <a:off x="3747003" y="2015497"/>
+            <a:off x="3906021" y="2048449"/>
             <a:ext cx="633507" cy="369332"/>
           </a:xfrm>
           <a:prstGeom prst="rect">
@@ -13573,7 +13520,7 @@
         </p:nvSpPr>
         <p:spPr>
           <a:xfrm>
-            <a:off x="1640896" y="2015497"/>
+            <a:off x="1533696" y="2048449"/>
             <a:ext cx="664156" cy="369332"/>
           </a:xfrm>
           <a:prstGeom prst="rect">
@@ -13607,7 +13554,7 @@
         </p:nvSpPr>
         <p:spPr>
           <a:xfrm>
-            <a:off x="3768053" y="2805567"/>
+            <a:off x="3660853" y="2805567"/>
             <a:ext cx="178885" cy="178885"/>
           </a:xfrm>
           <a:prstGeom prst="ellipse">
@@ -13660,7 +13607,7 @@
         </p:nvSpPr>
         <p:spPr>
           <a:xfrm>
-            <a:off x="4094775" y="2805567"/>
+            <a:off x="3987575" y="2805567"/>
             <a:ext cx="178885" cy="178885"/>
           </a:xfrm>
           <a:prstGeom prst="ellipse">
@@ -13713,7 +13660,7 @@
         </p:nvSpPr>
         <p:spPr>
           <a:xfrm>
-            <a:off x="3768053" y="3058876"/>
+            <a:off x="3660853" y="3058876"/>
             <a:ext cx="178885" cy="178885"/>
           </a:xfrm>
           <a:prstGeom prst="ellipse">
@@ -13765,7 +13712,7 @@
         </p:nvSpPr>
         <p:spPr>
           <a:xfrm>
-            <a:off x="4094775" y="3058876"/>
+            <a:off x="3987575" y="3058876"/>
             <a:ext cx="178885" cy="178885"/>
           </a:xfrm>
           <a:prstGeom prst="ellipse">
@@ -13814,7 +13761,7 @@
         </p:nvSpPr>
         <p:spPr>
           <a:xfrm>
-            <a:off x="2791431" y="2807013"/>
+            <a:off x="2684231" y="2807013"/>
             <a:ext cx="178885" cy="178885"/>
           </a:xfrm>
           <a:prstGeom prst="ellipse">
@@ -13867,7 +13814,7 @@
         </p:nvSpPr>
         <p:spPr>
           <a:xfrm>
-            <a:off x="3118153" y="2807013"/>
+            <a:off x="3010953" y="2807013"/>
             <a:ext cx="178885" cy="178885"/>
           </a:xfrm>
           <a:prstGeom prst="ellipse">
@@ -13920,7 +13867,7 @@
         </p:nvSpPr>
         <p:spPr>
           <a:xfrm>
-            <a:off x="3444875" y="2807013"/>
+            <a:off x="3337675" y="2807013"/>
             <a:ext cx="178885" cy="178885"/>
           </a:xfrm>
           <a:prstGeom prst="ellipse">
@@ -13973,7 +13920,7 @@
         </p:nvSpPr>
         <p:spPr>
           <a:xfrm>
-            <a:off x="2791431" y="3055797"/>
+            <a:off x="2684231" y="3055797"/>
             <a:ext cx="178885" cy="178885"/>
           </a:xfrm>
           <a:prstGeom prst="ellipse">
@@ -14026,7 +13973,7 @@
         </p:nvSpPr>
         <p:spPr>
           <a:xfrm>
-            <a:off x="3118153" y="3055797"/>
+            <a:off x="3010953" y="3055797"/>
             <a:ext cx="178885" cy="178885"/>
           </a:xfrm>
           <a:prstGeom prst="ellipse">
@@ -14075,7 +14022,7 @@
         </p:nvSpPr>
         <p:spPr>
           <a:xfrm>
-            <a:off x="3444875" y="3055797"/>
+            <a:off x="3337675" y="3055797"/>
             <a:ext cx="178885" cy="178885"/>
           </a:xfrm>
           <a:prstGeom prst="ellipse">
@@ -14128,10 +14075,10 @@
         </p:nvGrpSpPr>
         <p:grpSpPr>
           <a:xfrm>
-            <a:off x="4578536" y="2361029"/>
-            <a:ext cx="1259118" cy="951684"/>
-            <a:chOff x="4224302" y="2064465"/>
-            <a:chExt cx="1259118" cy="951684"/>
+            <a:off x="4471336" y="2416403"/>
+            <a:ext cx="1259118" cy="896310"/>
+            <a:chOff x="4224302" y="2119839"/>
+            <a:chExt cx="1259118" cy="896310"/>
           </a:xfrm>
         </p:grpSpPr>
         <p:sp>
@@ -14142,8 +14089,8 @@
           </p:nvSpPr>
           <p:spPr>
             <a:xfrm>
-              <a:off x="4224302" y="2064465"/>
-              <a:ext cx="1259118" cy="951684"/>
+              <a:off x="4224302" y="2119839"/>
+              <a:ext cx="1259118" cy="896310"/>
             </a:xfrm>
             <a:prstGeom prst="foldedCorner">
               <a:avLst/>
@@ -14215,7 +14162,7 @@
           </p:nvSpPr>
           <p:spPr>
             <a:xfrm>
-              <a:off x="4252494" y="2367892"/>
+              <a:off x="4252494" y="2425558"/>
               <a:ext cx="1143293" cy="523220"/>
             </a:xfrm>
             <a:prstGeom prst="rect">
@@ -14272,7 +14219,7 @@
         </p:nvCxnSpPr>
         <p:spPr>
           <a:xfrm flipV="1">
-            <a:off x="2200026" y="2772804"/>
+            <a:off x="2092826" y="2772804"/>
             <a:ext cx="417361" cy="1080"/>
           </a:xfrm>
           <a:prstGeom prst="straightConnector1">
@@ -14320,7 +14267,7 @@
         </p:blipFill>
         <p:spPr>
           <a:xfrm>
-            <a:off x="1563975" y="2370520"/>
+            <a:off x="1456775" y="2370520"/>
             <a:ext cx="811543" cy="811543"/>
           </a:xfrm>
           <a:prstGeom prst="rect">
